--- a/02_PREPARATION/02_PREPARACION_TSLAB.pptx
+++ b/02_PREPARATION/02_PREPARACION_TSLAB.pptx
@@ -5,15 +5,22 @@
     <p:sldMasterId id="2147483648" r:id="rId1"/>
   </p:sldMasterIdLst>
   <p:notesMasterIdLst>
-    <p:notesMasterId r:id="rId8"/>
+    <p:notesMasterId r:id="rId15"/>
   </p:notesMasterIdLst>
   <p:sldIdLst>
     <p:sldId id="256" r:id="rId2"/>
-    <p:sldId id="258" r:id="rId3"/>
-    <p:sldId id="549" r:id="rId4"/>
-    <p:sldId id="551" r:id="rId5"/>
-    <p:sldId id="563" r:id="rId6"/>
-    <p:sldId id="538" r:id="rId7"/>
+    <p:sldId id="549" r:id="rId3"/>
+    <p:sldId id="570" r:id="rId4"/>
+    <p:sldId id="258" r:id="rId5"/>
+    <p:sldId id="551" r:id="rId6"/>
+    <p:sldId id="564" r:id="rId7"/>
+    <p:sldId id="565" r:id="rId8"/>
+    <p:sldId id="567" r:id="rId9"/>
+    <p:sldId id="571" r:id="rId10"/>
+    <p:sldId id="568" r:id="rId11"/>
+    <p:sldId id="569" r:id="rId12"/>
+    <p:sldId id="563" r:id="rId13"/>
+    <p:sldId id="538" r:id="rId14"/>
   </p:sldIdLst>
   <p:sldSz cx="12192000" cy="6858000"/>
   <p:notesSz cx="6858000" cy="9144000"/>
@@ -118,9 +125,16 @@
         <p14:section name="Presentación" id="{E9678120-2CCB-4928-9317-8E9A9F9DB340}">
           <p14:sldIdLst>
             <p14:sldId id="256"/>
+            <p14:sldId id="549"/>
+            <p14:sldId id="570"/>
             <p14:sldId id="258"/>
-            <p14:sldId id="549"/>
             <p14:sldId id="551"/>
+            <p14:sldId id="564"/>
+            <p14:sldId id="565"/>
+            <p14:sldId id="567"/>
+            <p14:sldId id="571"/>
+            <p14:sldId id="568"/>
+            <p14:sldId id="569"/>
             <p14:sldId id="563"/>
             <p14:sldId id="538"/>
           </p14:sldIdLst>
@@ -4345,6 +4359,1909 @@
 </p:sld>
 </file>
 
+<file path=ppt/slides/slide10.xml><?xml version="1.0" encoding="utf-8"?>
+<p:sld xmlns:a="http://schemas.openxmlformats.org/drawingml/2006/main" xmlns:r="http://schemas.openxmlformats.org/officeDocument/2006/relationships" xmlns:p="http://schemas.openxmlformats.org/presentationml/2006/main">
+  <p:cSld>
+    <p:spTree>
+      <p:nvGrpSpPr>
+        <p:cNvPr id="1" name=""/>
+        <p:cNvGrpSpPr/>
+        <p:nvPr/>
+      </p:nvGrpSpPr>
+      <p:grpSpPr>
+        <a:xfrm>
+          <a:off x="0" y="0"/>
+          <a:ext cx="0" cy="0"/>
+          <a:chOff x="0" y="0"/>
+          <a:chExt cx="0" cy="0"/>
+        </a:xfrm>
+      </p:grpSpPr>
+      <p:sp>
+        <p:nvSpPr>
+          <p:cNvPr id="22" name="CuadroTexto 21">
+            <a:extLst>
+              <a:ext uri="{FF2B5EF4-FFF2-40B4-BE49-F238E27FC236}">
+                <a16:creationId xmlns:a16="http://schemas.microsoft.com/office/drawing/2014/main" id="{5C80F593-DD2F-4F38-8160-0B4B1E5E79C5}"/>
+              </a:ext>
+            </a:extLst>
+          </p:cNvPr>
+          <p:cNvSpPr txBox="1"/>
+          <p:nvPr/>
+        </p:nvSpPr>
+        <p:spPr>
+          <a:xfrm>
+            <a:off x="7675981" y="186661"/>
+            <a:ext cx="4516019" cy="1077218"/>
+          </a:xfrm>
+          <a:prstGeom prst="rect">
+            <a:avLst/>
+          </a:prstGeom>
+          <a:noFill/>
+        </p:spPr>
+        <p:txBody>
+          <a:bodyPr wrap="square" rtlCol="0">
+            <a:spAutoFit/>
+          </a:bodyPr>
+          <a:lstStyle/>
+          <a:p>
+            <a:pPr algn="ctr"/>
+            <a:r>
+              <a:rPr lang="es-ES" sz="3200" dirty="0"/>
+              <a:t>Revisión del Caso Práctico</a:t>
+            </a:r>
+            <a:endParaRPr lang="en-US" sz="2800" dirty="0"/>
+          </a:p>
+        </p:txBody>
+      </p:sp>
+      <p:sp>
+        <p:nvSpPr>
+          <p:cNvPr id="43" name="CuadroTexto 42">
+            <a:extLst>
+              <a:ext uri="{FF2B5EF4-FFF2-40B4-BE49-F238E27FC236}">
+                <a16:creationId xmlns:a16="http://schemas.microsoft.com/office/drawing/2014/main" id="{47A5A277-2DCF-4F78-A2A7-6F76ED500228}"/>
+              </a:ext>
+            </a:extLst>
+          </p:cNvPr>
+          <p:cNvSpPr txBox="1"/>
+          <p:nvPr/>
+        </p:nvSpPr>
+        <p:spPr>
+          <a:xfrm>
+            <a:off x="0" y="1360657"/>
+            <a:ext cx="3959603" cy="400110"/>
+          </a:xfrm>
+          <a:prstGeom prst="rect">
+            <a:avLst/>
+          </a:prstGeom>
+          <a:noFill/>
+        </p:spPr>
+        <p:txBody>
+          <a:bodyPr wrap="square" rtlCol="0">
+            <a:spAutoFit/>
+          </a:bodyPr>
+          <a:lstStyle/>
+          <a:p>
+            <a:pPr algn="ctr"/>
+            <a:r>
+              <a:rPr lang="es-ES" sz="2000" i="1" dirty="0"/>
+              <a:t>Arreglos de la serie Temporal</a:t>
+            </a:r>
+            <a:endParaRPr lang="en-US" i="1" dirty="0"/>
+          </a:p>
+        </p:txBody>
+      </p:sp>
+      <p:sp>
+        <p:nvSpPr>
+          <p:cNvPr id="9" name="AutoShape 6" descr="statsmodels">
+            <a:extLst>
+              <a:ext uri="{FF2B5EF4-FFF2-40B4-BE49-F238E27FC236}">
+                <a16:creationId xmlns:a16="http://schemas.microsoft.com/office/drawing/2014/main" id="{CABC1135-890E-4BE3-9332-D0D6EF3DCCCC}"/>
+              </a:ext>
+            </a:extLst>
+          </p:cNvPr>
+          <p:cNvSpPr>
+            <a:spLocks noChangeAspect="1" noChangeArrowheads="1"/>
+          </p:cNvSpPr>
+          <p:nvPr/>
+        </p:nvSpPr>
+        <p:spPr bwMode="auto">
+          <a:xfrm>
+            <a:off x="11524641" y="5400258"/>
+            <a:ext cx="304800" cy="304800"/>
+          </a:xfrm>
+          <a:prstGeom prst="rect">
+            <a:avLst/>
+          </a:prstGeom>
+          <a:noFill/>
+          <a:extLst>
+            <a:ext uri="{909E8E84-426E-40DD-AFC4-6F175D3DCCD1}">
+              <a14:hiddenFill xmlns:a14="http://schemas.microsoft.com/office/drawing/2010/main">
+                <a:solidFill>
+                  <a:srgbClr val="FFFFFF"/>
+                </a:solidFill>
+              </a14:hiddenFill>
+            </a:ext>
+          </a:extLst>
+        </p:spPr>
+        <p:txBody>
+          <a:bodyPr vert="horz" wrap="square" lIns="91440" tIns="45720" rIns="91440" bIns="45720" numCol="1" anchor="t" anchorCtr="0" compatLnSpc="1">
+            <a:prstTxWarp prst="textNoShape">
+              <a:avLst/>
+            </a:prstTxWarp>
+          </a:bodyPr>
+          <a:lstStyle/>
+          <a:p>
+            <a:endParaRPr lang="en-US" dirty="0"/>
+          </a:p>
+        </p:txBody>
+      </p:sp>
+      <p:sp>
+        <p:nvSpPr>
+          <p:cNvPr id="2" name="Rectángulo: esquinas redondeadas 1">
+            <a:extLst>
+              <a:ext uri="{FF2B5EF4-FFF2-40B4-BE49-F238E27FC236}">
+                <a16:creationId xmlns:a16="http://schemas.microsoft.com/office/drawing/2014/main" id="{FA8FC288-FE67-4B2B-9E5D-3CAD2E98AEB1}"/>
+              </a:ext>
+            </a:extLst>
+          </p:cNvPr>
+          <p:cNvSpPr/>
+          <p:nvPr/>
+        </p:nvSpPr>
+        <p:spPr>
+          <a:xfrm>
+            <a:off x="362558" y="2029947"/>
+            <a:ext cx="3053593" cy="973123"/>
+          </a:xfrm>
+          <a:prstGeom prst="roundRect">
+            <a:avLst/>
+          </a:prstGeom>
+          <a:ln>
+            <a:noFill/>
+          </a:ln>
+        </p:spPr>
+        <p:style>
+          <a:lnRef idx="2">
+            <a:schemeClr val="accent1">
+              <a:shade val="50000"/>
+            </a:schemeClr>
+          </a:lnRef>
+          <a:fillRef idx="1">
+            <a:schemeClr val="accent1"/>
+          </a:fillRef>
+          <a:effectRef idx="0">
+            <a:schemeClr val="accent1"/>
+          </a:effectRef>
+          <a:fontRef idx="minor">
+            <a:schemeClr val="lt1"/>
+          </a:fontRef>
+        </p:style>
+        <p:txBody>
+          <a:bodyPr rtlCol="0" anchor="ctr"/>
+          <a:lstStyle/>
+          <a:p>
+            <a:pPr algn="ctr"/>
+            <a:r>
+              <a:rPr lang="es-ES" dirty="0"/>
+              <a:t>Datos Faltantes</a:t>
+            </a:r>
+            <a:endParaRPr lang="en-US" dirty="0"/>
+          </a:p>
+        </p:txBody>
+      </p:sp>
+      <p:sp>
+        <p:nvSpPr>
+          <p:cNvPr id="7" name="Rectángulo: esquinas redondeadas 6">
+            <a:extLst>
+              <a:ext uri="{FF2B5EF4-FFF2-40B4-BE49-F238E27FC236}">
+                <a16:creationId xmlns:a16="http://schemas.microsoft.com/office/drawing/2014/main" id="{A07B9AEE-FD20-410D-9CEC-D84D03649067}"/>
+              </a:ext>
+            </a:extLst>
+          </p:cNvPr>
+          <p:cNvSpPr/>
+          <p:nvPr/>
+        </p:nvSpPr>
+        <p:spPr>
+          <a:xfrm>
+            <a:off x="4261607" y="2029946"/>
+            <a:ext cx="3053593" cy="973123"/>
+          </a:xfrm>
+          <a:prstGeom prst="roundRect">
+            <a:avLst/>
+          </a:prstGeom>
+          <a:ln>
+            <a:noFill/>
+          </a:ln>
+        </p:spPr>
+        <p:style>
+          <a:lnRef idx="2">
+            <a:schemeClr val="accent1">
+              <a:shade val="50000"/>
+            </a:schemeClr>
+          </a:lnRef>
+          <a:fillRef idx="1">
+            <a:schemeClr val="accent1"/>
+          </a:fillRef>
+          <a:effectRef idx="0">
+            <a:schemeClr val="accent1"/>
+          </a:effectRef>
+          <a:fontRef idx="minor">
+            <a:schemeClr val="lt1"/>
+          </a:fontRef>
+        </p:style>
+        <p:txBody>
+          <a:bodyPr rtlCol="0" anchor="ctr"/>
+          <a:lstStyle/>
+          <a:p>
+            <a:pPr algn="ctr"/>
+            <a:r>
+              <a:rPr lang="es-ES" dirty="0"/>
+              <a:t>Ceros</a:t>
+            </a:r>
+            <a:endParaRPr lang="en-US" dirty="0"/>
+          </a:p>
+        </p:txBody>
+      </p:sp>
+      <p:sp>
+        <p:nvSpPr>
+          <p:cNvPr id="8" name="Rectángulo: esquinas redondeadas 7">
+            <a:extLst>
+              <a:ext uri="{FF2B5EF4-FFF2-40B4-BE49-F238E27FC236}">
+                <a16:creationId xmlns:a16="http://schemas.microsoft.com/office/drawing/2014/main" id="{B4F9CA9D-361E-41BB-B9B4-22CBE5B11B82}"/>
+              </a:ext>
+            </a:extLst>
+          </p:cNvPr>
+          <p:cNvSpPr/>
+          <p:nvPr/>
+        </p:nvSpPr>
+        <p:spPr>
+          <a:xfrm>
+            <a:off x="8775848" y="2029945"/>
+            <a:ext cx="3053593" cy="973123"/>
+          </a:xfrm>
+          <a:prstGeom prst="roundRect">
+            <a:avLst/>
+          </a:prstGeom>
+          <a:ln>
+            <a:noFill/>
+          </a:ln>
+        </p:spPr>
+        <p:style>
+          <a:lnRef idx="2">
+            <a:schemeClr val="accent1">
+              <a:shade val="50000"/>
+            </a:schemeClr>
+          </a:lnRef>
+          <a:fillRef idx="1">
+            <a:schemeClr val="accent1"/>
+          </a:fillRef>
+          <a:effectRef idx="0">
+            <a:schemeClr val="accent1"/>
+          </a:effectRef>
+          <a:fontRef idx="minor">
+            <a:schemeClr val="lt1"/>
+          </a:fontRef>
+        </p:style>
+        <p:txBody>
+          <a:bodyPr rtlCol="0" anchor="ctr"/>
+          <a:lstStyle/>
+          <a:p>
+            <a:pPr algn="ctr"/>
+            <a:r>
+              <a:rPr lang="es-ES" dirty="0"/>
+              <a:t>Varianza</a:t>
+            </a:r>
+            <a:endParaRPr lang="en-US" dirty="0"/>
+          </a:p>
+        </p:txBody>
+      </p:sp>
+      <p:sp>
+        <p:nvSpPr>
+          <p:cNvPr id="10" name="Rectángulo: esquinas redondeadas 9">
+            <a:extLst>
+              <a:ext uri="{FF2B5EF4-FFF2-40B4-BE49-F238E27FC236}">
+                <a16:creationId xmlns:a16="http://schemas.microsoft.com/office/drawing/2014/main" id="{BB78D5E2-5B6F-4A2A-8279-4B8B3F0F8C5A}"/>
+              </a:ext>
+            </a:extLst>
+          </p:cNvPr>
+          <p:cNvSpPr/>
+          <p:nvPr/>
+        </p:nvSpPr>
+        <p:spPr>
+          <a:xfrm>
+            <a:off x="8775848" y="5218494"/>
+            <a:ext cx="3053593" cy="973123"/>
+          </a:xfrm>
+          <a:prstGeom prst="roundRect">
+            <a:avLst/>
+          </a:prstGeom>
+          <a:ln>
+            <a:noFill/>
+          </a:ln>
+        </p:spPr>
+        <p:style>
+          <a:lnRef idx="2">
+            <a:schemeClr val="accent1">
+              <a:shade val="50000"/>
+            </a:schemeClr>
+          </a:lnRef>
+          <a:fillRef idx="1">
+            <a:schemeClr val="accent1"/>
+          </a:fillRef>
+          <a:effectRef idx="0">
+            <a:schemeClr val="accent1"/>
+          </a:effectRef>
+          <a:fontRef idx="minor">
+            <a:schemeClr val="lt1"/>
+          </a:fontRef>
+        </p:style>
+        <p:txBody>
+          <a:bodyPr rtlCol="0" anchor="ctr"/>
+          <a:lstStyle/>
+          <a:p>
+            <a:pPr algn="ctr"/>
+            <a:r>
+              <a:rPr lang="es-ES" dirty="0" err="1"/>
+              <a:t>Lag</a:t>
+            </a:r>
+            <a:endParaRPr lang="en-US" dirty="0"/>
+          </a:p>
+        </p:txBody>
+      </p:sp>
+      <p:sp>
+        <p:nvSpPr>
+          <p:cNvPr id="11" name="Rectángulo: esquinas redondeadas 10">
+            <a:extLst>
+              <a:ext uri="{FF2B5EF4-FFF2-40B4-BE49-F238E27FC236}">
+                <a16:creationId xmlns:a16="http://schemas.microsoft.com/office/drawing/2014/main" id="{5CC3FA6C-C46E-40A1-B651-0047C24332B8}"/>
+              </a:ext>
+            </a:extLst>
+          </p:cNvPr>
+          <p:cNvSpPr/>
+          <p:nvPr/>
+        </p:nvSpPr>
+        <p:spPr>
+          <a:xfrm>
+            <a:off x="4261607" y="5218495"/>
+            <a:ext cx="3053593" cy="973123"/>
+          </a:xfrm>
+          <a:prstGeom prst="roundRect">
+            <a:avLst/>
+          </a:prstGeom>
+          <a:solidFill>
+            <a:srgbClr val="A80000"/>
+          </a:solidFill>
+          <a:ln>
+            <a:noFill/>
+          </a:ln>
+        </p:spPr>
+        <p:style>
+          <a:lnRef idx="2">
+            <a:schemeClr val="accent1">
+              <a:shade val="50000"/>
+            </a:schemeClr>
+          </a:lnRef>
+          <a:fillRef idx="1">
+            <a:schemeClr val="accent1"/>
+          </a:fillRef>
+          <a:effectRef idx="0">
+            <a:schemeClr val="accent1"/>
+          </a:effectRef>
+          <a:fontRef idx="minor">
+            <a:schemeClr val="lt1"/>
+          </a:fontRef>
+        </p:style>
+        <p:txBody>
+          <a:bodyPr rtlCol="0" anchor="ctr"/>
+          <a:lstStyle/>
+          <a:p>
+            <a:pPr algn="ctr"/>
+            <a:r>
+              <a:rPr lang="es-ES" dirty="0"/>
+              <a:t>Media móvil</a:t>
+            </a:r>
+            <a:endParaRPr lang="en-US" dirty="0"/>
+          </a:p>
+        </p:txBody>
+      </p:sp>
+      <p:sp>
+        <p:nvSpPr>
+          <p:cNvPr id="12" name="Rectángulo: esquinas redondeadas 11">
+            <a:extLst>
+              <a:ext uri="{FF2B5EF4-FFF2-40B4-BE49-F238E27FC236}">
+                <a16:creationId xmlns:a16="http://schemas.microsoft.com/office/drawing/2014/main" id="{5ED25998-F487-4A84-BB7E-D02D590572EB}"/>
+              </a:ext>
+            </a:extLst>
+          </p:cNvPr>
+          <p:cNvSpPr/>
+          <p:nvPr/>
+        </p:nvSpPr>
+        <p:spPr>
+          <a:xfrm>
+            <a:off x="362559" y="5218496"/>
+            <a:ext cx="3053593" cy="973123"/>
+          </a:xfrm>
+          <a:prstGeom prst="roundRect">
+            <a:avLst/>
+          </a:prstGeom>
+          <a:ln>
+            <a:noFill/>
+          </a:ln>
+        </p:spPr>
+        <p:style>
+          <a:lnRef idx="2">
+            <a:schemeClr val="accent1">
+              <a:shade val="50000"/>
+            </a:schemeClr>
+          </a:lnRef>
+          <a:fillRef idx="1">
+            <a:schemeClr val="accent1"/>
+          </a:fillRef>
+          <a:effectRef idx="0">
+            <a:schemeClr val="accent1"/>
+          </a:effectRef>
+          <a:fontRef idx="minor">
+            <a:schemeClr val="lt1"/>
+          </a:fontRef>
+        </p:style>
+        <p:txBody>
+          <a:bodyPr rtlCol="0" anchor="ctr"/>
+          <a:lstStyle/>
+          <a:p>
+            <a:pPr algn="ctr"/>
+            <a:r>
+              <a:rPr lang="es-ES" dirty="0"/>
+              <a:t>Tendencia</a:t>
+            </a:r>
+            <a:endParaRPr lang="en-US" dirty="0"/>
+          </a:p>
+        </p:txBody>
+      </p:sp>
+      <p:sp>
+        <p:nvSpPr>
+          <p:cNvPr id="3" name="Rectángulo: esquinas redondeadas 2">
+            <a:extLst>
+              <a:ext uri="{FF2B5EF4-FFF2-40B4-BE49-F238E27FC236}">
+                <a16:creationId xmlns:a16="http://schemas.microsoft.com/office/drawing/2014/main" id="{0F213969-98AB-4DB8-B426-6CDD28B2585D}"/>
+              </a:ext>
+            </a:extLst>
+          </p:cNvPr>
+          <p:cNvSpPr/>
+          <p:nvPr/>
+        </p:nvSpPr>
+        <p:spPr>
+          <a:xfrm>
+            <a:off x="362559" y="3632433"/>
+            <a:ext cx="3053593" cy="973123"/>
+          </a:xfrm>
+          <a:prstGeom prst="roundRect">
+            <a:avLst/>
+          </a:prstGeom>
+          <a:solidFill>
+            <a:schemeClr val="bg1"/>
+          </a:solidFill>
+          <a:ln>
+            <a:solidFill>
+              <a:srgbClr val="A80000"/>
+            </a:solidFill>
+          </a:ln>
+        </p:spPr>
+        <p:style>
+          <a:lnRef idx="2">
+            <a:schemeClr val="accent1">
+              <a:shade val="50000"/>
+            </a:schemeClr>
+          </a:lnRef>
+          <a:fillRef idx="1">
+            <a:schemeClr val="accent1"/>
+          </a:fillRef>
+          <a:effectRef idx="0">
+            <a:schemeClr val="accent1"/>
+          </a:effectRef>
+          <a:fontRef idx="minor">
+            <a:schemeClr val="lt1"/>
+          </a:fontRef>
+        </p:style>
+        <p:txBody>
+          <a:bodyPr rtlCol="0" anchor="ctr"/>
+          <a:lstStyle/>
+          <a:p>
+            <a:pPr algn="ctr"/>
+            <a:r>
+              <a:rPr lang="es-ES" dirty="0">
+                <a:solidFill>
+                  <a:srgbClr val="A80000"/>
+                </a:solidFill>
+              </a:rPr>
+              <a:t>Agregación Temporal</a:t>
+            </a:r>
+            <a:endParaRPr lang="en-US" dirty="0">
+              <a:solidFill>
+                <a:srgbClr val="A80000"/>
+              </a:solidFill>
+            </a:endParaRPr>
+          </a:p>
+        </p:txBody>
+      </p:sp>
+      <p:sp>
+        <p:nvSpPr>
+          <p:cNvPr id="4" name="Rectángulo: esquinas redondeadas 3">
+            <a:extLst>
+              <a:ext uri="{FF2B5EF4-FFF2-40B4-BE49-F238E27FC236}">
+                <a16:creationId xmlns:a16="http://schemas.microsoft.com/office/drawing/2014/main" id="{59D459A3-6CF5-42AD-839F-317EA8E1BA8B}"/>
+              </a:ext>
+            </a:extLst>
+          </p:cNvPr>
+          <p:cNvSpPr/>
+          <p:nvPr/>
+        </p:nvSpPr>
+        <p:spPr>
+          <a:xfrm>
+            <a:off x="3833769" y="3129094"/>
+            <a:ext cx="7690872" cy="1968140"/>
+          </a:xfrm>
+          <a:prstGeom prst="roundRect">
+            <a:avLst/>
+          </a:prstGeom>
+          <a:solidFill>
+            <a:schemeClr val="bg1"/>
+          </a:solidFill>
+          <a:ln>
+            <a:solidFill>
+              <a:srgbClr val="A80000"/>
+            </a:solidFill>
+          </a:ln>
+        </p:spPr>
+        <p:style>
+          <a:lnRef idx="2">
+            <a:schemeClr val="accent1">
+              <a:shade val="50000"/>
+            </a:schemeClr>
+          </a:lnRef>
+          <a:fillRef idx="1">
+            <a:schemeClr val="accent1"/>
+          </a:fillRef>
+          <a:effectRef idx="0">
+            <a:schemeClr val="accent1"/>
+          </a:effectRef>
+          <a:fontRef idx="minor">
+            <a:schemeClr val="lt1"/>
+          </a:fontRef>
+        </p:style>
+        <p:txBody>
+          <a:bodyPr rtlCol="0" anchor="ctr"/>
+          <a:lstStyle/>
+          <a:p>
+            <a:pPr algn="ctr"/>
+            <a:endParaRPr lang="en-US"/>
+          </a:p>
+        </p:txBody>
+      </p:sp>
+      <p:sp>
+        <p:nvSpPr>
+          <p:cNvPr id="6" name="Flecha: a la derecha 5">
+            <a:extLst>
+              <a:ext uri="{FF2B5EF4-FFF2-40B4-BE49-F238E27FC236}">
+                <a16:creationId xmlns:a16="http://schemas.microsoft.com/office/drawing/2014/main" id="{078FD83B-A895-42D7-A8E7-D2C2D228DD86}"/>
+              </a:ext>
+            </a:extLst>
+          </p:cNvPr>
+          <p:cNvSpPr/>
+          <p:nvPr/>
+        </p:nvSpPr>
+        <p:spPr>
+          <a:xfrm>
+            <a:off x="3416151" y="3968170"/>
+            <a:ext cx="417618" cy="268448"/>
+          </a:xfrm>
+          <a:prstGeom prst="rightArrow">
+            <a:avLst/>
+          </a:prstGeom>
+          <a:solidFill>
+            <a:srgbClr val="A80000"/>
+          </a:solidFill>
+          <a:ln>
+            <a:solidFill>
+              <a:srgbClr val="A80000"/>
+            </a:solidFill>
+          </a:ln>
+        </p:spPr>
+        <p:style>
+          <a:lnRef idx="2">
+            <a:schemeClr val="accent1">
+              <a:shade val="50000"/>
+            </a:schemeClr>
+          </a:lnRef>
+          <a:fillRef idx="1">
+            <a:schemeClr val="accent1"/>
+          </a:fillRef>
+          <a:effectRef idx="0">
+            <a:schemeClr val="accent1"/>
+          </a:effectRef>
+          <a:fontRef idx="minor">
+            <a:schemeClr val="lt1"/>
+          </a:fontRef>
+        </p:style>
+        <p:txBody>
+          <a:bodyPr rtlCol="0" anchor="ctr"/>
+          <a:lstStyle/>
+          <a:p>
+            <a:pPr algn="ctr"/>
+            <a:endParaRPr lang="en-US"/>
+          </a:p>
+        </p:txBody>
+      </p:sp>
+      <p:sp>
+        <p:nvSpPr>
+          <p:cNvPr id="15" name="CuadroTexto 14">
+            <a:extLst>
+              <a:ext uri="{FF2B5EF4-FFF2-40B4-BE49-F238E27FC236}">
+                <a16:creationId xmlns:a16="http://schemas.microsoft.com/office/drawing/2014/main" id="{2FDF7E11-2026-485A-ABDF-7ABF9924D27D}"/>
+              </a:ext>
+            </a:extLst>
+          </p:cNvPr>
+          <p:cNvSpPr txBox="1"/>
+          <p:nvPr/>
+        </p:nvSpPr>
+        <p:spPr>
+          <a:xfrm>
+            <a:off x="3833770" y="3625340"/>
+            <a:ext cx="7588144" cy="954107"/>
+          </a:xfrm>
+          <a:prstGeom prst="rect">
+            <a:avLst/>
+          </a:prstGeom>
+          <a:noFill/>
+        </p:spPr>
+        <p:txBody>
+          <a:bodyPr wrap="square" rtlCol="0">
+            <a:spAutoFit/>
+          </a:bodyPr>
+          <a:lstStyle/>
+          <a:p>
+            <a:pPr marL="742950" lvl="1" indent="-285750">
+              <a:buFont typeface="Wingdings" panose="05000000000000000000" pitchFamily="2" charset="2"/>
+              <a:buChar char="Ø"/>
+            </a:pPr>
+            <a:r>
+              <a:rPr lang="es-ES" sz="1400" dirty="0"/>
+              <a:t>Se puede realizar la agregación temporal en el caso que la variable que se busque sea de este tipo.</a:t>
+            </a:r>
+          </a:p>
+          <a:p>
+            <a:pPr marL="742950" lvl="1" indent="-285750">
+              <a:buFont typeface="Wingdings" panose="05000000000000000000" pitchFamily="2" charset="2"/>
+              <a:buChar char="Ø"/>
+            </a:pPr>
+            <a:r>
+              <a:rPr lang="es-ES" sz="1400" dirty="0"/>
+              <a:t>La media móvil es la más típica, pero también puede ser válida la suma, máximas, mínimas e incluso la mediana móvil.</a:t>
+            </a:r>
+          </a:p>
+        </p:txBody>
+      </p:sp>
+    </p:spTree>
+    <p:extLst>
+      <p:ext uri="{BB962C8B-B14F-4D97-AF65-F5344CB8AC3E}">
+        <p14:creationId xmlns:p14="http://schemas.microsoft.com/office/powerpoint/2010/main" val="1316653535"/>
+      </p:ext>
+    </p:extLst>
+  </p:cSld>
+  <p:clrMapOvr>
+    <a:masterClrMapping/>
+  </p:clrMapOvr>
+</p:sld>
+</file>
+
+<file path=ppt/slides/slide11.xml><?xml version="1.0" encoding="utf-8"?>
+<p:sld xmlns:a="http://schemas.openxmlformats.org/drawingml/2006/main" xmlns:r="http://schemas.openxmlformats.org/officeDocument/2006/relationships" xmlns:p="http://schemas.openxmlformats.org/presentationml/2006/main">
+  <p:cSld>
+    <p:spTree>
+      <p:nvGrpSpPr>
+        <p:cNvPr id="1" name=""/>
+        <p:cNvGrpSpPr/>
+        <p:nvPr/>
+      </p:nvGrpSpPr>
+      <p:grpSpPr>
+        <a:xfrm>
+          <a:off x="0" y="0"/>
+          <a:ext cx="0" cy="0"/>
+          <a:chOff x="0" y="0"/>
+          <a:chExt cx="0" cy="0"/>
+        </a:xfrm>
+      </p:grpSpPr>
+      <p:sp>
+        <p:nvSpPr>
+          <p:cNvPr id="22" name="CuadroTexto 21">
+            <a:extLst>
+              <a:ext uri="{FF2B5EF4-FFF2-40B4-BE49-F238E27FC236}">
+                <a16:creationId xmlns:a16="http://schemas.microsoft.com/office/drawing/2014/main" id="{5C80F593-DD2F-4F38-8160-0B4B1E5E79C5}"/>
+              </a:ext>
+            </a:extLst>
+          </p:cNvPr>
+          <p:cNvSpPr txBox="1"/>
+          <p:nvPr/>
+        </p:nvSpPr>
+        <p:spPr>
+          <a:xfrm>
+            <a:off x="7675981" y="186661"/>
+            <a:ext cx="4516019" cy="1077218"/>
+          </a:xfrm>
+          <a:prstGeom prst="rect">
+            <a:avLst/>
+          </a:prstGeom>
+          <a:noFill/>
+        </p:spPr>
+        <p:txBody>
+          <a:bodyPr wrap="square" rtlCol="0">
+            <a:spAutoFit/>
+          </a:bodyPr>
+          <a:lstStyle/>
+          <a:p>
+            <a:pPr algn="ctr"/>
+            <a:r>
+              <a:rPr lang="es-ES" sz="3200" dirty="0"/>
+              <a:t>Revisión del Caso Práctico</a:t>
+            </a:r>
+            <a:endParaRPr lang="en-US" sz="2800" dirty="0"/>
+          </a:p>
+        </p:txBody>
+      </p:sp>
+      <p:sp>
+        <p:nvSpPr>
+          <p:cNvPr id="43" name="CuadroTexto 42">
+            <a:extLst>
+              <a:ext uri="{FF2B5EF4-FFF2-40B4-BE49-F238E27FC236}">
+                <a16:creationId xmlns:a16="http://schemas.microsoft.com/office/drawing/2014/main" id="{47A5A277-2DCF-4F78-A2A7-6F76ED500228}"/>
+              </a:ext>
+            </a:extLst>
+          </p:cNvPr>
+          <p:cNvSpPr txBox="1"/>
+          <p:nvPr/>
+        </p:nvSpPr>
+        <p:spPr>
+          <a:xfrm>
+            <a:off x="0" y="1360657"/>
+            <a:ext cx="3959603" cy="400110"/>
+          </a:xfrm>
+          <a:prstGeom prst="rect">
+            <a:avLst/>
+          </a:prstGeom>
+          <a:noFill/>
+        </p:spPr>
+        <p:txBody>
+          <a:bodyPr wrap="square" rtlCol="0">
+            <a:spAutoFit/>
+          </a:bodyPr>
+          <a:lstStyle/>
+          <a:p>
+            <a:pPr algn="ctr"/>
+            <a:r>
+              <a:rPr lang="es-ES" sz="2000" i="1" dirty="0"/>
+              <a:t>Arreglos de la serie Temporal</a:t>
+            </a:r>
+            <a:endParaRPr lang="en-US" i="1" dirty="0"/>
+          </a:p>
+        </p:txBody>
+      </p:sp>
+      <p:sp>
+        <p:nvSpPr>
+          <p:cNvPr id="9" name="AutoShape 6" descr="statsmodels">
+            <a:extLst>
+              <a:ext uri="{FF2B5EF4-FFF2-40B4-BE49-F238E27FC236}">
+                <a16:creationId xmlns:a16="http://schemas.microsoft.com/office/drawing/2014/main" id="{CABC1135-890E-4BE3-9332-D0D6EF3DCCCC}"/>
+              </a:ext>
+            </a:extLst>
+          </p:cNvPr>
+          <p:cNvSpPr>
+            <a:spLocks noChangeAspect="1" noChangeArrowheads="1"/>
+          </p:cNvSpPr>
+          <p:nvPr/>
+        </p:nvSpPr>
+        <p:spPr bwMode="auto">
+          <a:xfrm>
+            <a:off x="11524641" y="5400258"/>
+            <a:ext cx="304800" cy="304800"/>
+          </a:xfrm>
+          <a:prstGeom prst="rect">
+            <a:avLst/>
+          </a:prstGeom>
+          <a:noFill/>
+          <a:extLst>
+            <a:ext uri="{909E8E84-426E-40DD-AFC4-6F175D3DCCD1}">
+              <a14:hiddenFill xmlns:a14="http://schemas.microsoft.com/office/drawing/2010/main">
+                <a:solidFill>
+                  <a:srgbClr val="FFFFFF"/>
+                </a:solidFill>
+              </a14:hiddenFill>
+            </a:ext>
+          </a:extLst>
+        </p:spPr>
+        <p:txBody>
+          <a:bodyPr vert="horz" wrap="square" lIns="91440" tIns="45720" rIns="91440" bIns="45720" numCol="1" anchor="t" anchorCtr="0" compatLnSpc="1">
+            <a:prstTxWarp prst="textNoShape">
+              <a:avLst/>
+            </a:prstTxWarp>
+          </a:bodyPr>
+          <a:lstStyle/>
+          <a:p>
+            <a:endParaRPr lang="en-US" dirty="0"/>
+          </a:p>
+        </p:txBody>
+      </p:sp>
+      <p:sp>
+        <p:nvSpPr>
+          <p:cNvPr id="2" name="Rectángulo: esquinas redondeadas 1">
+            <a:extLst>
+              <a:ext uri="{FF2B5EF4-FFF2-40B4-BE49-F238E27FC236}">
+                <a16:creationId xmlns:a16="http://schemas.microsoft.com/office/drawing/2014/main" id="{FA8FC288-FE67-4B2B-9E5D-3CAD2E98AEB1}"/>
+              </a:ext>
+            </a:extLst>
+          </p:cNvPr>
+          <p:cNvSpPr/>
+          <p:nvPr/>
+        </p:nvSpPr>
+        <p:spPr>
+          <a:xfrm>
+            <a:off x="362558" y="2029947"/>
+            <a:ext cx="3053593" cy="973123"/>
+          </a:xfrm>
+          <a:prstGeom prst="roundRect">
+            <a:avLst/>
+          </a:prstGeom>
+          <a:ln>
+            <a:noFill/>
+          </a:ln>
+        </p:spPr>
+        <p:style>
+          <a:lnRef idx="2">
+            <a:schemeClr val="accent1">
+              <a:shade val="50000"/>
+            </a:schemeClr>
+          </a:lnRef>
+          <a:fillRef idx="1">
+            <a:schemeClr val="accent1"/>
+          </a:fillRef>
+          <a:effectRef idx="0">
+            <a:schemeClr val="accent1"/>
+          </a:effectRef>
+          <a:fontRef idx="minor">
+            <a:schemeClr val="lt1"/>
+          </a:fontRef>
+        </p:style>
+        <p:txBody>
+          <a:bodyPr rtlCol="0" anchor="ctr"/>
+          <a:lstStyle/>
+          <a:p>
+            <a:pPr algn="ctr"/>
+            <a:r>
+              <a:rPr lang="es-ES" dirty="0"/>
+              <a:t>Datos Faltantes</a:t>
+            </a:r>
+            <a:endParaRPr lang="en-US" dirty="0"/>
+          </a:p>
+        </p:txBody>
+      </p:sp>
+      <p:sp>
+        <p:nvSpPr>
+          <p:cNvPr id="7" name="Rectángulo: esquinas redondeadas 6">
+            <a:extLst>
+              <a:ext uri="{FF2B5EF4-FFF2-40B4-BE49-F238E27FC236}">
+                <a16:creationId xmlns:a16="http://schemas.microsoft.com/office/drawing/2014/main" id="{A07B9AEE-FD20-410D-9CEC-D84D03649067}"/>
+              </a:ext>
+            </a:extLst>
+          </p:cNvPr>
+          <p:cNvSpPr/>
+          <p:nvPr/>
+        </p:nvSpPr>
+        <p:spPr>
+          <a:xfrm>
+            <a:off x="4261607" y="2029946"/>
+            <a:ext cx="3053593" cy="973123"/>
+          </a:xfrm>
+          <a:prstGeom prst="roundRect">
+            <a:avLst/>
+          </a:prstGeom>
+          <a:ln>
+            <a:noFill/>
+          </a:ln>
+        </p:spPr>
+        <p:style>
+          <a:lnRef idx="2">
+            <a:schemeClr val="accent1">
+              <a:shade val="50000"/>
+            </a:schemeClr>
+          </a:lnRef>
+          <a:fillRef idx="1">
+            <a:schemeClr val="accent1"/>
+          </a:fillRef>
+          <a:effectRef idx="0">
+            <a:schemeClr val="accent1"/>
+          </a:effectRef>
+          <a:fontRef idx="minor">
+            <a:schemeClr val="lt1"/>
+          </a:fontRef>
+        </p:style>
+        <p:txBody>
+          <a:bodyPr rtlCol="0" anchor="ctr"/>
+          <a:lstStyle/>
+          <a:p>
+            <a:pPr algn="ctr"/>
+            <a:r>
+              <a:rPr lang="es-ES" dirty="0"/>
+              <a:t>Ceros</a:t>
+            </a:r>
+            <a:endParaRPr lang="en-US" dirty="0"/>
+          </a:p>
+        </p:txBody>
+      </p:sp>
+      <p:sp>
+        <p:nvSpPr>
+          <p:cNvPr id="8" name="Rectángulo: esquinas redondeadas 7">
+            <a:extLst>
+              <a:ext uri="{FF2B5EF4-FFF2-40B4-BE49-F238E27FC236}">
+                <a16:creationId xmlns:a16="http://schemas.microsoft.com/office/drawing/2014/main" id="{B4F9CA9D-361E-41BB-B9B4-22CBE5B11B82}"/>
+              </a:ext>
+            </a:extLst>
+          </p:cNvPr>
+          <p:cNvSpPr/>
+          <p:nvPr/>
+        </p:nvSpPr>
+        <p:spPr>
+          <a:xfrm>
+            <a:off x="8775848" y="2029945"/>
+            <a:ext cx="3053593" cy="973123"/>
+          </a:xfrm>
+          <a:prstGeom prst="roundRect">
+            <a:avLst/>
+          </a:prstGeom>
+          <a:ln>
+            <a:noFill/>
+          </a:ln>
+        </p:spPr>
+        <p:style>
+          <a:lnRef idx="2">
+            <a:schemeClr val="accent1">
+              <a:shade val="50000"/>
+            </a:schemeClr>
+          </a:lnRef>
+          <a:fillRef idx="1">
+            <a:schemeClr val="accent1"/>
+          </a:fillRef>
+          <a:effectRef idx="0">
+            <a:schemeClr val="accent1"/>
+          </a:effectRef>
+          <a:fontRef idx="minor">
+            <a:schemeClr val="lt1"/>
+          </a:fontRef>
+        </p:style>
+        <p:txBody>
+          <a:bodyPr rtlCol="0" anchor="ctr"/>
+          <a:lstStyle/>
+          <a:p>
+            <a:pPr algn="ctr"/>
+            <a:r>
+              <a:rPr lang="es-ES" dirty="0"/>
+              <a:t>Varianza</a:t>
+            </a:r>
+            <a:endParaRPr lang="en-US" dirty="0"/>
+          </a:p>
+        </p:txBody>
+      </p:sp>
+      <p:sp>
+        <p:nvSpPr>
+          <p:cNvPr id="10" name="Rectángulo: esquinas redondeadas 9">
+            <a:extLst>
+              <a:ext uri="{FF2B5EF4-FFF2-40B4-BE49-F238E27FC236}">
+                <a16:creationId xmlns:a16="http://schemas.microsoft.com/office/drawing/2014/main" id="{BB78D5E2-5B6F-4A2A-8279-4B8B3F0F8C5A}"/>
+              </a:ext>
+            </a:extLst>
+          </p:cNvPr>
+          <p:cNvSpPr/>
+          <p:nvPr/>
+        </p:nvSpPr>
+        <p:spPr>
+          <a:xfrm>
+            <a:off x="8775848" y="5218494"/>
+            <a:ext cx="3053593" cy="973123"/>
+          </a:xfrm>
+          <a:prstGeom prst="roundRect">
+            <a:avLst/>
+          </a:prstGeom>
+          <a:solidFill>
+            <a:srgbClr val="A80000"/>
+          </a:solidFill>
+          <a:ln>
+            <a:noFill/>
+          </a:ln>
+        </p:spPr>
+        <p:style>
+          <a:lnRef idx="2">
+            <a:schemeClr val="accent1">
+              <a:shade val="50000"/>
+            </a:schemeClr>
+          </a:lnRef>
+          <a:fillRef idx="1">
+            <a:schemeClr val="accent1"/>
+          </a:fillRef>
+          <a:effectRef idx="0">
+            <a:schemeClr val="accent1"/>
+          </a:effectRef>
+          <a:fontRef idx="minor">
+            <a:schemeClr val="lt1"/>
+          </a:fontRef>
+        </p:style>
+        <p:txBody>
+          <a:bodyPr rtlCol="0" anchor="ctr"/>
+          <a:lstStyle/>
+          <a:p>
+            <a:pPr algn="ctr"/>
+            <a:r>
+              <a:rPr lang="es-ES" dirty="0" err="1"/>
+              <a:t>Lag</a:t>
+            </a:r>
+            <a:endParaRPr lang="en-US" dirty="0"/>
+          </a:p>
+        </p:txBody>
+      </p:sp>
+      <p:sp>
+        <p:nvSpPr>
+          <p:cNvPr id="11" name="Rectángulo: esquinas redondeadas 10">
+            <a:extLst>
+              <a:ext uri="{FF2B5EF4-FFF2-40B4-BE49-F238E27FC236}">
+                <a16:creationId xmlns:a16="http://schemas.microsoft.com/office/drawing/2014/main" id="{5CC3FA6C-C46E-40A1-B651-0047C24332B8}"/>
+              </a:ext>
+            </a:extLst>
+          </p:cNvPr>
+          <p:cNvSpPr/>
+          <p:nvPr/>
+        </p:nvSpPr>
+        <p:spPr>
+          <a:xfrm>
+            <a:off x="4261607" y="5218495"/>
+            <a:ext cx="3053593" cy="973123"/>
+          </a:xfrm>
+          <a:prstGeom prst="roundRect">
+            <a:avLst/>
+          </a:prstGeom>
+          <a:ln>
+            <a:noFill/>
+          </a:ln>
+        </p:spPr>
+        <p:style>
+          <a:lnRef idx="2">
+            <a:schemeClr val="accent1">
+              <a:shade val="50000"/>
+            </a:schemeClr>
+          </a:lnRef>
+          <a:fillRef idx="1">
+            <a:schemeClr val="accent1"/>
+          </a:fillRef>
+          <a:effectRef idx="0">
+            <a:schemeClr val="accent1"/>
+          </a:effectRef>
+          <a:fontRef idx="minor">
+            <a:schemeClr val="lt1"/>
+          </a:fontRef>
+        </p:style>
+        <p:txBody>
+          <a:bodyPr rtlCol="0" anchor="ctr"/>
+          <a:lstStyle/>
+          <a:p>
+            <a:pPr algn="ctr"/>
+            <a:r>
+              <a:rPr lang="es-ES" dirty="0"/>
+              <a:t>Media móvil</a:t>
+            </a:r>
+            <a:endParaRPr lang="en-US" dirty="0"/>
+          </a:p>
+        </p:txBody>
+      </p:sp>
+      <p:sp>
+        <p:nvSpPr>
+          <p:cNvPr id="12" name="Rectángulo: esquinas redondeadas 11">
+            <a:extLst>
+              <a:ext uri="{FF2B5EF4-FFF2-40B4-BE49-F238E27FC236}">
+                <a16:creationId xmlns:a16="http://schemas.microsoft.com/office/drawing/2014/main" id="{5ED25998-F487-4A84-BB7E-D02D590572EB}"/>
+              </a:ext>
+            </a:extLst>
+          </p:cNvPr>
+          <p:cNvSpPr/>
+          <p:nvPr/>
+        </p:nvSpPr>
+        <p:spPr>
+          <a:xfrm>
+            <a:off x="362559" y="5218496"/>
+            <a:ext cx="3053593" cy="973123"/>
+          </a:xfrm>
+          <a:prstGeom prst="roundRect">
+            <a:avLst/>
+          </a:prstGeom>
+          <a:ln>
+            <a:noFill/>
+          </a:ln>
+        </p:spPr>
+        <p:style>
+          <a:lnRef idx="2">
+            <a:schemeClr val="accent1">
+              <a:shade val="50000"/>
+            </a:schemeClr>
+          </a:lnRef>
+          <a:fillRef idx="1">
+            <a:schemeClr val="accent1"/>
+          </a:fillRef>
+          <a:effectRef idx="0">
+            <a:schemeClr val="accent1"/>
+          </a:effectRef>
+          <a:fontRef idx="minor">
+            <a:schemeClr val="lt1"/>
+          </a:fontRef>
+        </p:style>
+        <p:txBody>
+          <a:bodyPr rtlCol="0" anchor="ctr"/>
+          <a:lstStyle/>
+          <a:p>
+            <a:pPr algn="ctr"/>
+            <a:r>
+              <a:rPr lang="es-ES" dirty="0"/>
+              <a:t>Tendencia</a:t>
+            </a:r>
+            <a:endParaRPr lang="en-US" dirty="0"/>
+          </a:p>
+        </p:txBody>
+      </p:sp>
+      <p:sp>
+        <p:nvSpPr>
+          <p:cNvPr id="3" name="Rectángulo: esquinas redondeadas 2">
+            <a:extLst>
+              <a:ext uri="{FF2B5EF4-FFF2-40B4-BE49-F238E27FC236}">
+                <a16:creationId xmlns:a16="http://schemas.microsoft.com/office/drawing/2014/main" id="{0F213969-98AB-4DB8-B426-6CDD28B2585D}"/>
+              </a:ext>
+            </a:extLst>
+          </p:cNvPr>
+          <p:cNvSpPr/>
+          <p:nvPr/>
+        </p:nvSpPr>
+        <p:spPr>
+          <a:xfrm>
+            <a:off x="362559" y="3632433"/>
+            <a:ext cx="3053593" cy="973123"/>
+          </a:xfrm>
+          <a:prstGeom prst="roundRect">
+            <a:avLst/>
+          </a:prstGeom>
+          <a:solidFill>
+            <a:schemeClr val="bg1"/>
+          </a:solidFill>
+          <a:ln>
+            <a:solidFill>
+              <a:srgbClr val="A80000"/>
+            </a:solidFill>
+          </a:ln>
+        </p:spPr>
+        <p:style>
+          <a:lnRef idx="2">
+            <a:schemeClr val="accent1">
+              <a:shade val="50000"/>
+            </a:schemeClr>
+          </a:lnRef>
+          <a:fillRef idx="1">
+            <a:schemeClr val="accent1"/>
+          </a:fillRef>
+          <a:effectRef idx="0">
+            <a:schemeClr val="accent1"/>
+          </a:effectRef>
+          <a:fontRef idx="minor">
+            <a:schemeClr val="lt1"/>
+          </a:fontRef>
+        </p:style>
+        <p:txBody>
+          <a:bodyPr rtlCol="0" anchor="ctr"/>
+          <a:lstStyle/>
+          <a:p>
+            <a:pPr algn="ctr"/>
+            <a:r>
+              <a:rPr lang="es-ES" dirty="0">
+                <a:solidFill>
+                  <a:srgbClr val="A80000"/>
+                </a:solidFill>
+              </a:rPr>
+              <a:t>Desfase de las series</a:t>
+            </a:r>
+            <a:endParaRPr lang="en-US" dirty="0">
+              <a:solidFill>
+                <a:srgbClr val="A80000"/>
+              </a:solidFill>
+            </a:endParaRPr>
+          </a:p>
+        </p:txBody>
+      </p:sp>
+      <p:sp>
+        <p:nvSpPr>
+          <p:cNvPr id="4" name="Rectángulo: esquinas redondeadas 3">
+            <a:extLst>
+              <a:ext uri="{FF2B5EF4-FFF2-40B4-BE49-F238E27FC236}">
+                <a16:creationId xmlns:a16="http://schemas.microsoft.com/office/drawing/2014/main" id="{59D459A3-6CF5-42AD-839F-317EA8E1BA8B}"/>
+              </a:ext>
+            </a:extLst>
+          </p:cNvPr>
+          <p:cNvSpPr/>
+          <p:nvPr/>
+        </p:nvSpPr>
+        <p:spPr>
+          <a:xfrm>
+            <a:off x="3833769" y="3129094"/>
+            <a:ext cx="7690872" cy="1968140"/>
+          </a:xfrm>
+          <a:prstGeom prst="roundRect">
+            <a:avLst/>
+          </a:prstGeom>
+          <a:solidFill>
+            <a:schemeClr val="bg1"/>
+          </a:solidFill>
+          <a:ln>
+            <a:solidFill>
+              <a:srgbClr val="A80000"/>
+            </a:solidFill>
+          </a:ln>
+        </p:spPr>
+        <p:style>
+          <a:lnRef idx="2">
+            <a:schemeClr val="accent1">
+              <a:shade val="50000"/>
+            </a:schemeClr>
+          </a:lnRef>
+          <a:fillRef idx="1">
+            <a:schemeClr val="accent1"/>
+          </a:fillRef>
+          <a:effectRef idx="0">
+            <a:schemeClr val="accent1"/>
+          </a:effectRef>
+          <a:fontRef idx="minor">
+            <a:schemeClr val="lt1"/>
+          </a:fontRef>
+        </p:style>
+        <p:txBody>
+          <a:bodyPr rtlCol="0" anchor="ctr"/>
+          <a:lstStyle/>
+          <a:p>
+            <a:pPr algn="ctr"/>
+            <a:endParaRPr lang="en-US"/>
+          </a:p>
+        </p:txBody>
+      </p:sp>
+      <p:sp>
+        <p:nvSpPr>
+          <p:cNvPr id="6" name="Flecha: a la derecha 5">
+            <a:extLst>
+              <a:ext uri="{FF2B5EF4-FFF2-40B4-BE49-F238E27FC236}">
+                <a16:creationId xmlns:a16="http://schemas.microsoft.com/office/drawing/2014/main" id="{078FD83B-A895-42D7-A8E7-D2C2D228DD86}"/>
+              </a:ext>
+            </a:extLst>
+          </p:cNvPr>
+          <p:cNvSpPr/>
+          <p:nvPr/>
+        </p:nvSpPr>
+        <p:spPr>
+          <a:xfrm>
+            <a:off x="3416151" y="3968170"/>
+            <a:ext cx="417618" cy="268448"/>
+          </a:xfrm>
+          <a:prstGeom prst="rightArrow">
+            <a:avLst/>
+          </a:prstGeom>
+          <a:solidFill>
+            <a:srgbClr val="A80000"/>
+          </a:solidFill>
+          <a:ln>
+            <a:solidFill>
+              <a:srgbClr val="A80000"/>
+            </a:solidFill>
+          </a:ln>
+        </p:spPr>
+        <p:style>
+          <a:lnRef idx="2">
+            <a:schemeClr val="accent1">
+              <a:shade val="50000"/>
+            </a:schemeClr>
+          </a:lnRef>
+          <a:fillRef idx="1">
+            <a:schemeClr val="accent1"/>
+          </a:fillRef>
+          <a:effectRef idx="0">
+            <a:schemeClr val="accent1"/>
+          </a:effectRef>
+          <a:fontRef idx="minor">
+            <a:schemeClr val="lt1"/>
+          </a:fontRef>
+        </p:style>
+        <p:txBody>
+          <a:bodyPr rtlCol="0" anchor="ctr"/>
+          <a:lstStyle/>
+          <a:p>
+            <a:pPr algn="ctr"/>
+            <a:endParaRPr lang="en-US"/>
+          </a:p>
+        </p:txBody>
+      </p:sp>
+      <p:sp>
+        <p:nvSpPr>
+          <p:cNvPr id="15" name="CuadroTexto 14">
+            <a:extLst>
+              <a:ext uri="{FF2B5EF4-FFF2-40B4-BE49-F238E27FC236}">
+                <a16:creationId xmlns:a16="http://schemas.microsoft.com/office/drawing/2014/main" id="{2FDF7E11-2026-485A-ABDF-7ABF9924D27D}"/>
+              </a:ext>
+            </a:extLst>
+          </p:cNvPr>
+          <p:cNvSpPr txBox="1"/>
+          <p:nvPr/>
+        </p:nvSpPr>
+        <p:spPr>
+          <a:xfrm>
+            <a:off x="3833770" y="3625340"/>
+            <a:ext cx="7588144" cy="954107"/>
+          </a:xfrm>
+          <a:prstGeom prst="rect">
+            <a:avLst/>
+          </a:prstGeom>
+          <a:noFill/>
+        </p:spPr>
+        <p:txBody>
+          <a:bodyPr wrap="square" rtlCol="0">
+            <a:spAutoFit/>
+          </a:bodyPr>
+          <a:lstStyle/>
+          <a:p>
+            <a:pPr marL="742950" lvl="1" indent="-285750">
+              <a:buFont typeface="Wingdings" panose="05000000000000000000" pitchFamily="2" charset="2"/>
+              <a:buChar char="Ø"/>
+            </a:pPr>
+            <a:r>
+              <a:rPr lang="es-ES" sz="1400" dirty="0"/>
+              <a:t>Las series también pueden ser desfasadas en el caso que tenga sentido. Esto es particularmente útil cuando estamos buscando efectos con retardo entre una variable y otra.</a:t>
+            </a:r>
+          </a:p>
+          <a:p>
+            <a:pPr lvl="1"/>
+            <a:endParaRPr lang="es-ES" sz="1400" dirty="0"/>
+          </a:p>
+        </p:txBody>
+      </p:sp>
+    </p:spTree>
+    <p:extLst>
+      <p:ext uri="{BB962C8B-B14F-4D97-AF65-F5344CB8AC3E}">
+        <p14:creationId xmlns:p14="http://schemas.microsoft.com/office/powerpoint/2010/main" val="3637268825"/>
+      </p:ext>
+    </p:extLst>
+  </p:cSld>
+  <p:clrMapOvr>
+    <a:masterClrMapping/>
+  </p:clrMapOvr>
+</p:sld>
+</file>
+
+<file path=ppt/slides/slide12.xml><?xml version="1.0" encoding="utf-8"?>
+<p:sld xmlns:a="http://schemas.openxmlformats.org/drawingml/2006/main" xmlns:r="http://schemas.openxmlformats.org/officeDocument/2006/relationships" xmlns:p="http://schemas.openxmlformats.org/presentationml/2006/main">
+  <p:cSld>
+    <p:spTree>
+      <p:nvGrpSpPr>
+        <p:cNvPr id="1" name=""/>
+        <p:cNvGrpSpPr/>
+        <p:nvPr/>
+      </p:nvGrpSpPr>
+      <p:grpSpPr>
+        <a:xfrm>
+          <a:off x="0" y="0"/>
+          <a:ext cx="0" cy="0"/>
+          <a:chOff x="0" y="0"/>
+          <a:chExt cx="0" cy="0"/>
+        </a:xfrm>
+      </p:grpSpPr>
+      <p:sp>
+        <p:nvSpPr>
+          <p:cNvPr id="22" name="CuadroTexto 21">
+            <a:extLst>
+              <a:ext uri="{FF2B5EF4-FFF2-40B4-BE49-F238E27FC236}">
+                <a16:creationId xmlns:a16="http://schemas.microsoft.com/office/drawing/2014/main" id="{5C80F593-DD2F-4F38-8160-0B4B1E5E79C5}"/>
+              </a:ext>
+            </a:extLst>
+          </p:cNvPr>
+          <p:cNvSpPr txBox="1"/>
+          <p:nvPr/>
+        </p:nvSpPr>
+        <p:spPr>
+          <a:xfrm>
+            <a:off x="7675981" y="186661"/>
+            <a:ext cx="4516019" cy="584775"/>
+          </a:xfrm>
+          <a:prstGeom prst="rect">
+            <a:avLst/>
+          </a:prstGeom>
+          <a:noFill/>
+        </p:spPr>
+        <p:txBody>
+          <a:bodyPr wrap="square" rtlCol="0">
+            <a:spAutoFit/>
+          </a:bodyPr>
+          <a:lstStyle/>
+          <a:p>
+            <a:pPr algn="ctr"/>
+            <a:r>
+              <a:rPr lang="es-ES" sz="3200" dirty="0"/>
+              <a:t>Caso Práctico</a:t>
+            </a:r>
+            <a:endParaRPr lang="en-US" sz="2800" dirty="0"/>
+          </a:p>
+        </p:txBody>
+      </p:sp>
+      <p:sp>
+        <p:nvSpPr>
+          <p:cNvPr id="43" name="CuadroTexto 42">
+            <a:extLst>
+              <a:ext uri="{FF2B5EF4-FFF2-40B4-BE49-F238E27FC236}">
+                <a16:creationId xmlns:a16="http://schemas.microsoft.com/office/drawing/2014/main" id="{47A5A277-2DCF-4F78-A2A7-6F76ED500228}"/>
+              </a:ext>
+            </a:extLst>
+          </p:cNvPr>
+          <p:cNvSpPr txBox="1"/>
+          <p:nvPr/>
+        </p:nvSpPr>
+        <p:spPr>
+          <a:xfrm>
+            <a:off x="0" y="1360657"/>
+            <a:ext cx="3874097" cy="400110"/>
+          </a:xfrm>
+          <a:prstGeom prst="rect">
+            <a:avLst/>
+          </a:prstGeom>
+          <a:noFill/>
+        </p:spPr>
+        <p:txBody>
+          <a:bodyPr wrap="square" rtlCol="0">
+            <a:spAutoFit/>
+          </a:bodyPr>
+          <a:lstStyle/>
+          <a:p>
+            <a:pPr algn="ctr"/>
+            <a:r>
+              <a:rPr lang="es-ES" sz="2000" i="1" dirty="0"/>
+              <a:t>Objetivos para la semana 2</a:t>
+            </a:r>
+            <a:endParaRPr lang="en-US" i="1" dirty="0"/>
+          </a:p>
+        </p:txBody>
+      </p:sp>
+      <p:sp>
+        <p:nvSpPr>
+          <p:cNvPr id="3" name="CuadroTexto 2">
+            <a:extLst>
+              <a:ext uri="{FF2B5EF4-FFF2-40B4-BE49-F238E27FC236}">
+                <a16:creationId xmlns:a16="http://schemas.microsoft.com/office/drawing/2014/main" id="{07C945E3-1846-4EE7-86DE-6C48E25628FB}"/>
+              </a:ext>
+            </a:extLst>
+          </p:cNvPr>
+          <p:cNvSpPr txBox="1"/>
+          <p:nvPr/>
+        </p:nvSpPr>
+        <p:spPr>
+          <a:xfrm>
+            <a:off x="302003" y="2108239"/>
+            <a:ext cx="8062352" cy="2532681"/>
+          </a:xfrm>
+          <a:prstGeom prst="rect">
+            <a:avLst/>
+          </a:prstGeom>
+          <a:noFill/>
+        </p:spPr>
+        <p:txBody>
+          <a:bodyPr wrap="square" rtlCol="0">
+            <a:spAutoFit/>
+          </a:bodyPr>
+          <a:lstStyle/>
+          <a:p>
+            <a:pPr marL="342900" indent="-342900">
+              <a:lnSpc>
+                <a:spcPct val="150000"/>
+              </a:lnSpc>
+              <a:buAutoNum type="arabicPeriod"/>
+            </a:pPr>
+            <a:r>
+              <a:rPr lang="es-ES" dirty="0"/>
+              <a:t>Tener la serie de PM2.5 limpia junto con las posibles regresoras. </a:t>
+            </a:r>
+          </a:p>
+          <a:p>
+            <a:pPr marL="342900" indent="-342900">
+              <a:lnSpc>
+                <a:spcPct val="150000"/>
+              </a:lnSpc>
+              <a:buAutoNum type="arabicPeriod"/>
+            </a:pPr>
+            <a:r>
+              <a:rPr lang="es-ES" dirty="0"/>
+              <a:t>Visualizar las series en su conjunto.</a:t>
+            </a:r>
+          </a:p>
+          <a:p>
+            <a:pPr marL="342900" indent="-342900">
+              <a:lnSpc>
+                <a:spcPct val="150000"/>
+              </a:lnSpc>
+              <a:buAutoNum type="arabicPeriod"/>
+            </a:pPr>
+            <a:r>
+              <a:rPr lang="es-ES" dirty="0"/>
+              <a:t>Hacer el reindexado de la serie a la medida que sea mejor.</a:t>
+            </a:r>
+          </a:p>
+          <a:p>
+            <a:pPr marL="342900" indent="-342900">
+              <a:lnSpc>
+                <a:spcPct val="150000"/>
+              </a:lnSpc>
+              <a:buAutoNum type="arabicPeriod"/>
+            </a:pPr>
+            <a:r>
+              <a:rPr lang="es-ES" dirty="0"/>
+              <a:t>Crear las variables derivadas de PM2.5 con:</a:t>
+            </a:r>
+          </a:p>
+          <a:p>
+            <a:pPr marL="800100" lvl="1" indent="-342900">
+              <a:lnSpc>
+                <a:spcPct val="150000"/>
+              </a:lnSpc>
+              <a:buAutoNum type="arabicPeriod"/>
+            </a:pPr>
+            <a:r>
+              <a:rPr lang="es-ES" dirty="0"/>
+              <a:t>Log</a:t>
+            </a:r>
+          </a:p>
+          <a:p>
+            <a:pPr marL="800100" lvl="1" indent="-342900">
+              <a:lnSpc>
+                <a:spcPct val="150000"/>
+              </a:lnSpc>
+              <a:buAutoNum type="arabicPeriod"/>
+            </a:pPr>
+            <a:r>
+              <a:rPr lang="es-ES" dirty="0" err="1"/>
+              <a:t>Moving</a:t>
+            </a:r>
+            <a:r>
+              <a:rPr lang="es-ES" dirty="0"/>
+              <a:t> </a:t>
+            </a:r>
+            <a:r>
+              <a:rPr lang="es-ES" dirty="0" err="1"/>
+              <a:t>Average</a:t>
+            </a:r>
+            <a:endParaRPr lang="es-ES" dirty="0"/>
+          </a:p>
+        </p:txBody>
+      </p:sp>
+    </p:spTree>
+    <p:extLst>
+      <p:ext uri="{BB962C8B-B14F-4D97-AF65-F5344CB8AC3E}">
+        <p14:creationId xmlns:p14="http://schemas.microsoft.com/office/powerpoint/2010/main" val="2240758136"/>
+      </p:ext>
+    </p:extLst>
+  </p:cSld>
+  <p:clrMapOvr>
+    <a:masterClrMapping/>
+  </p:clrMapOvr>
+</p:sld>
+</file>
+
+<file path=ppt/slides/slide13.xml><?xml version="1.0" encoding="utf-8"?>
+<p:sld xmlns:a="http://schemas.openxmlformats.org/drawingml/2006/main" xmlns:r="http://schemas.openxmlformats.org/officeDocument/2006/relationships" xmlns:p="http://schemas.openxmlformats.org/presentationml/2006/main">
+  <p:cSld>
+    <p:spTree>
+      <p:nvGrpSpPr>
+        <p:cNvPr id="1" name=""/>
+        <p:cNvGrpSpPr/>
+        <p:nvPr/>
+      </p:nvGrpSpPr>
+      <p:grpSpPr>
+        <a:xfrm>
+          <a:off x="0" y="0"/>
+          <a:ext cx="0" cy="0"/>
+          <a:chOff x="0" y="0"/>
+          <a:chExt cx="0" cy="0"/>
+        </a:xfrm>
+      </p:grpSpPr>
+      <p:sp>
+        <p:nvSpPr>
+          <p:cNvPr id="4" name="Rectángulo 3">
+            <a:extLst>
+              <a:ext uri="{FF2B5EF4-FFF2-40B4-BE49-F238E27FC236}">
+                <a16:creationId xmlns:a16="http://schemas.microsoft.com/office/drawing/2014/main" id="{6CD4C87E-B221-45CE-93DC-BD05927016DF}"/>
+              </a:ext>
+            </a:extLst>
+          </p:cNvPr>
+          <p:cNvSpPr/>
+          <p:nvPr/>
+        </p:nvSpPr>
+        <p:spPr>
+          <a:xfrm>
+            <a:off x="0" y="1371600"/>
+            <a:ext cx="12192000" cy="5486400"/>
+          </a:xfrm>
+          <a:prstGeom prst="rect">
+            <a:avLst/>
+          </a:prstGeom>
+          <a:solidFill>
+            <a:schemeClr val="bg1"/>
+          </a:solidFill>
+          <a:ln>
+            <a:solidFill>
+              <a:schemeClr val="bg1"/>
+            </a:solidFill>
+          </a:ln>
+        </p:spPr>
+        <p:style>
+          <a:lnRef idx="2">
+            <a:schemeClr val="accent1">
+              <a:shade val="50000"/>
+            </a:schemeClr>
+          </a:lnRef>
+          <a:fillRef idx="1">
+            <a:schemeClr val="accent1"/>
+          </a:fillRef>
+          <a:effectRef idx="0">
+            <a:schemeClr val="accent1"/>
+          </a:effectRef>
+          <a:fontRef idx="minor">
+            <a:schemeClr val="lt1"/>
+          </a:fontRef>
+        </p:style>
+        <p:txBody>
+          <a:bodyPr rtlCol="0" anchor="ctr"/>
+          <a:lstStyle/>
+          <a:p>
+            <a:pPr algn="ctr"/>
+            <a:endParaRPr lang="en-US" dirty="0"/>
+          </a:p>
+        </p:txBody>
+      </p:sp>
+      <p:pic>
+        <p:nvPicPr>
+          <p:cNvPr id="5" name="Picture 12" descr="Resultado de imagen de tinamica smartdata">
+            <a:extLst>
+              <a:ext uri="{FF2B5EF4-FFF2-40B4-BE49-F238E27FC236}">
+                <a16:creationId xmlns:a16="http://schemas.microsoft.com/office/drawing/2014/main" id="{31F64E77-1B5E-4538-9E84-2AC91F796445}"/>
+              </a:ext>
+            </a:extLst>
+          </p:cNvPr>
+          <p:cNvPicPr>
+            <a:picLocks noChangeAspect="1" noChangeArrowheads="1"/>
+          </p:cNvPicPr>
+          <p:nvPr/>
+        </p:nvPicPr>
+        <p:blipFill>
+          <a:blip r:embed="rId2">
+            <a:extLst>
+              <a:ext uri="{28A0092B-C50C-407E-A947-70E740481C1C}">
+                <a14:useLocalDpi xmlns:a14="http://schemas.microsoft.com/office/drawing/2010/main" val="0"/>
+              </a:ext>
+            </a:extLst>
+          </a:blip>
+          <a:srcRect/>
+          <a:stretch>
+            <a:fillRect/>
+          </a:stretch>
+        </p:blipFill>
+        <p:spPr bwMode="auto">
+          <a:xfrm>
+            <a:off x="4680628" y="3058230"/>
+            <a:ext cx="2830743" cy="741539"/>
+          </a:xfrm>
+          <a:prstGeom prst="rect">
+            <a:avLst/>
+          </a:prstGeom>
+          <a:noFill/>
+          <a:extLst>
+            <a:ext uri="{909E8E84-426E-40DD-AFC4-6F175D3DCCD1}">
+              <a14:hiddenFill xmlns:a14="http://schemas.microsoft.com/office/drawing/2010/main">
+                <a:solidFill>
+                  <a:srgbClr val="FFFFFF"/>
+                </a:solidFill>
+              </a14:hiddenFill>
+            </a:ext>
+          </a:extLst>
+        </p:spPr>
+      </p:pic>
+      <p:sp>
+        <p:nvSpPr>
+          <p:cNvPr id="6" name="Triángulo isósceles 5">
+            <a:extLst>
+              <a:ext uri="{FF2B5EF4-FFF2-40B4-BE49-F238E27FC236}">
+                <a16:creationId xmlns:a16="http://schemas.microsoft.com/office/drawing/2014/main" id="{0AC0C27F-AB2A-4BF4-9C28-F1C0DD84E3BF}"/>
+              </a:ext>
+            </a:extLst>
+          </p:cNvPr>
+          <p:cNvSpPr/>
+          <p:nvPr/>
+        </p:nvSpPr>
+        <p:spPr>
+          <a:xfrm flipV="1">
+            <a:off x="0" y="-3"/>
+            <a:ext cx="12113703" cy="681040"/>
+          </a:xfrm>
+          <a:prstGeom prst="triangle">
+            <a:avLst>
+              <a:gd name="adj" fmla="val 0"/>
+            </a:avLst>
+          </a:prstGeom>
+          <a:solidFill>
+            <a:schemeClr val="bg2">
+              <a:lumMod val="90000"/>
+            </a:schemeClr>
+          </a:solidFill>
+          <a:ln>
+            <a:noFill/>
+          </a:ln>
+        </p:spPr>
+        <p:style>
+          <a:lnRef idx="2">
+            <a:schemeClr val="accent1">
+              <a:shade val="50000"/>
+            </a:schemeClr>
+          </a:lnRef>
+          <a:fillRef idx="1">
+            <a:schemeClr val="accent1"/>
+          </a:fillRef>
+          <a:effectRef idx="0">
+            <a:schemeClr val="accent1"/>
+          </a:effectRef>
+          <a:fontRef idx="minor">
+            <a:schemeClr val="lt1"/>
+          </a:fontRef>
+        </p:style>
+        <p:txBody>
+          <a:bodyPr rot="0" spcFirstLastPara="0" vertOverflow="overflow" horzOverflow="overflow" vert="horz" wrap="square" lIns="91440" tIns="45720" rIns="91440" bIns="45720" numCol="1" spcCol="0" rtlCol="0" fromWordArt="0" anchor="ctr" anchorCtr="0" forceAA="0" compatLnSpc="1">
+            <a:prstTxWarp prst="textNoShape">
+              <a:avLst/>
+            </a:prstTxWarp>
+            <a:noAutofit/>
+          </a:bodyPr>
+          <a:lstStyle/>
+          <a:p>
+            <a:pPr algn="ctr"/>
+            <a:endParaRPr lang="en-US" dirty="0"/>
+          </a:p>
+        </p:txBody>
+      </p:sp>
+      <p:sp>
+        <p:nvSpPr>
+          <p:cNvPr id="7" name="Triángulo isósceles 6">
+            <a:extLst>
+              <a:ext uri="{FF2B5EF4-FFF2-40B4-BE49-F238E27FC236}">
+                <a16:creationId xmlns:a16="http://schemas.microsoft.com/office/drawing/2014/main" id="{A2BB0CA5-E4F3-40CA-9E10-D270C343C5E0}"/>
+              </a:ext>
+            </a:extLst>
+          </p:cNvPr>
+          <p:cNvSpPr/>
+          <p:nvPr/>
+        </p:nvSpPr>
+        <p:spPr>
+          <a:xfrm flipV="1">
+            <a:off x="0" y="0"/>
+            <a:ext cx="8931564" cy="1128338"/>
+          </a:xfrm>
+          <a:prstGeom prst="triangle">
+            <a:avLst>
+              <a:gd name="adj" fmla="val 0"/>
+            </a:avLst>
+          </a:prstGeom>
+          <a:solidFill>
+            <a:srgbClr val="C00000"/>
+          </a:solidFill>
+          <a:ln>
+            <a:noFill/>
+          </a:ln>
+        </p:spPr>
+        <p:style>
+          <a:lnRef idx="2">
+            <a:schemeClr val="accent1">
+              <a:shade val="50000"/>
+            </a:schemeClr>
+          </a:lnRef>
+          <a:fillRef idx="1">
+            <a:schemeClr val="accent1"/>
+          </a:fillRef>
+          <a:effectRef idx="0">
+            <a:schemeClr val="accent1"/>
+          </a:effectRef>
+          <a:fontRef idx="minor">
+            <a:schemeClr val="lt1"/>
+          </a:fontRef>
+        </p:style>
+        <p:txBody>
+          <a:bodyPr rot="0" spcFirstLastPara="0" vertOverflow="overflow" horzOverflow="overflow" vert="horz" wrap="square" lIns="91440" tIns="45720" rIns="91440" bIns="45720" numCol="1" spcCol="0" rtlCol="0" fromWordArt="0" anchor="ctr" anchorCtr="0" forceAA="0" compatLnSpc="1">
+            <a:prstTxWarp prst="textNoShape">
+              <a:avLst/>
+            </a:prstTxWarp>
+            <a:noAutofit/>
+          </a:bodyPr>
+          <a:lstStyle/>
+          <a:p>
+            <a:pPr algn="ctr"/>
+            <a:endParaRPr lang="en-US" dirty="0">
+              <a:latin typeface="Century Gothic" panose="020B0502020202020204" pitchFamily="34" charset="0"/>
+            </a:endParaRPr>
+          </a:p>
+        </p:txBody>
+      </p:sp>
+      <p:sp>
+        <p:nvSpPr>
+          <p:cNvPr id="8" name="Triángulo isósceles 7">
+            <a:extLst>
+              <a:ext uri="{FF2B5EF4-FFF2-40B4-BE49-F238E27FC236}">
+                <a16:creationId xmlns:a16="http://schemas.microsoft.com/office/drawing/2014/main" id="{BEFEAB9D-1D48-4130-B2EC-8FFB7DD59D03}"/>
+              </a:ext>
+            </a:extLst>
+          </p:cNvPr>
+          <p:cNvSpPr/>
+          <p:nvPr/>
+        </p:nvSpPr>
+        <p:spPr>
+          <a:xfrm flipV="1">
+            <a:off x="0" y="-1"/>
+            <a:ext cx="7340367" cy="1128340"/>
+          </a:xfrm>
+          <a:prstGeom prst="triangle">
+            <a:avLst>
+              <a:gd name="adj" fmla="val 0"/>
+            </a:avLst>
+          </a:prstGeom>
+          <a:solidFill>
+            <a:srgbClr val="002060"/>
+          </a:solidFill>
+          <a:ln>
+            <a:noFill/>
+          </a:ln>
+        </p:spPr>
+        <p:style>
+          <a:lnRef idx="2">
+            <a:schemeClr val="accent1">
+              <a:shade val="50000"/>
+            </a:schemeClr>
+          </a:lnRef>
+          <a:fillRef idx="1">
+            <a:schemeClr val="accent1"/>
+          </a:fillRef>
+          <a:effectRef idx="0">
+            <a:schemeClr val="accent1"/>
+          </a:effectRef>
+          <a:fontRef idx="minor">
+            <a:schemeClr val="lt1"/>
+          </a:fontRef>
+        </p:style>
+        <p:txBody>
+          <a:bodyPr rtlCol="0" anchor="ctr"/>
+          <a:lstStyle/>
+          <a:p>
+            <a:pPr algn="ctr"/>
+            <a:endParaRPr lang="en-US" dirty="0">
+              <a:latin typeface="Century Gothic" panose="020B0502020202020204" pitchFamily="34" charset="0"/>
+            </a:endParaRPr>
+          </a:p>
+        </p:txBody>
+      </p:sp>
+    </p:spTree>
+    <p:extLst>
+      <p:ext uri="{BB962C8B-B14F-4D97-AF65-F5344CB8AC3E}">
+        <p14:creationId xmlns:p14="http://schemas.microsoft.com/office/powerpoint/2010/main" val="2703144559"/>
+      </p:ext>
+    </p:extLst>
+  </p:cSld>
+  <p:clrMapOvr>
+    <a:masterClrMapping/>
+  </p:clrMapOvr>
+</p:sld>
+</file>
+
 <file path=ppt/slides/slide2.xml><?xml version="1.0" encoding="utf-8"?>
 <p:sld xmlns:a="http://schemas.openxmlformats.org/drawingml/2006/main" xmlns:r="http://schemas.openxmlformats.org/officeDocument/2006/relationships" xmlns:p="http://schemas.openxmlformats.org/presentationml/2006/main">
   <p:cSld>
@@ -4393,7 +6310,7 @@
             <a:pPr algn="ctr"/>
             <a:r>
               <a:rPr lang="es-ES" sz="3200" dirty="0"/>
-              <a:t>Temas a tratar</a:t>
+              <a:t>Outline Sesión Nº2</a:t>
             </a:r>
             <a:endParaRPr lang="en-US" sz="2800" dirty="0"/>
           </a:p>
@@ -4401,10 +6318,10 @@
       </p:sp>
       <p:sp>
         <p:nvSpPr>
-          <p:cNvPr id="39" name="CuadroTexto 38">
-            <a:extLst>
-              <a:ext uri="{FF2B5EF4-FFF2-40B4-BE49-F238E27FC236}">
-                <a16:creationId xmlns:a16="http://schemas.microsoft.com/office/drawing/2014/main" id="{B904A498-FAA0-4D1F-952A-8B5CDC3850AC}"/>
+          <p:cNvPr id="13" name="CuadroTexto 12">
+            <a:extLst>
+              <a:ext uri="{FF2B5EF4-FFF2-40B4-BE49-F238E27FC236}">
+                <a16:creationId xmlns:a16="http://schemas.microsoft.com/office/drawing/2014/main" id="{CCCA8C09-E3E9-4E29-8E18-EF59B2C02EB0}"/>
               </a:ext>
             </a:extLst>
           </p:cNvPr>
@@ -4413,8 +6330,8 @@
         </p:nvSpPr>
         <p:spPr>
           <a:xfrm>
-            <a:off x="69909" y="1690970"/>
-            <a:ext cx="5834325" cy="3170099"/>
+            <a:off x="451393" y="1649025"/>
+            <a:ext cx="5834325" cy="1015663"/>
           </a:xfrm>
           <a:prstGeom prst="rect">
             <a:avLst/>
@@ -4429,11 +6346,7 @@
           <a:p>
             <a:r>
               <a:rPr lang="es-ES" b="1" dirty="0"/>
-              <a:t>Creación y A</a:t>
-            </a:r>
-            <a:r>
-              <a:rPr lang="en-US" b="1" dirty="0"/>
-              <a:t>nálisis de Series Temporales</a:t>
+              <a:t>Revisión del Caso Práctico</a:t>
             </a:r>
           </a:p>
           <a:p>
@@ -4442,28 +6355,20 @@
               <a:buChar char="Ø"/>
             </a:pPr>
             <a:r>
+              <a:rPr lang="en-US" sz="1400" dirty="0" err="1"/>
+              <a:t>Creación</a:t>
+            </a:r>
+            <a:r>
               <a:rPr lang="en-US" sz="1400" dirty="0"/>
-              <a:t>Creación de Series Temporales</a:t>
-            </a:r>
-          </a:p>
-          <a:p>
-            <a:pPr marL="1200150" lvl="2" indent="-285750">
-              <a:buFont typeface="Wingdings" panose="05000000000000000000" pitchFamily="2" charset="2"/>
-              <a:buChar char="Ø"/>
-            </a:pPr>
+              <a:t> de la </a:t>
+            </a:r>
+            <a:r>
+              <a:rPr lang="en-US" sz="1400" dirty="0" err="1"/>
+              <a:t>serie</a:t>
+            </a:r>
             <a:r>
               <a:rPr lang="en-US" sz="1400" dirty="0"/>
-              <a:t>Elección fuentes</a:t>
-            </a:r>
-          </a:p>
-          <a:p>
-            <a:pPr marL="1200150" lvl="2" indent="-285750">
-              <a:buFont typeface="Wingdings" panose="05000000000000000000" pitchFamily="2" charset="2"/>
-              <a:buChar char="Ø"/>
-            </a:pPr>
-            <a:r>
-              <a:rPr lang="en-US" sz="1400" dirty="0"/>
-              <a:t>Elección de Resolución temporal</a:t>
+              <a:t> temporal</a:t>
             </a:r>
           </a:p>
           <a:p>
@@ -4472,54 +6377,59 @@
               <a:buChar char="Ø"/>
             </a:pPr>
             <a:r>
-              <a:rPr lang="en-US" sz="1400" b="1" dirty="0">
-                <a:solidFill>
-                  <a:srgbClr val="FF0000"/>
-                </a:solidFill>
-              </a:rPr>
-              <a:t>Descomposición de Series</a:t>
-            </a:r>
-          </a:p>
-          <a:p>
-            <a:pPr marL="1200150" lvl="2" indent="-285750">
-              <a:buFont typeface="Wingdings" panose="05000000000000000000" pitchFamily="2" charset="2"/>
-              <a:buChar char="Ø"/>
-            </a:pPr>
-            <a:r>
-              <a:rPr lang="en-US" sz="1400" b="1" dirty="0">
-                <a:solidFill>
-                  <a:srgbClr val="FF0000"/>
-                </a:solidFill>
-              </a:rPr>
-              <a:t>Tendencia</a:t>
-            </a:r>
-          </a:p>
-          <a:p>
-            <a:pPr marL="1200150" lvl="2" indent="-285750">
-              <a:buFont typeface="Wingdings" panose="05000000000000000000" pitchFamily="2" charset="2"/>
-              <a:buChar char="Ø"/>
-            </a:pPr>
-            <a:r>
-              <a:rPr lang="en-US" sz="1400" b="1" dirty="0">
-                <a:solidFill>
-                  <a:srgbClr val="FF0000"/>
-                </a:solidFill>
-              </a:rPr>
-              <a:t>Estacionalidad</a:t>
-            </a:r>
-          </a:p>
-          <a:p>
-            <a:pPr marL="1200150" lvl="2" indent="-285750">
-              <a:buFont typeface="Wingdings" panose="05000000000000000000" pitchFamily="2" charset="2"/>
-              <a:buChar char="Ø"/>
-            </a:pPr>
-            <a:r>
-              <a:rPr lang="en-US" sz="1400" b="1" dirty="0">
-                <a:solidFill>
-                  <a:srgbClr val="FF0000"/>
-                </a:solidFill>
-              </a:rPr>
-              <a:t>Ruido</a:t>
+              <a:rPr lang="en-US" sz="1400" dirty="0" err="1"/>
+              <a:t>Descomposición</a:t>
+            </a:r>
+            <a:r>
+              <a:rPr lang="en-US" sz="1400" dirty="0"/>
+              <a:t> de la </a:t>
+            </a:r>
+            <a:r>
+              <a:rPr lang="en-US" sz="1400" dirty="0" err="1"/>
+              <a:t>serie</a:t>
+            </a:r>
+            <a:r>
+              <a:rPr lang="en-US" sz="1400" dirty="0"/>
+              <a:t> temporal</a:t>
+            </a:r>
+          </a:p>
+          <a:p>
+            <a:pPr lvl="1"/>
+            <a:endParaRPr lang="en-US" sz="1400" dirty="0"/>
+          </a:p>
+        </p:txBody>
+      </p:sp>
+      <p:sp>
+        <p:nvSpPr>
+          <p:cNvPr id="14" name="CuadroTexto 13">
+            <a:extLst>
+              <a:ext uri="{FF2B5EF4-FFF2-40B4-BE49-F238E27FC236}">
+                <a16:creationId xmlns:a16="http://schemas.microsoft.com/office/drawing/2014/main" id="{D09FF44F-C2DB-4C6C-8A05-7863C51B87F0}"/>
+              </a:ext>
+            </a:extLst>
+          </p:cNvPr>
+          <p:cNvSpPr txBox="1"/>
+          <p:nvPr/>
+        </p:nvSpPr>
+        <p:spPr>
+          <a:xfrm>
+            <a:off x="451393" y="2540545"/>
+            <a:ext cx="5834325" cy="800219"/>
+          </a:xfrm>
+          <a:prstGeom prst="rect">
+            <a:avLst/>
+          </a:prstGeom>
+          <a:noFill/>
+        </p:spPr>
+        <p:txBody>
+          <a:bodyPr wrap="square" rtlCol="0">
+            <a:spAutoFit/>
+          </a:bodyPr>
+          <a:lstStyle/>
+          <a:p>
+            <a:r>
+              <a:rPr lang="es-ES" b="1" dirty="0"/>
+              <a:t>Transformación de Series Temporales</a:t>
             </a:r>
           </a:p>
           <a:p>
@@ -4528,57 +6438,14 @@
               <a:buChar char="Ø"/>
             </a:pPr>
             <a:r>
-              <a:rPr lang="en-US" sz="1400" b="1" dirty="0" err="1">
-                <a:solidFill>
-                  <a:srgbClr val="FF0000"/>
-                </a:solidFill>
-              </a:rPr>
-              <a:t>Transformación</a:t>
-            </a:r>
-            <a:r>
-              <a:rPr lang="en-US" sz="1400" b="1" dirty="0">
-                <a:solidFill>
-                  <a:srgbClr val="FF0000"/>
-                </a:solidFill>
-              </a:rPr>
-              <a:t> de Series Temporales</a:t>
-            </a:r>
-          </a:p>
-          <a:p>
-            <a:pPr marL="1200150" lvl="2" indent="-285750">
-              <a:buFont typeface="Wingdings" panose="05000000000000000000" pitchFamily="2" charset="2"/>
-              <a:buChar char="Ø"/>
-            </a:pPr>
-            <a:r>
-              <a:rPr lang="en-US" sz="1400" b="1" dirty="0">
-                <a:solidFill>
-                  <a:srgbClr val="FF0000"/>
-                </a:solidFill>
-              </a:rPr>
-              <a:t>Logaritmos, Diferencias y Normalizaciones</a:t>
-            </a:r>
-          </a:p>
-          <a:p>
-            <a:pPr marL="1200150" lvl="2" indent="-285750">
-              <a:buFont typeface="Wingdings" panose="05000000000000000000" pitchFamily="2" charset="2"/>
-              <a:buChar char="Ø"/>
-            </a:pPr>
-            <a:r>
-              <a:rPr lang="en-US" sz="1400" b="1" dirty="0">
-                <a:solidFill>
-                  <a:srgbClr val="FF0000"/>
-                </a:solidFill>
-              </a:rPr>
-              <a:t>Medias </a:t>
-            </a:r>
-            <a:r>
-              <a:rPr lang="en-US" sz="1400" b="1" noProof="1">
-                <a:solidFill>
-                  <a:srgbClr val="FF0000"/>
-                </a:solidFill>
-              </a:rPr>
-              <a:t>Móviles</a:t>
-            </a:r>
+              <a:rPr lang="en-US" sz="1400" dirty="0"/>
+              <a:t>Elección de </a:t>
+            </a:r>
+            <a:r>
+              <a:rPr lang="en-US" sz="1400" dirty="0" err="1"/>
+              <a:t>Resolución</a:t>
+            </a:r>
+            <a:endParaRPr lang="en-US" sz="1400" dirty="0"/>
           </a:p>
           <a:p>
             <a:pPr marL="742950" lvl="1" indent="-285750">
@@ -4587,49 +6454,29 @@
             </a:pPr>
             <a:r>
               <a:rPr lang="en-US" sz="1400" dirty="0" err="1"/>
-              <a:t>Análisis</a:t>
+              <a:t>Preparación</a:t>
             </a:r>
             <a:r>
               <a:rPr lang="en-US" sz="1400" dirty="0"/>
-              <a:t> de las Series</a:t>
-            </a:r>
-          </a:p>
-          <a:p>
-            <a:pPr marL="1200150" lvl="2" indent="-285750">
-              <a:buFont typeface="Wingdings" panose="05000000000000000000" pitchFamily="2" charset="2"/>
-              <a:buChar char="Ø"/>
-            </a:pPr>
+              <a:t> de la </a:t>
+            </a:r>
+            <a:r>
+              <a:rPr lang="en-US" sz="1400" dirty="0" err="1"/>
+              <a:t>serie</a:t>
+            </a:r>
             <a:r>
               <a:rPr lang="en-US" sz="1400" dirty="0"/>
-              <a:t>Tests (ACF &amp; PACF, ADF, </a:t>
-            </a:r>
-            <a:r>
-              <a:rPr lang="en-US" sz="1400" dirty="0" err="1"/>
-              <a:t>etc</a:t>
-            </a:r>
-            <a:r>
-              <a:rPr lang="en-US" sz="1400" dirty="0"/>
-              <a:t>…)</a:t>
-            </a:r>
-          </a:p>
-          <a:p>
-            <a:pPr marL="1200150" lvl="2" indent="-285750">
-              <a:buFont typeface="Wingdings" panose="05000000000000000000" pitchFamily="2" charset="2"/>
-              <a:buChar char="Ø"/>
-            </a:pPr>
-            <a:r>
-              <a:rPr lang="en-US" sz="1400" dirty="0"/>
-              <a:t>Cross Correlations</a:t>
-            </a:r>
-          </a:p>
-        </p:txBody>
-      </p:sp>
-      <p:sp>
-        <p:nvSpPr>
-          <p:cNvPr id="40" name="CuadroTexto 39">
-            <a:extLst>
-              <a:ext uri="{FF2B5EF4-FFF2-40B4-BE49-F238E27FC236}">
-                <a16:creationId xmlns:a16="http://schemas.microsoft.com/office/drawing/2014/main" id="{2476623C-B4DE-4C46-B31D-CABE88143AD3}"/>
+              <a:t> temporal</a:t>
+            </a:r>
+          </a:p>
+        </p:txBody>
+      </p:sp>
+      <p:sp>
+        <p:nvSpPr>
+          <p:cNvPr id="15" name="CuadroTexto 14">
+            <a:extLst>
+              <a:ext uri="{FF2B5EF4-FFF2-40B4-BE49-F238E27FC236}">
+                <a16:creationId xmlns:a16="http://schemas.microsoft.com/office/drawing/2014/main" id="{8FC13BA6-4F6B-4DD2-A28A-25C1C6328391}"/>
               </a:ext>
             </a:extLst>
           </p:cNvPr>
@@ -4638,8 +6485,8 @@
         </p:nvSpPr>
         <p:spPr>
           <a:xfrm>
-            <a:off x="5744846" y="1690970"/>
-            <a:ext cx="5834325" cy="2308324"/>
+            <a:off x="451393" y="3586985"/>
+            <a:ext cx="5834325" cy="369332"/>
           </a:xfrm>
           <a:prstGeom prst="rect">
             <a:avLst/>
@@ -4654,379 +6501,15 @@
           <a:p>
             <a:r>
               <a:rPr lang="es-ES" b="1" dirty="0"/>
-              <a:t>Modelado </a:t>
-            </a:r>
-            <a:r>
-              <a:rPr lang="en-US" b="1" dirty="0"/>
-              <a:t>de Series Temporales</a:t>
-            </a:r>
-          </a:p>
-          <a:p>
-            <a:pPr marL="742950" lvl="1" indent="-285750">
-              <a:buFont typeface="Wingdings" panose="05000000000000000000" pitchFamily="2" charset="2"/>
-              <a:buChar char="Ø"/>
-            </a:pPr>
-            <a:r>
-              <a:rPr lang="en-US" sz="1400" dirty="0"/>
-              <a:t>Entrenamiento y Validación en Series Temporales</a:t>
-            </a:r>
-          </a:p>
-          <a:p>
-            <a:pPr marL="1200150" lvl="2" indent="-285750">
-              <a:buFont typeface="Wingdings" panose="05000000000000000000" pitchFamily="2" charset="2"/>
-              <a:buChar char="Ø"/>
-            </a:pPr>
-            <a:r>
-              <a:rPr lang="en-US" sz="1400" dirty="0"/>
-              <a:t>Walkforward Validations</a:t>
-            </a:r>
-          </a:p>
-          <a:p>
-            <a:pPr marL="1200150" lvl="2" indent="-285750">
-              <a:buFont typeface="Wingdings" panose="05000000000000000000" pitchFamily="2" charset="2"/>
-              <a:buChar char="Ø"/>
-            </a:pPr>
-            <a:r>
-              <a:rPr lang="en-US" sz="1400" dirty="0"/>
-              <a:t>Métricas de validación (MAE, MAPE, RMSE, MDA)</a:t>
-            </a:r>
-          </a:p>
-          <a:p>
-            <a:pPr marL="742950" lvl="1" indent="-285750">
-              <a:buFont typeface="Wingdings" panose="05000000000000000000" pitchFamily="2" charset="2"/>
-              <a:buChar char="Ø"/>
-            </a:pPr>
-            <a:r>
-              <a:rPr lang="en-US" sz="1400" dirty="0"/>
-              <a:t>Modelos tradicionales </a:t>
-            </a:r>
-          </a:p>
-          <a:p>
-            <a:pPr marL="1200150" lvl="2" indent="-285750">
-              <a:buFont typeface="Wingdings" panose="05000000000000000000" pitchFamily="2" charset="2"/>
-              <a:buChar char="Ø"/>
-            </a:pPr>
-            <a:r>
-              <a:rPr lang="en-US" sz="1400" dirty="0"/>
-              <a:t>ARIMAX (SARIMAX), prophet</a:t>
-            </a:r>
-          </a:p>
-          <a:p>
-            <a:pPr marL="1200150" lvl="2" indent="-285750">
-              <a:buFont typeface="Wingdings" panose="05000000000000000000" pitchFamily="2" charset="2"/>
-              <a:buChar char="Ø"/>
-            </a:pPr>
-            <a:r>
-              <a:rPr lang="en-US" sz="1400" dirty="0"/>
-              <a:t>Creación de variables </a:t>
-            </a:r>
-            <a:r>
-              <a:rPr lang="en-US" sz="1400" dirty="0" err="1"/>
-              <a:t>regresoras</a:t>
-            </a:r>
-            <a:r>
-              <a:rPr lang="en-US" sz="1400" dirty="0"/>
-              <a:t>, step e impulse</a:t>
-            </a:r>
-          </a:p>
-          <a:p>
-            <a:pPr marL="742950" lvl="1" indent="-285750">
-              <a:buFont typeface="Wingdings" panose="05000000000000000000" pitchFamily="2" charset="2"/>
-              <a:buChar char="Ø"/>
-            </a:pPr>
-            <a:r>
-              <a:rPr lang="en-US" sz="1400" dirty="0" err="1"/>
-              <a:t>Aplicabilidad</a:t>
-            </a:r>
-            <a:r>
-              <a:rPr lang="en-US" sz="1400" dirty="0"/>
-              <a:t> de </a:t>
-            </a:r>
-            <a:r>
-              <a:rPr lang="en-US" sz="1400" dirty="0" err="1"/>
-              <a:t>modelos</a:t>
-            </a:r>
-            <a:endParaRPr lang="en-US" sz="1400" dirty="0"/>
-          </a:p>
-          <a:p>
-            <a:pPr marL="1200150" lvl="2" indent="-285750">
-              <a:buFont typeface="Wingdings" panose="05000000000000000000" pitchFamily="2" charset="2"/>
-              <a:buChar char="Ø"/>
-            </a:pPr>
-            <a:r>
-              <a:rPr lang="en-US" sz="1400" dirty="0" err="1"/>
-              <a:t>Teoría</a:t>
-            </a:r>
-            <a:r>
-              <a:rPr lang="en-US" sz="1400" dirty="0"/>
-              <a:t> de los mercados </a:t>
-            </a:r>
-            <a:r>
-              <a:rPr lang="en-US" sz="1400" dirty="0" err="1"/>
-              <a:t>eficientes</a:t>
-            </a:r>
-            <a:endParaRPr lang="en-US" sz="1400" dirty="0"/>
-          </a:p>
-          <a:p>
-            <a:pPr marL="1200150" lvl="2" indent="-285750">
-              <a:buFont typeface="Wingdings" panose="05000000000000000000" pitchFamily="2" charset="2"/>
-              <a:buChar char="Ø"/>
-            </a:pPr>
-            <a:endParaRPr lang="en-US" sz="1400" dirty="0"/>
-          </a:p>
-        </p:txBody>
-      </p:sp>
-      <p:sp>
-        <p:nvSpPr>
-          <p:cNvPr id="43" name="CuadroTexto 42">
-            <a:extLst>
-              <a:ext uri="{FF2B5EF4-FFF2-40B4-BE49-F238E27FC236}">
-                <a16:creationId xmlns:a16="http://schemas.microsoft.com/office/drawing/2014/main" id="{47A5A277-2DCF-4F78-A2A7-6F76ED500228}"/>
-              </a:ext>
-            </a:extLst>
-          </p:cNvPr>
-          <p:cNvSpPr txBox="1"/>
-          <p:nvPr/>
-        </p:nvSpPr>
-        <p:spPr>
-          <a:xfrm>
-            <a:off x="-85506" y="1360657"/>
-            <a:ext cx="3959603" cy="400110"/>
-          </a:xfrm>
-          <a:prstGeom prst="rect">
-            <a:avLst/>
-          </a:prstGeom>
-          <a:noFill/>
-        </p:spPr>
-        <p:txBody>
-          <a:bodyPr wrap="square" rtlCol="0">
-            <a:spAutoFit/>
-          </a:bodyPr>
-          <a:lstStyle/>
-          <a:p>
-            <a:pPr algn="ctr"/>
-            <a:r>
-              <a:rPr lang="es-ES" sz="2000" i="1" dirty="0"/>
-              <a:t>Primera Fase – 2 Semanas</a:t>
-            </a:r>
-            <a:endParaRPr lang="en-US" i="1" dirty="0"/>
-          </a:p>
-        </p:txBody>
-      </p:sp>
-      <p:sp>
-        <p:nvSpPr>
-          <p:cNvPr id="45" name="CuadroTexto 44">
-            <a:extLst>
-              <a:ext uri="{FF2B5EF4-FFF2-40B4-BE49-F238E27FC236}">
-                <a16:creationId xmlns:a16="http://schemas.microsoft.com/office/drawing/2014/main" id="{12170AA0-17D0-458A-8380-F90F34FCB72B}"/>
-              </a:ext>
-            </a:extLst>
-          </p:cNvPr>
-          <p:cNvSpPr txBox="1"/>
-          <p:nvPr/>
-        </p:nvSpPr>
-        <p:spPr>
-          <a:xfrm>
-            <a:off x="5553080" y="1360657"/>
-            <a:ext cx="3643618" cy="400110"/>
-          </a:xfrm>
-          <a:prstGeom prst="rect">
-            <a:avLst/>
-          </a:prstGeom>
-          <a:noFill/>
-        </p:spPr>
-        <p:txBody>
-          <a:bodyPr wrap="square" rtlCol="0">
-            <a:spAutoFit/>
-          </a:bodyPr>
-          <a:lstStyle/>
-          <a:p>
-            <a:pPr algn="ctr"/>
-            <a:r>
-              <a:rPr lang="es-ES" sz="2000" i="1" dirty="0"/>
-              <a:t>Segunda Fase </a:t>
-            </a:r>
-            <a:r>
-              <a:rPr lang="es-ES" sz="1800" i="1" dirty="0"/>
-              <a:t>– 2 Semanas</a:t>
-            </a:r>
-            <a:endParaRPr lang="en-US" i="1" dirty="0"/>
-          </a:p>
-        </p:txBody>
-      </p:sp>
-      <p:sp>
-        <p:nvSpPr>
-          <p:cNvPr id="8" name="CuadroTexto 7">
-            <a:extLst>
-              <a:ext uri="{FF2B5EF4-FFF2-40B4-BE49-F238E27FC236}">
-                <a16:creationId xmlns:a16="http://schemas.microsoft.com/office/drawing/2014/main" id="{152C8A77-647A-4001-81B8-157BAF9D71D0}"/>
-              </a:ext>
-            </a:extLst>
-          </p:cNvPr>
-          <p:cNvSpPr txBox="1"/>
-          <p:nvPr/>
-        </p:nvSpPr>
-        <p:spPr>
-          <a:xfrm>
-            <a:off x="5708495" y="4346741"/>
-            <a:ext cx="5834325" cy="1446550"/>
-          </a:xfrm>
-          <a:prstGeom prst="rect">
-            <a:avLst/>
-          </a:prstGeom>
-          <a:noFill/>
-        </p:spPr>
-        <p:txBody>
-          <a:bodyPr wrap="square" rtlCol="0">
-            <a:spAutoFit/>
-          </a:bodyPr>
-          <a:lstStyle/>
-          <a:p>
-            <a:r>
-              <a:rPr lang="es-ES" b="1" dirty="0"/>
-              <a:t>Modelos Avanzados</a:t>
-            </a:r>
-            <a:endParaRPr lang="en-US" b="1" dirty="0"/>
-          </a:p>
-          <a:p>
-            <a:pPr marL="742950" lvl="1" indent="-285750">
-              <a:buFont typeface="Wingdings" panose="05000000000000000000" pitchFamily="2" charset="2"/>
-              <a:buChar char="Ø"/>
-            </a:pPr>
-            <a:r>
-              <a:rPr lang="en-US" sz="1400" dirty="0"/>
-              <a:t>Modelado de Series Temporales con Redes Neuronales</a:t>
-            </a:r>
-          </a:p>
-          <a:p>
-            <a:pPr marL="1200150" lvl="2" indent="-285750">
-              <a:buFont typeface="Wingdings" panose="05000000000000000000" pitchFamily="2" charset="2"/>
-              <a:buChar char="Ø"/>
-            </a:pPr>
-            <a:r>
-              <a:rPr lang="en-US" sz="1400" dirty="0"/>
-              <a:t>LSTM</a:t>
-            </a:r>
-          </a:p>
-          <a:p>
-            <a:pPr marL="742950" lvl="1" indent="-285750">
-              <a:buFont typeface="Wingdings" panose="05000000000000000000" pitchFamily="2" charset="2"/>
-              <a:buChar char="Ø"/>
-            </a:pPr>
-            <a:r>
-              <a:rPr lang="en-US" sz="1400" dirty="0" err="1"/>
-              <a:t>Simuladores</a:t>
-            </a:r>
-            <a:endParaRPr lang="en-US" sz="1400" dirty="0"/>
-          </a:p>
-          <a:p>
-            <a:pPr marL="1200150" lvl="2" indent="-285750">
-              <a:buFont typeface="Wingdings" panose="05000000000000000000" pitchFamily="2" charset="2"/>
-              <a:buChar char="Ø"/>
-            </a:pPr>
-            <a:r>
-              <a:rPr lang="en-US" sz="1400" dirty="0"/>
-              <a:t>Importancia relativa de variables</a:t>
-            </a:r>
-          </a:p>
-          <a:p>
-            <a:pPr marL="1200150" lvl="2" indent="-285750">
-              <a:buFont typeface="Wingdings" panose="05000000000000000000" pitchFamily="2" charset="2"/>
-              <a:buChar char="Ø"/>
-            </a:pPr>
-            <a:r>
-              <a:rPr lang="en-US" sz="1400" dirty="0"/>
-              <a:t>Identificación de varianza base vs variable</a:t>
-            </a:r>
-          </a:p>
-        </p:txBody>
-      </p:sp>
-      <p:sp>
-        <p:nvSpPr>
-          <p:cNvPr id="9" name="AutoShape 6" descr="statsmodels">
-            <a:extLst>
-              <a:ext uri="{FF2B5EF4-FFF2-40B4-BE49-F238E27FC236}">
-                <a16:creationId xmlns:a16="http://schemas.microsoft.com/office/drawing/2014/main" id="{CABC1135-890E-4BE3-9332-D0D6EF3DCCCC}"/>
-              </a:ext>
-            </a:extLst>
-          </p:cNvPr>
-          <p:cNvSpPr>
-            <a:spLocks noChangeAspect="1" noChangeArrowheads="1"/>
-          </p:cNvSpPr>
-          <p:nvPr/>
-        </p:nvSpPr>
-        <p:spPr bwMode="auto">
-          <a:xfrm>
-            <a:off x="11524641" y="5400258"/>
-            <a:ext cx="304800" cy="304800"/>
-          </a:xfrm>
-          <a:prstGeom prst="rect">
-            <a:avLst/>
-          </a:prstGeom>
-          <a:noFill/>
-          <a:extLst>
-            <a:ext uri="{909E8E84-426E-40DD-AFC4-6F175D3DCCD1}">
-              <a14:hiddenFill xmlns:a14="http://schemas.microsoft.com/office/drawing/2010/main">
-                <a:solidFill>
-                  <a:srgbClr val="FFFFFF"/>
-                </a:solidFill>
-              </a14:hiddenFill>
-            </a:ext>
-          </a:extLst>
-        </p:spPr>
-        <p:txBody>
-          <a:bodyPr vert="horz" wrap="square" lIns="91440" tIns="45720" rIns="91440" bIns="45720" numCol="1" anchor="t" anchorCtr="0" compatLnSpc="1">
-            <a:prstTxWarp prst="textNoShape">
-              <a:avLst/>
-            </a:prstTxWarp>
-          </a:bodyPr>
-          <a:lstStyle/>
-          <a:p>
-            <a:endParaRPr lang="en-US" dirty="0"/>
-          </a:p>
-        </p:txBody>
-      </p:sp>
-      <p:sp>
-        <p:nvSpPr>
-          <p:cNvPr id="10" name="CuadroTexto 9">
-            <a:extLst>
-              <a:ext uri="{FF2B5EF4-FFF2-40B4-BE49-F238E27FC236}">
-                <a16:creationId xmlns:a16="http://schemas.microsoft.com/office/drawing/2014/main" id="{915661B0-B3F1-4F61-A765-1F3D3903FB7D}"/>
-              </a:ext>
-            </a:extLst>
-          </p:cNvPr>
-          <p:cNvSpPr txBox="1"/>
-          <p:nvPr/>
-        </p:nvSpPr>
-        <p:spPr>
-          <a:xfrm>
-            <a:off x="5553080" y="4014683"/>
-            <a:ext cx="3682767" cy="400110"/>
-          </a:xfrm>
-          <a:prstGeom prst="rect">
-            <a:avLst/>
-          </a:prstGeom>
-          <a:noFill/>
-        </p:spPr>
-        <p:txBody>
-          <a:bodyPr wrap="square" rtlCol="0">
-            <a:spAutoFit/>
-          </a:bodyPr>
-          <a:lstStyle/>
-          <a:p>
-            <a:pPr algn="ctr"/>
-            <a:r>
-              <a:rPr lang="es-ES" sz="2000" i="1" dirty="0"/>
-              <a:t>Tercera Fase – 3 Semanas</a:t>
-            </a:r>
-            <a:endParaRPr lang="en-US" i="1" dirty="0"/>
+              <a:t>Objetivos para Semana 3</a:t>
+            </a:r>
           </a:p>
         </p:txBody>
       </p:sp>
     </p:spTree>
     <p:extLst>
       <p:ext uri="{BB962C8B-B14F-4D97-AF65-F5344CB8AC3E}">
-        <p14:creationId xmlns:p14="http://schemas.microsoft.com/office/powerpoint/2010/main" val="475523971"/>
+        <p14:creationId xmlns:p14="http://schemas.microsoft.com/office/powerpoint/2010/main" val="3527526599"/>
       </p:ext>
     </p:extLst>
   </p:cSld>
@@ -5068,7 +6551,7 @@
         <p:spPr>
           <a:xfrm>
             <a:off x="7675981" y="186661"/>
-            <a:ext cx="5100506" cy="584775"/>
+            <a:ext cx="4516019" cy="584775"/>
           </a:xfrm>
           <a:prstGeom prst="rect">
             <a:avLst/>
@@ -5084,7 +6567,7 @@
             <a:pPr algn="ctr"/>
             <a:r>
               <a:rPr lang="es-ES" sz="3200" dirty="0"/>
-              <a:t>Outline Sesión Nº2</a:t>
+              <a:t>Caso Práctico</a:t>
             </a:r>
             <a:endParaRPr lang="en-US" sz="2800" dirty="0"/>
           </a:p>
@@ -5092,10 +6575,10 @@
       </p:sp>
       <p:sp>
         <p:nvSpPr>
-          <p:cNvPr id="13" name="CuadroTexto 12">
-            <a:extLst>
-              <a:ext uri="{FF2B5EF4-FFF2-40B4-BE49-F238E27FC236}">
-                <a16:creationId xmlns:a16="http://schemas.microsoft.com/office/drawing/2014/main" id="{CCCA8C09-E3E9-4E29-8E18-EF59B2C02EB0}"/>
+          <p:cNvPr id="43" name="CuadroTexto 42">
+            <a:extLst>
+              <a:ext uri="{FF2B5EF4-FFF2-40B4-BE49-F238E27FC236}">
+                <a16:creationId xmlns:a16="http://schemas.microsoft.com/office/drawing/2014/main" id="{47A5A277-2DCF-4F78-A2A7-6F76ED500228}"/>
               </a:ext>
             </a:extLst>
           </p:cNvPr>
@@ -5104,8 +6587,8 @@
         </p:nvSpPr>
         <p:spPr>
           <a:xfrm>
-            <a:off x="451393" y="1649025"/>
-            <a:ext cx="5834325" cy="1015663"/>
+            <a:off x="0" y="1360657"/>
+            <a:ext cx="3874097" cy="400110"/>
           </a:xfrm>
           <a:prstGeom prst="rect">
             <a:avLst/>
@@ -5118,63 +6601,21 @@
           </a:bodyPr>
           <a:lstStyle/>
           <a:p>
-            <a:r>
-              <a:rPr lang="es-ES" b="1" dirty="0"/>
-              <a:t>Revisión del Caso Práctico</a:t>
-            </a:r>
-          </a:p>
-          <a:p>
-            <a:pPr marL="742950" lvl="1" indent="-285750">
-              <a:buFont typeface="Wingdings" panose="05000000000000000000" pitchFamily="2" charset="2"/>
-              <a:buChar char="Ø"/>
-            </a:pPr>
-            <a:r>
-              <a:rPr lang="en-US" sz="1400" dirty="0" err="1"/>
-              <a:t>Creación</a:t>
-            </a:r>
-            <a:r>
-              <a:rPr lang="en-US" sz="1400" dirty="0"/>
-              <a:t> de la </a:t>
-            </a:r>
-            <a:r>
-              <a:rPr lang="en-US" sz="1400" dirty="0" err="1"/>
-              <a:t>serie</a:t>
-            </a:r>
-            <a:r>
-              <a:rPr lang="en-US" sz="1400" dirty="0"/>
-              <a:t> temporal</a:t>
-            </a:r>
-          </a:p>
-          <a:p>
-            <a:pPr marL="742950" lvl="1" indent="-285750">
-              <a:buFont typeface="Wingdings" panose="05000000000000000000" pitchFamily="2" charset="2"/>
-              <a:buChar char="Ø"/>
-            </a:pPr>
-            <a:r>
-              <a:rPr lang="en-US" sz="1400" dirty="0"/>
-              <a:t>Elección de la </a:t>
-            </a:r>
-            <a:r>
-              <a:rPr lang="en-US" sz="1400" dirty="0" err="1"/>
-              <a:t>resolución</a:t>
-            </a:r>
-            <a:r>
-              <a:rPr lang="en-US" sz="1400" dirty="0"/>
-              <a:t> temporal</a:t>
-            </a:r>
-          </a:p>
-          <a:p>
-            <a:pPr lvl="1"/>
-            <a:endParaRPr lang="en-US" sz="1400" dirty="0"/>
-          </a:p>
-        </p:txBody>
-      </p:sp>
-      <p:sp>
-        <p:nvSpPr>
-          <p:cNvPr id="14" name="CuadroTexto 13">
-            <a:extLst>
-              <a:ext uri="{FF2B5EF4-FFF2-40B4-BE49-F238E27FC236}">
-                <a16:creationId xmlns:a16="http://schemas.microsoft.com/office/drawing/2014/main" id="{D09FF44F-C2DB-4C6C-8A05-7863C51B87F0}"/>
+            <a:pPr algn="ctr"/>
+            <a:r>
+              <a:rPr lang="es-ES" sz="2000" i="1" dirty="0"/>
+              <a:t>Objetivos para la semana 1</a:t>
+            </a:r>
+            <a:endParaRPr lang="en-US" i="1" dirty="0"/>
+          </a:p>
+        </p:txBody>
+      </p:sp>
+      <p:sp>
+        <p:nvSpPr>
+          <p:cNvPr id="3" name="CuadroTexto 2">
+            <a:extLst>
+              <a:ext uri="{FF2B5EF4-FFF2-40B4-BE49-F238E27FC236}">
+                <a16:creationId xmlns:a16="http://schemas.microsoft.com/office/drawing/2014/main" id="{07C945E3-1846-4EE7-86DE-6C48E25628FB}"/>
               </a:ext>
             </a:extLst>
           </p:cNvPr>
@@ -5183,8 +6624,8 @@
         </p:nvSpPr>
         <p:spPr>
           <a:xfrm>
-            <a:off x="451393" y="2540545"/>
-            <a:ext cx="5834325" cy="1231106"/>
+            <a:off x="302003" y="2108239"/>
+            <a:ext cx="8062352" cy="3779176"/>
           </a:xfrm>
           <a:prstGeom prst="rect">
             <a:avLst/>
@@ -5197,47 +6638,97 @@
           </a:bodyPr>
           <a:lstStyle/>
           <a:p>
-            <a:r>
-              <a:rPr lang="es-ES" b="1" dirty="0"/>
-              <a:t>Transformación de Series Temporales</a:t>
-            </a:r>
-          </a:p>
-          <a:p>
-            <a:pPr marL="742950" lvl="1" indent="-285750">
-              <a:buFont typeface="Wingdings" panose="05000000000000000000" pitchFamily="2" charset="2"/>
-              <a:buChar char="Ø"/>
+            <a:pPr marL="342900" indent="-342900">
+              <a:lnSpc>
+                <a:spcPct val="150000"/>
+              </a:lnSpc>
+              <a:buFont typeface="+mj-lt"/>
+              <a:buAutoNum type="arabicPeriod"/>
             </a:pPr>
             <a:r>
-              <a:rPr lang="en-US" sz="1400" dirty="0"/>
-              <a:t>Elección de Resolución</a:t>
-            </a:r>
-          </a:p>
-          <a:p>
-            <a:pPr marL="742950" lvl="1" indent="-285750">
-              <a:buFont typeface="Wingdings" panose="05000000000000000000" pitchFamily="2" charset="2"/>
-              <a:buChar char="Ø"/>
+              <a:rPr lang="es-ES" dirty="0"/>
+              <a:t>Clonar el </a:t>
+            </a:r>
+            <a:r>
+              <a:rPr lang="es-ES" dirty="0">
+                <a:hlinkClick r:id="rId2"/>
+              </a:rPr>
+              <a:t>repositorio</a:t>
+            </a:r>
+            <a:r>
+              <a:rPr lang="es-ES" dirty="0"/>
+              <a:t> a local y crear una carpeta con vuestro nombre donde podéis dejar los resultados y el código que desarrolléis. </a:t>
+            </a:r>
+          </a:p>
+          <a:p>
+            <a:pPr marL="342900" indent="-342900">
+              <a:lnSpc>
+                <a:spcPct val="150000"/>
+              </a:lnSpc>
+              <a:buFont typeface="+mj-lt"/>
+              <a:buAutoNum type="arabicPeriod"/>
             </a:pPr>
             <a:r>
-              <a:rPr lang="en-US" sz="1400" dirty="0"/>
-              <a:t>Descomposición de las series</a:t>
-            </a:r>
-          </a:p>
-          <a:p>
-            <a:pPr lvl="1"/>
-            <a:endParaRPr lang="en-US" sz="1400" dirty="0"/>
-          </a:p>
-          <a:p>
-            <a:pPr lvl="1"/>
-            <a:endParaRPr lang="en-US" sz="1400" dirty="0"/>
-          </a:p>
-        </p:txBody>
-      </p:sp>
-      <p:sp>
-        <p:nvSpPr>
-          <p:cNvPr id="15" name="CuadroTexto 14">
-            <a:extLst>
-              <a:ext uri="{FF2B5EF4-FFF2-40B4-BE49-F238E27FC236}">
-                <a16:creationId xmlns:a16="http://schemas.microsoft.com/office/drawing/2014/main" id="{8FC13BA6-4F6B-4DD2-A28A-25C1C6328391}"/>
+              <a:rPr lang="es-ES" dirty="0"/>
+              <a:t>Obtener el dataset Madrid_polution.csv y analizar el contenido de cada una de las columnas</a:t>
+            </a:r>
+          </a:p>
+          <a:p>
+            <a:pPr marL="342900" indent="-342900">
+              <a:lnSpc>
+                <a:spcPct val="150000"/>
+              </a:lnSpc>
+              <a:buFont typeface="+mj-lt"/>
+              <a:buAutoNum type="arabicPeriod"/>
+            </a:pPr>
+            <a:r>
+              <a:rPr lang="es-ES" dirty="0"/>
+              <a:t>Crear las series temporales de las columnas que dan las partículas PM2.5 y la temperatura. </a:t>
+            </a:r>
+          </a:p>
+          <a:p>
+            <a:pPr marL="342900" indent="-342900">
+              <a:lnSpc>
+                <a:spcPct val="150000"/>
+              </a:lnSpc>
+              <a:buFont typeface="+mj-lt"/>
+              <a:buAutoNum type="arabicPeriod"/>
+            </a:pPr>
+            <a:r>
+              <a:rPr lang="es-ES" dirty="0"/>
+              <a:t>Hacer la descomposición de la serie temporal en sus 3 partes.</a:t>
+            </a:r>
+          </a:p>
+          <a:p>
+            <a:pPr marL="342900" indent="-342900">
+              <a:lnSpc>
+                <a:spcPct val="150000"/>
+              </a:lnSpc>
+              <a:buFont typeface="+mj-lt"/>
+              <a:buAutoNum type="arabicPeriod"/>
+            </a:pPr>
+            <a:r>
+              <a:rPr lang="es-ES" dirty="0"/>
+              <a:t>Hacer </a:t>
+            </a:r>
+            <a:r>
+              <a:rPr lang="es-ES" dirty="0" err="1"/>
+              <a:t>push</a:t>
+            </a:r>
+            <a:r>
+              <a:rPr lang="es-ES" dirty="0"/>
+              <a:t> para subir vuestro trabajo al repositorio. </a:t>
+            </a:r>
+            <a:endParaRPr lang="en-US" dirty="0"/>
+          </a:p>
+        </p:txBody>
+      </p:sp>
+      <p:sp>
+        <p:nvSpPr>
+          <p:cNvPr id="4" name="CuadroTexto 3">
+            <a:extLst>
+              <a:ext uri="{FF2B5EF4-FFF2-40B4-BE49-F238E27FC236}">
+                <a16:creationId xmlns:a16="http://schemas.microsoft.com/office/drawing/2014/main" id="{03531874-ADF2-4149-9DBB-7F1889C6646A}"/>
               </a:ext>
             </a:extLst>
           </p:cNvPr>
@@ -5246,8 +6737,8 @@
         </p:nvSpPr>
         <p:spPr>
           <a:xfrm>
-            <a:off x="451393" y="3586985"/>
-            <a:ext cx="5834325" cy="369332"/>
+            <a:off x="8711663" y="2979770"/>
+            <a:ext cx="3036373" cy="584775"/>
           </a:xfrm>
           <a:prstGeom prst="rect">
             <a:avLst/>
@@ -5261,16 +6752,416 @@
           <a:lstStyle/>
           <a:p>
             <a:r>
-              <a:rPr lang="es-ES" b="1" dirty="0"/>
-              <a:t>Objetivos para Semana 3</a:t>
-            </a:r>
+              <a:rPr lang="es-ES" sz="1600" i="1" dirty="0">
+                <a:solidFill>
+                  <a:schemeClr val="accent3">
+                    <a:lumMod val="50000"/>
+                  </a:schemeClr>
+                </a:solidFill>
+              </a:rPr>
+              <a:t>hint – </a:t>
+            </a:r>
+            <a:r>
+              <a:rPr lang="es-ES" sz="1600" i="1" dirty="0" err="1">
+                <a:solidFill>
+                  <a:schemeClr val="accent3">
+                    <a:lumMod val="50000"/>
+                  </a:schemeClr>
+                </a:solidFill>
+              </a:rPr>
+              <a:t>pandas_profiling</a:t>
+            </a:r>
+            <a:r>
+              <a:rPr lang="en-US" sz="1600" i="1" dirty="0">
+                <a:solidFill>
+                  <a:schemeClr val="accent3">
+                    <a:lumMod val="50000"/>
+                  </a:schemeClr>
+                </a:solidFill>
+              </a:rPr>
+              <a:t> en Python</a:t>
+            </a:r>
+            <a:r>
+              <a:rPr lang="es-ES" sz="1600" i="1" dirty="0">
+                <a:solidFill>
+                  <a:schemeClr val="accent3">
+                    <a:lumMod val="50000"/>
+                  </a:schemeClr>
+                </a:solidFill>
+              </a:rPr>
+              <a:t> y inspectdf en R</a:t>
+            </a:r>
+            <a:endParaRPr lang="en-US" sz="1600" dirty="0"/>
+          </a:p>
+        </p:txBody>
+      </p:sp>
+      <p:sp>
+        <p:nvSpPr>
+          <p:cNvPr id="9" name="CuadroTexto 8">
+            <a:extLst>
+              <a:ext uri="{FF2B5EF4-FFF2-40B4-BE49-F238E27FC236}">
+                <a16:creationId xmlns:a16="http://schemas.microsoft.com/office/drawing/2014/main" id="{D3C57387-613B-48C2-997A-2D51B1786657}"/>
+              </a:ext>
+            </a:extLst>
+          </p:cNvPr>
+          <p:cNvSpPr txBox="1"/>
+          <p:nvPr/>
+        </p:nvSpPr>
+        <p:spPr>
+          <a:xfrm>
+            <a:off x="8859412" y="4058532"/>
+            <a:ext cx="3407343" cy="1200329"/>
+          </a:xfrm>
+          <a:prstGeom prst="rect">
+            <a:avLst/>
+          </a:prstGeom>
+          <a:noFill/>
+        </p:spPr>
+        <p:txBody>
+          <a:bodyPr wrap="square" rtlCol="0">
+            <a:spAutoFit/>
+          </a:bodyPr>
+          <a:lstStyle/>
+          <a:p>
+            <a:r>
+              <a:rPr lang="es-ES" sz="1800" i="1" dirty="0">
+                <a:solidFill>
+                  <a:schemeClr val="accent3">
+                    <a:lumMod val="50000"/>
+                  </a:schemeClr>
+                </a:solidFill>
+              </a:rPr>
+              <a:t>Python: </a:t>
+            </a:r>
+            <a:r>
+              <a:rPr kumimoji="0" lang="en-US" altLang="en-US" sz="1800" b="0" i="0" u="none" strike="noStrike" cap="none" normalizeH="0" baseline="0" dirty="0">
+                <a:ln>
+                  <a:noFill/>
+                </a:ln>
+                <a:solidFill>
+                  <a:srgbClr val="CC7832"/>
+                </a:solidFill>
+                <a:effectLst/>
+                <a:latin typeface="Consolas" panose="020B0609020204030204" pitchFamily="49" charset="0"/>
+              </a:rPr>
+              <a:t>from </a:t>
+            </a:r>
+            <a:r>
+              <a:rPr kumimoji="0" lang="en-US" altLang="en-US" sz="1800" b="0" i="0" u="none" strike="noStrike" cap="none" normalizeH="0" baseline="0" dirty="0">
+                <a:ln>
+                  <a:noFill/>
+                </a:ln>
+                <a:solidFill>
+                  <a:srgbClr val="A9B7C6"/>
+                </a:solidFill>
+                <a:effectLst/>
+                <a:latin typeface="Consolas" panose="020B0609020204030204" pitchFamily="49" charset="0"/>
+              </a:rPr>
+              <a:t>statsmodels.tsa.seasonal </a:t>
+            </a:r>
+            <a:r>
+              <a:rPr kumimoji="0" lang="en-US" altLang="en-US" sz="1800" b="0" i="0" u="none" strike="noStrike" cap="none" normalizeH="0" baseline="0" dirty="0">
+                <a:ln>
+                  <a:noFill/>
+                </a:ln>
+                <a:solidFill>
+                  <a:srgbClr val="CC7832"/>
+                </a:solidFill>
+                <a:effectLst/>
+                <a:latin typeface="Consolas" panose="020B0609020204030204" pitchFamily="49" charset="0"/>
+              </a:rPr>
+              <a:t>import </a:t>
+            </a:r>
+            <a:r>
+              <a:rPr kumimoji="0" lang="en-US" altLang="en-US" sz="1800" b="0" i="0" u="none" strike="noStrike" cap="none" normalizeH="0" baseline="0" dirty="0">
+                <a:ln>
+                  <a:noFill/>
+                </a:ln>
+                <a:solidFill>
+                  <a:srgbClr val="A9B7C6"/>
+                </a:solidFill>
+                <a:effectLst/>
+                <a:latin typeface="Consolas" panose="020B0609020204030204" pitchFamily="49" charset="0"/>
+              </a:rPr>
+              <a:t>seasonal_decompose</a:t>
+            </a:r>
+            <a:endParaRPr kumimoji="0" lang="en-US" altLang="en-US" sz="4400" b="0" i="0" u="none" strike="noStrike" cap="none" normalizeH="0" baseline="0" dirty="0">
+              <a:ln>
+                <a:noFill/>
+              </a:ln>
+              <a:solidFill>
+                <a:schemeClr val="tx1"/>
+              </a:solidFill>
+              <a:effectLst/>
+              <a:latin typeface="Arial" panose="020B0604020202020204" pitchFamily="34" charset="0"/>
+            </a:endParaRPr>
+          </a:p>
+          <a:p>
+            <a:r>
+              <a:rPr lang="es-ES" sz="1800" i="1" dirty="0">
+                <a:solidFill>
+                  <a:schemeClr val="accent3">
+                    <a:lumMod val="50000"/>
+                  </a:schemeClr>
+                </a:solidFill>
+              </a:rPr>
+              <a:t> </a:t>
+            </a:r>
+            <a:endParaRPr lang="en-US" dirty="0"/>
+          </a:p>
+        </p:txBody>
+      </p:sp>
+      <p:sp>
+        <p:nvSpPr>
+          <p:cNvPr id="13" name="CuadroTexto 12">
+            <a:extLst>
+              <a:ext uri="{FF2B5EF4-FFF2-40B4-BE49-F238E27FC236}">
+                <a16:creationId xmlns:a16="http://schemas.microsoft.com/office/drawing/2014/main" id="{645025CD-8587-40B2-94E2-7F2C4C92CA76}"/>
+              </a:ext>
+            </a:extLst>
+          </p:cNvPr>
+          <p:cNvSpPr txBox="1"/>
+          <p:nvPr/>
+        </p:nvSpPr>
+        <p:spPr>
+          <a:xfrm>
+            <a:off x="8859412" y="5230806"/>
+            <a:ext cx="3036373" cy="646331"/>
+          </a:xfrm>
+          <a:prstGeom prst="rect">
+            <a:avLst/>
+          </a:prstGeom>
+          <a:noFill/>
+        </p:spPr>
+        <p:txBody>
+          <a:bodyPr wrap="square" rtlCol="0">
+            <a:spAutoFit/>
+          </a:bodyPr>
+          <a:lstStyle/>
+          <a:p>
+            <a:r>
+              <a:rPr lang="es-ES" sz="1800" i="1" dirty="0">
+                <a:solidFill>
+                  <a:schemeClr val="accent3">
+                    <a:lumMod val="50000"/>
+                  </a:schemeClr>
+                </a:solidFill>
+              </a:rPr>
+              <a:t>R: </a:t>
+            </a:r>
+            <a:r>
+              <a:rPr lang="es-ES" sz="1800" i="1" dirty="0">
+                <a:solidFill>
+                  <a:srgbClr val="CC7832"/>
+                </a:solidFill>
+              </a:rPr>
+              <a:t>library</a:t>
+            </a:r>
+            <a:r>
+              <a:rPr lang="es-ES" sz="1800" i="1" dirty="0">
+                <a:solidFill>
+                  <a:schemeClr val="accent3">
+                    <a:lumMod val="50000"/>
+                  </a:schemeClr>
+                </a:solidFill>
+              </a:rPr>
+              <a:t>(forecast)</a:t>
+            </a:r>
+          </a:p>
+          <a:p>
+            <a:r>
+              <a:rPr lang="en-US" dirty="0"/>
+              <a:t>decompose</a:t>
+            </a:r>
+            <a:r>
+              <a:rPr lang="es-ES" i="1" dirty="0">
+                <a:solidFill>
+                  <a:schemeClr val="accent3">
+                    <a:lumMod val="50000"/>
+                  </a:schemeClr>
+                </a:solidFill>
+              </a:rPr>
+              <a:t>()</a:t>
+            </a:r>
+            <a:endParaRPr lang="en-US" dirty="0"/>
+          </a:p>
+        </p:txBody>
+      </p:sp>
+      <p:sp>
+        <p:nvSpPr>
+          <p:cNvPr id="11" name="Flecha: doblada 10">
+            <a:extLst>
+              <a:ext uri="{FF2B5EF4-FFF2-40B4-BE49-F238E27FC236}">
+                <a16:creationId xmlns:a16="http://schemas.microsoft.com/office/drawing/2014/main" id="{0F27B208-7074-4FF8-9617-8FECB0203917}"/>
+              </a:ext>
+            </a:extLst>
+          </p:cNvPr>
+          <p:cNvSpPr/>
+          <p:nvPr/>
+        </p:nvSpPr>
+        <p:spPr>
+          <a:xfrm rot="18142551" flipV="1">
+            <a:off x="8267299" y="3491817"/>
+            <a:ext cx="363777" cy="390927"/>
+          </a:xfrm>
+          <a:prstGeom prst="bentArrow">
+            <a:avLst>
+              <a:gd name="adj1" fmla="val 25000"/>
+              <a:gd name="adj2" fmla="val 25000"/>
+              <a:gd name="adj3" fmla="val 25000"/>
+              <a:gd name="adj4" fmla="val 75000"/>
+            </a:avLst>
+          </a:prstGeom>
+          <a:solidFill>
+            <a:schemeClr val="tx1"/>
+          </a:solidFill>
+          <a:ln>
+            <a:solidFill>
+              <a:srgbClr val="001C54"/>
+            </a:solidFill>
+          </a:ln>
+        </p:spPr>
+        <p:style>
+          <a:lnRef idx="2">
+            <a:schemeClr val="accent1">
+              <a:shade val="50000"/>
+            </a:schemeClr>
+          </a:lnRef>
+          <a:fillRef idx="1">
+            <a:schemeClr val="accent1"/>
+          </a:fillRef>
+          <a:effectRef idx="0">
+            <a:schemeClr val="accent1"/>
+          </a:effectRef>
+          <a:fontRef idx="minor">
+            <a:schemeClr val="lt1"/>
+          </a:fontRef>
+        </p:style>
+        <p:txBody>
+          <a:bodyPr rtlCol="0" anchor="ctr"/>
+          <a:lstStyle/>
+          <a:p>
+            <a:pPr algn="ctr"/>
+            <a:endParaRPr lang="en-US" dirty="0">
+              <a:solidFill>
+                <a:schemeClr val="tx1"/>
+              </a:solidFill>
+            </a:endParaRPr>
+          </a:p>
+        </p:txBody>
+      </p:sp>
+      <p:sp>
+        <p:nvSpPr>
+          <p:cNvPr id="12" name="Flecha: a la derecha 11">
+            <a:extLst>
+              <a:ext uri="{FF2B5EF4-FFF2-40B4-BE49-F238E27FC236}">
+                <a16:creationId xmlns:a16="http://schemas.microsoft.com/office/drawing/2014/main" id="{ED6B3157-2252-4436-B4C3-642D28F357F5}"/>
+              </a:ext>
+            </a:extLst>
+          </p:cNvPr>
+          <p:cNvSpPr/>
+          <p:nvPr/>
+        </p:nvSpPr>
+        <p:spPr>
+          <a:xfrm rot="20260084">
+            <a:off x="7683410" y="5003653"/>
+            <a:ext cx="1066477" cy="249608"/>
+          </a:xfrm>
+          <a:prstGeom prst="rightArrow">
+            <a:avLst/>
+          </a:prstGeom>
+          <a:solidFill>
+            <a:schemeClr val="tx1"/>
+          </a:solidFill>
+          <a:ln>
+            <a:solidFill>
+              <a:srgbClr val="001C54"/>
+            </a:solidFill>
+          </a:ln>
+        </p:spPr>
+        <p:style>
+          <a:lnRef idx="2">
+            <a:schemeClr val="accent1">
+              <a:shade val="50000"/>
+            </a:schemeClr>
+          </a:lnRef>
+          <a:fillRef idx="1">
+            <a:schemeClr val="accent1"/>
+          </a:fillRef>
+          <a:effectRef idx="0">
+            <a:schemeClr val="accent1"/>
+          </a:effectRef>
+          <a:fontRef idx="minor">
+            <a:schemeClr val="lt1"/>
+          </a:fontRef>
+        </p:style>
+        <p:txBody>
+          <a:bodyPr rtlCol="0" anchor="ctr"/>
+          <a:lstStyle/>
+          <a:p>
+            <a:pPr algn="ctr"/>
+            <a:endParaRPr lang="en-US"/>
+          </a:p>
+        </p:txBody>
+      </p:sp>
+      <p:sp>
+        <p:nvSpPr>
+          <p:cNvPr id="14" name="Flecha: a la derecha 13">
+            <a:extLst>
+              <a:ext uri="{FF2B5EF4-FFF2-40B4-BE49-F238E27FC236}">
+                <a16:creationId xmlns:a16="http://schemas.microsoft.com/office/drawing/2014/main" id="{2161B8B6-E1CA-45A8-9BF9-8482AF94CD62}"/>
+              </a:ext>
+            </a:extLst>
+          </p:cNvPr>
+          <p:cNvSpPr/>
+          <p:nvPr/>
+        </p:nvSpPr>
+        <p:spPr>
+          <a:xfrm rot="1177608">
+            <a:off x="7949890" y="5250932"/>
+            <a:ext cx="898536" cy="249608"/>
+          </a:xfrm>
+          <a:prstGeom prst="rightArrow">
+            <a:avLst/>
+          </a:prstGeom>
+          <a:solidFill>
+            <a:schemeClr val="tx1"/>
+          </a:solidFill>
+          <a:ln>
+            <a:solidFill>
+              <a:srgbClr val="001C54"/>
+            </a:solidFill>
+          </a:ln>
+        </p:spPr>
+        <p:style>
+          <a:lnRef idx="2">
+            <a:schemeClr val="accent1">
+              <a:shade val="50000"/>
+            </a:schemeClr>
+          </a:lnRef>
+          <a:fillRef idx="1">
+            <a:schemeClr val="accent1"/>
+          </a:fillRef>
+          <a:effectRef idx="0">
+            <a:schemeClr val="accent1"/>
+          </a:effectRef>
+          <a:fontRef idx="minor">
+            <a:schemeClr val="lt1"/>
+          </a:fontRef>
+        </p:style>
+        <p:txBody>
+          <a:bodyPr rtlCol="0" anchor="ctr"/>
+          <a:lstStyle/>
+          <a:p>
+            <a:pPr algn="ctr"/>
+            <a:endParaRPr lang="en-US"/>
           </a:p>
         </p:txBody>
       </p:sp>
     </p:spTree>
     <p:extLst>
       <p:ext uri="{BB962C8B-B14F-4D97-AF65-F5344CB8AC3E}">
-        <p14:creationId xmlns:p14="http://schemas.microsoft.com/office/powerpoint/2010/main" val="3527526599"/>
+        <p14:creationId xmlns:p14="http://schemas.microsoft.com/office/powerpoint/2010/main" val="828900578"/>
       </p:ext>
     </p:extLst>
   </p:cSld>
@@ -5312,7 +7203,7 @@
         <p:spPr>
           <a:xfrm>
             <a:off x="7675981" y="186661"/>
-            <a:ext cx="4516019" cy="1077218"/>
+            <a:ext cx="5100506" cy="584775"/>
           </a:xfrm>
           <a:prstGeom prst="rect">
             <a:avLst/>
@@ -5328,7 +7219,7 @@
             <a:pPr algn="ctr"/>
             <a:r>
               <a:rPr lang="es-ES" sz="3200" dirty="0"/>
-              <a:t>Revisión del Caso Práctico</a:t>
+              <a:t>Temas a tratar</a:t>
             </a:r>
             <a:endParaRPr lang="en-US" sz="2800" dirty="0"/>
           </a:p>
@@ -5336,10 +7227,10 @@
       </p:sp>
       <p:sp>
         <p:nvSpPr>
-          <p:cNvPr id="43" name="CuadroTexto 42">
-            <a:extLst>
-              <a:ext uri="{FF2B5EF4-FFF2-40B4-BE49-F238E27FC236}">
-                <a16:creationId xmlns:a16="http://schemas.microsoft.com/office/drawing/2014/main" id="{47A5A277-2DCF-4F78-A2A7-6F76ED500228}"/>
+          <p:cNvPr id="39" name="CuadroTexto 38">
+            <a:extLst>
+              <a:ext uri="{FF2B5EF4-FFF2-40B4-BE49-F238E27FC236}">
+                <a16:creationId xmlns:a16="http://schemas.microsoft.com/office/drawing/2014/main" id="{B904A498-FAA0-4D1F-952A-8B5CDC3850AC}"/>
               </a:ext>
             </a:extLst>
           </p:cNvPr>
@@ -5348,8 +7239,8 @@
         </p:nvSpPr>
         <p:spPr>
           <a:xfrm>
-            <a:off x="0" y="1360657"/>
-            <a:ext cx="3959603" cy="400110"/>
+            <a:off x="69909" y="1690970"/>
+            <a:ext cx="5834325" cy="2954655"/>
           </a:xfrm>
           <a:prstGeom prst="rect">
             <a:avLst/>
@@ -5362,12 +7253,549 @@
           </a:bodyPr>
           <a:lstStyle/>
           <a:p>
+            <a:r>
+              <a:rPr lang="es-ES" b="1" dirty="0"/>
+              <a:t>Creación y A</a:t>
+            </a:r>
+            <a:r>
+              <a:rPr lang="en-US" b="1" dirty="0"/>
+              <a:t>nálisis de Series Temporales</a:t>
+            </a:r>
+          </a:p>
+          <a:p>
+            <a:pPr marL="742950" lvl="1" indent="-285750">
+              <a:buFont typeface="Wingdings" panose="05000000000000000000" pitchFamily="2" charset="2"/>
+              <a:buChar char="Ø"/>
+            </a:pPr>
+            <a:r>
+              <a:rPr lang="en-US" sz="1400" dirty="0" err="1"/>
+              <a:t>Descomposición</a:t>
+            </a:r>
+            <a:r>
+              <a:rPr lang="en-US" sz="1400" dirty="0"/>
+              <a:t> de Series</a:t>
+            </a:r>
+          </a:p>
+          <a:p>
+            <a:pPr marL="1200150" lvl="2" indent="-285750">
+              <a:buFont typeface="Wingdings" panose="05000000000000000000" pitchFamily="2" charset="2"/>
+              <a:buChar char="Ø"/>
+            </a:pPr>
+            <a:r>
+              <a:rPr lang="en-US" sz="1400" dirty="0"/>
+              <a:t>Tendencia</a:t>
+            </a:r>
+          </a:p>
+          <a:p>
+            <a:pPr marL="1200150" lvl="2" indent="-285750">
+              <a:buFont typeface="Wingdings" panose="05000000000000000000" pitchFamily="2" charset="2"/>
+              <a:buChar char="Ø"/>
+            </a:pPr>
+            <a:r>
+              <a:rPr lang="en-US" sz="1400" dirty="0"/>
+              <a:t>Estacionalidad</a:t>
+            </a:r>
+          </a:p>
+          <a:p>
+            <a:pPr marL="1200150" lvl="2" indent="-285750">
+              <a:buFont typeface="Wingdings" panose="05000000000000000000" pitchFamily="2" charset="2"/>
+              <a:buChar char="Ø"/>
+            </a:pPr>
+            <a:r>
+              <a:rPr lang="en-US" sz="1400" dirty="0" err="1"/>
+              <a:t>Ruido</a:t>
+            </a:r>
+            <a:endParaRPr lang="en-US" sz="1400" dirty="0"/>
+          </a:p>
+          <a:p>
+            <a:pPr marL="742950" lvl="1" indent="-285750">
+              <a:buFont typeface="Wingdings" panose="05000000000000000000" pitchFamily="2" charset="2"/>
+              <a:buChar char="Ø"/>
+            </a:pPr>
+            <a:r>
+              <a:rPr lang="en-US" sz="1400" b="1" dirty="0" err="1">
+                <a:solidFill>
+                  <a:srgbClr val="FF0000"/>
+                </a:solidFill>
+              </a:rPr>
+              <a:t>Creación</a:t>
+            </a:r>
+            <a:r>
+              <a:rPr lang="en-US" sz="1400" b="1" dirty="0">
+                <a:solidFill>
+                  <a:srgbClr val="FF0000"/>
+                </a:solidFill>
+              </a:rPr>
+              <a:t> de Series </a:t>
+            </a:r>
+            <a:r>
+              <a:rPr lang="en-US" sz="1400" b="1" dirty="0" err="1">
+                <a:solidFill>
+                  <a:srgbClr val="FF0000"/>
+                </a:solidFill>
+              </a:rPr>
+              <a:t>Temporales</a:t>
+            </a:r>
+            <a:endParaRPr lang="en-US" sz="1400" b="1" dirty="0">
+              <a:solidFill>
+                <a:srgbClr val="FF0000"/>
+              </a:solidFill>
+            </a:endParaRPr>
+          </a:p>
+          <a:p>
+            <a:pPr marL="1200150" lvl="2" indent="-285750">
+              <a:buFont typeface="Wingdings" panose="05000000000000000000" pitchFamily="2" charset="2"/>
+              <a:buChar char="Ø"/>
+            </a:pPr>
+            <a:r>
+              <a:rPr lang="en-US" sz="1400" b="1" dirty="0" err="1">
+                <a:solidFill>
+                  <a:srgbClr val="FF0000"/>
+                </a:solidFill>
+              </a:rPr>
+              <a:t>Elección</a:t>
+            </a:r>
+            <a:r>
+              <a:rPr lang="en-US" sz="1400" b="1" dirty="0">
+                <a:solidFill>
+                  <a:srgbClr val="FF0000"/>
+                </a:solidFill>
+              </a:rPr>
+              <a:t> de </a:t>
+            </a:r>
+            <a:r>
+              <a:rPr lang="en-US" sz="1400" b="1" dirty="0" err="1">
+                <a:solidFill>
+                  <a:srgbClr val="FF0000"/>
+                </a:solidFill>
+              </a:rPr>
+              <a:t>Resolución</a:t>
+            </a:r>
+            <a:r>
+              <a:rPr lang="en-US" sz="1400" b="1" dirty="0">
+                <a:solidFill>
+                  <a:srgbClr val="FF0000"/>
+                </a:solidFill>
+              </a:rPr>
+              <a:t> temporal</a:t>
+            </a:r>
+          </a:p>
+          <a:p>
+            <a:pPr marL="742950" lvl="1" indent="-285750">
+              <a:buFont typeface="Wingdings" panose="05000000000000000000" pitchFamily="2" charset="2"/>
+              <a:buChar char="Ø"/>
+            </a:pPr>
+            <a:r>
+              <a:rPr lang="en-US" sz="1400" b="1" dirty="0" err="1">
+                <a:solidFill>
+                  <a:srgbClr val="FF0000"/>
+                </a:solidFill>
+              </a:rPr>
+              <a:t>Transformación</a:t>
+            </a:r>
+            <a:r>
+              <a:rPr lang="en-US" sz="1400" b="1" dirty="0">
+                <a:solidFill>
+                  <a:srgbClr val="FF0000"/>
+                </a:solidFill>
+              </a:rPr>
+              <a:t> de Series Temporales</a:t>
+            </a:r>
+          </a:p>
+          <a:p>
+            <a:pPr marL="1200150" lvl="2" indent="-285750">
+              <a:buFont typeface="Wingdings" panose="05000000000000000000" pitchFamily="2" charset="2"/>
+              <a:buChar char="Ø"/>
+            </a:pPr>
+            <a:r>
+              <a:rPr lang="en-US" sz="1400" b="1" dirty="0">
+                <a:solidFill>
+                  <a:srgbClr val="FF0000"/>
+                </a:solidFill>
+              </a:rPr>
+              <a:t>Logaritmos, Diferencias y Normalizaciones</a:t>
+            </a:r>
+          </a:p>
+          <a:p>
+            <a:pPr marL="1200150" lvl="2" indent="-285750">
+              <a:buFont typeface="Wingdings" panose="05000000000000000000" pitchFamily="2" charset="2"/>
+              <a:buChar char="Ø"/>
+            </a:pPr>
+            <a:r>
+              <a:rPr lang="en-US" sz="1400" b="1" dirty="0">
+                <a:solidFill>
+                  <a:srgbClr val="FF0000"/>
+                </a:solidFill>
+              </a:rPr>
+              <a:t>Medias </a:t>
+            </a:r>
+            <a:r>
+              <a:rPr lang="en-US" sz="1400" b="1" noProof="1">
+                <a:solidFill>
+                  <a:srgbClr val="FF0000"/>
+                </a:solidFill>
+              </a:rPr>
+              <a:t>Móviles</a:t>
+            </a:r>
+          </a:p>
+          <a:p>
+            <a:pPr marL="742950" lvl="1" indent="-285750">
+              <a:buFont typeface="Wingdings" panose="05000000000000000000" pitchFamily="2" charset="2"/>
+              <a:buChar char="Ø"/>
+            </a:pPr>
+            <a:r>
+              <a:rPr lang="en-US" sz="1400" dirty="0" err="1"/>
+              <a:t>Análisis</a:t>
+            </a:r>
+            <a:r>
+              <a:rPr lang="en-US" sz="1400" dirty="0"/>
+              <a:t> de las Series</a:t>
+            </a:r>
+          </a:p>
+          <a:p>
+            <a:pPr marL="1200150" lvl="2" indent="-285750">
+              <a:buFont typeface="Wingdings" panose="05000000000000000000" pitchFamily="2" charset="2"/>
+              <a:buChar char="Ø"/>
+            </a:pPr>
+            <a:r>
+              <a:rPr lang="en-US" sz="1400" dirty="0"/>
+              <a:t>Tests (ACF &amp; PACF, ADF, </a:t>
+            </a:r>
+            <a:r>
+              <a:rPr lang="en-US" sz="1400" dirty="0" err="1"/>
+              <a:t>etc</a:t>
+            </a:r>
+            <a:r>
+              <a:rPr lang="en-US" sz="1400" dirty="0"/>
+              <a:t>…)</a:t>
+            </a:r>
+          </a:p>
+          <a:p>
+            <a:pPr marL="1200150" lvl="2" indent="-285750">
+              <a:buFont typeface="Wingdings" panose="05000000000000000000" pitchFamily="2" charset="2"/>
+              <a:buChar char="Ø"/>
+            </a:pPr>
+            <a:r>
+              <a:rPr lang="en-US" sz="1400" dirty="0"/>
+              <a:t>Cross Correlations</a:t>
+            </a:r>
+          </a:p>
+        </p:txBody>
+      </p:sp>
+      <p:sp>
+        <p:nvSpPr>
+          <p:cNvPr id="40" name="CuadroTexto 39">
+            <a:extLst>
+              <a:ext uri="{FF2B5EF4-FFF2-40B4-BE49-F238E27FC236}">
+                <a16:creationId xmlns:a16="http://schemas.microsoft.com/office/drawing/2014/main" id="{2476623C-B4DE-4C46-B31D-CABE88143AD3}"/>
+              </a:ext>
+            </a:extLst>
+          </p:cNvPr>
+          <p:cNvSpPr txBox="1"/>
+          <p:nvPr/>
+        </p:nvSpPr>
+        <p:spPr>
+          <a:xfrm>
+            <a:off x="5744846" y="1690970"/>
+            <a:ext cx="5834325" cy="2308324"/>
+          </a:xfrm>
+          <a:prstGeom prst="rect">
+            <a:avLst/>
+          </a:prstGeom>
+          <a:noFill/>
+        </p:spPr>
+        <p:txBody>
+          <a:bodyPr wrap="square" rtlCol="0">
+            <a:spAutoFit/>
+          </a:bodyPr>
+          <a:lstStyle/>
+          <a:p>
+            <a:r>
+              <a:rPr lang="es-ES" b="1" dirty="0"/>
+              <a:t>Modelado </a:t>
+            </a:r>
+            <a:r>
+              <a:rPr lang="en-US" b="1" dirty="0"/>
+              <a:t>de Series Temporales</a:t>
+            </a:r>
+          </a:p>
+          <a:p>
+            <a:pPr marL="742950" lvl="1" indent="-285750">
+              <a:buFont typeface="Wingdings" panose="05000000000000000000" pitchFamily="2" charset="2"/>
+              <a:buChar char="Ø"/>
+            </a:pPr>
+            <a:r>
+              <a:rPr lang="en-US" sz="1400" dirty="0"/>
+              <a:t>Entrenamiento y Validación en Series Temporales</a:t>
+            </a:r>
+          </a:p>
+          <a:p>
+            <a:pPr marL="1200150" lvl="2" indent="-285750">
+              <a:buFont typeface="Wingdings" panose="05000000000000000000" pitchFamily="2" charset="2"/>
+              <a:buChar char="Ø"/>
+            </a:pPr>
+            <a:r>
+              <a:rPr lang="en-US" sz="1400" dirty="0"/>
+              <a:t>Walkforward Validations</a:t>
+            </a:r>
+          </a:p>
+          <a:p>
+            <a:pPr marL="1200150" lvl="2" indent="-285750">
+              <a:buFont typeface="Wingdings" panose="05000000000000000000" pitchFamily="2" charset="2"/>
+              <a:buChar char="Ø"/>
+            </a:pPr>
+            <a:r>
+              <a:rPr lang="en-US" sz="1400" dirty="0"/>
+              <a:t>Métricas de validación (MAE, MAPE, RMSE, MDA)</a:t>
+            </a:r>
+          </a:p>
+          <a:p>
+            <a:pPr marL="742950" lvl="1" indent="-285750">
+              <a:buFont typeface="Wingdings" panose="05000000000000000000" pitchFamily="2" charset="2"/>
+              <a:buChar char="Ø"/>
+            </a:pPr>
+            <a:r>
+              <a:rPr lang="en-US" sz="1400" dirty="0"/>
+              <a:t>Modelos tradicionales </a:t>
+            </a:r>
+          </a:p>
+          <a:p>
+            <a:pPr marL="1200150" lvl="2" indent="-285750">
+              <a:buFont typeface="Wingdings" panose="05000000000000000000" pitchFamily="2" charset="2"/>
+              <a:buChar char="Ø"/>
+            </a:pPr>
+            <a:r>
+              <a:rPr lang="en-US" sz="1400" dirty="0"/>
+              <a:t>ARIMAX (SARIMAX), prophet</a:t>
+            </a:r>
+          </a:p>
+          <a:p>
+            <a:pPr marL="1200150" lvl="2" indent="-285750">
+              <a:buFont typeface="Wingdings" panose="05000000000000000000" pitchFamily="2" charset="2"/>
+              <a:buChar char="Ø"/>
+            </a:pPr>
+            <a:r>
+              <a:rPr lang="en-US" sz="1400" dirty="0"/>
+              <a:t>Creación de variables </a:t>
+            </a:r>
+            <a:r>
+              <a:rPr lang="en-US" sz="1400" dirty="0" err="1"/>
+              <a:t>regresoras</a:t>
+            </a:r>
+            <a:r>
+              <a:rPr lang="en-US" sz="1400" dirty="0"/>
+              <a:t>, step e impulse</a:t>
+            </a:r>
+          </a:p>
+          <a:p>
+            <a:pPr marL="742950" lvl="1" indent="-285750">
+              <a:buFont typeface="Wingdings" panose="05000000000000000000" pitchFamily="2" charset="2"/>
+              <a:buChar char="Ø"/>
+            </a:pPr>
+            <a:r>
+              <a:rPr lang="en-US" sz="1400" dirty="0" err="1"/>
+              <a:t>Aplicabilidad</a:t>
+            </a:r>
+            <a:r>
+              <a:rPr lang="en-US" sz="1400" dirty="0"/>
+              <a:t> de </a:t>
+            </a:r>
+            <a:r>
+              <a:rPr lang="en-US" sz="1400" dirty="0" err="1"/>
+              <a:t>modelos</a:t>
+            </a:r>
+            <a:endParaRPr lang="en-US" sz="1400" dirty="0"/>
+          </a:p>
+          <a:p>
+            <a:pPr marL="1200150" lvl="2" indent="-285750">
+              <a:buFont typeface="Wingdings" panose="05000000000000000000" pitchFamily="2" charset="2"/>
+              <a:buChar char="Ø"/>
+            </a:pPr>
+            <a:r>
+              <a:rPr lang="en-US" sz="1400" dirty="0" err="1"/>
+              <a:t>Teoría</a:t>
+            </a:r>
+            <a:r>
+              <a:rPr lang="en-US" sz="1400" dirty="0"/>
+              <a:t> de los mercados </a:t>
+            </a:r>
+            <a:r>
+              <a:rPr lang="en-US" sz="1400" dirty="0" err="1"/>
+              <a:t>eficientes</a:t>
+            </a:r>
+            <a:endParaRPr lang="en-US" sz="1400" dirty="0"/>
+          </a:p>
+          <a:p>
+            <a:pPr marL="1200150" lvl="2" indent="-285750">
+              <a:buFont typeface="Wingdings" panose="05000000000000000000" pitchFamily="2" charset="2"/>
+              <a:buChar char="Ø"/>
+            </a:pPr>
+            <a:endParaRPr lang="en-US" sz="1400" dirty="0"/>
+          </a:p>
+        </p:txBody>
+      </p:sp>
+      <p:sp>
+        <p:nvSpPr>
+          <p:cNvPr id="43" name="CuadroTexto 42">
+            <a:extLst>
+              <a:ext uri="{FF2B5EF4-FFF2-40B4-BE49-F238E27FC236}">
+                <a16:creationId xmlns:a16="http://schemas.microsoft.com/office/drawing/2014/main" id="{47A5A277-2DCF-4F78-A2A7-6F76ED500228}"/>
+              </a:ext>
+            </a:extLst>
+          </p:cNvPr>
+          <p:cNvSpPr txBox="1"/>
+          <p:nvPr/>
+        </p:nvSpPr>
+        <p:spPr>
+          <a:xfrm>
+            <a:off x="-85506" y="1360657"/>
+            <a:ext cx="3959603" cy="400110"/>
+          </a:xfrm>
+          <a:prstGeom prst="rect">
+            <a:avLst/>
+          </a:prstGeom>
+          <a:noFill/>
+        </p:spPr>
+        <p:txBody>
+          <a:bodyPr wrap="square" rtlCol="0">
+            <a:spAutoFit/>
+          </a:bodyPr>
+          <a:lstStyle/>
+          <a:p>
             <a:pPr algn="ctr"/>
             <a:r>
               <a:rPr lang="es-ES" sz="2000" i="1" dirty="0"/>
-              <a:t>Creación de la serie Temporal</a:t>
+              <a:t>Primera Fase – 2 Semanas</a:t>
             </a:r>
             <a:endParaRPr lang="en-US" i="1" dirty="0"/>
+          </a:p>
+        </p:txBody>
+      </p:sp>
+      <p:sp>
+        <p:nvSpPr>
+          <p:cNvPr id="45" name="CuadroTexto 44">
+            <a:extLst>
+              <a:ext uri="{FF2B5EF4-FFF2-40B4-BE49-F238E27FC236}">
+                <a16:creationId xmlns:a16="http://schemas.microsoft.com/office/drawing/2014/main" id="{12170AA0-17D0-458A-8380-F90F34FCB72B}"/>
+              </a:ext>
+            </a:extLst>
+          </p:cNvPr>
+          <p:cNvSpPr txBox="1"/>
+          <p:nvPr/>
+        </p:nvSpPr>
+        <p:spPr>
+          <a:xfrm>
+            <a:off x="5553080" y="1360657"/>
+            <a:ext cx="3643618" cy="400110"/>
+          </a:xfrm>
+          <a:prstGeom prst="rect">
+            <a:avLst/>
+          </a:prstGeom>
+          <a:noFill/>
+        </p:spPr>
+        <p:txBody>
+          <a:bodyPr wrap="square" rtlCol="0">
+            <a:spAutoFit/>
+          </a:bodyPr>
+          <a:lstStyle/>
+          <a:p>
+            <a:pPr algn="ctr"/>
+            <a:r>
+              <a:rPr lang="es-ES" sz="2000" i="1" dirty="0"/>
+              <a:t>Segunda Fase </a:t>
+            </a:r>
+            <a:r>
+              <a:rPr lang="es-ES" sz="1800" i="1" dirty="0"/>
+              <a:t>– 2 Semanas</a:t>
+            </a:r>
+            <a:endParaRPr lang="en-US" i="1" dirty="0"/>
+          </a:p>
+        </p:txBody>
+      </p:sp>
+      <p:sp>
+        <p:nvSpPr>
+          <p:cNvPr id="8" name="CuadroTexto 7">
+            <a:extLst>
+              <a:ext uri="{FF2B5EF4-FFF2-40B4-BE49-F238E27FC236}">
+                <a16:creationId xmlns:a16="http://schemas.microsoft.com/office/drawing/2014/main" id="{152C8A77-647A-4001-81B8-157BAF9D71D0}"/>
+              </a:ext>
+            </a:extLst>
+          </p:cNvPr>
+          <p:cNvSpPr txBox="1"/>
+          <p:nvPr/>
+        </p:nvSpPr>
+        <p:spPr>
+          <a:xfrm>
+            <a:off x="5708495" y="4346741"/>
+            <a:ext cx="5834325" cy="1446550"/>
+          </a:xfrm>
+          <a:prstGeom prst="rect">
+            <a:avLst/>
+          </a:prstGeom>
+          <a:noFill/>
+        </p:spPr>
+        <p:txBody>
+          <a:bodyPr wrap="square" rtlCol="0">
+            <a:spAutoFit/>
+          </a:bodyPr>
+          <a:lstStyle/>
+          <a:p>
+            <a:r>
+              <a:rPr lang="es-ES" b="1" dirty="0"/>
+              <a:t>Modelos Avanzados</a:t>
+            </a:r>
+            <a:endParaRPr lang="en-US" b="1" dirty="0"/>
+          </a:p>
+          <a:p>
+            <a:pPr marL="742950" lvl="1" indent="-285750">
+              <a:buFont typeface="Wingdings" panose="05000000000000000000" pitchFamily="2" charset="2"/>
+              <a:buChar char="Ø"/>
+            </a:pPr>
+            <a:r>
+              <a:rPr lang="en-US" sz="1400" dirty="0"/>
+              <a:t>Modelado de Series Temporales con Redes Neuronales</a:t>
+            </a:r>
+          </a:p>
+          <a:p>
+            <a:pPr marL="1200150" lvl="2" indent="-285750">
+              <a:buFont typeface="Wingdings" panose="05000000000000000000" pitchFamily="2" charset="2"/>
+              <a:buChar char="Ø"/>
+            </a:pPr>
+            <a:r>
+              <a:rPr lang="en-US" sz="1400" dirty="0"/>
+              <a:t>LSTM</a:t>
+            </a:r>
+          </a:p>
+          <a:p>
+            <a:pPr marL="742950" lvl="1" indent="-285750">
+              <a:buFont typeface="Wingdings" panose="05000000000000000000" pitchFamily="2" charset="2"/>
+              <a:buChar char="Ø"/>
+            </a:pPr>
+            <a:r>
+              <a:rPr lang="en-US" sz="1400" dirty="0" err="1"/>
+              <a:t>Simuladores</a:t>
+            </a:r>
+            <a:endParaRPr lang="en-US" sz="1400" dirty="0"/>
+          </a:p>
+          <a:p>
+            <a:pPr marL="1200150" lvl="2" indent="-285750">
+              <a:buFont typeface="Wingdings" panose="05000000000000000000" pitchFamily="2" charset="2"/>
+              <a:buChar char="Ø"/>
+            </a:pPr>
+            <a:r>
+              <a:rPr lang="en-US" sz="1400" dirty="0"/>
+              <a:t>Importancia relativa de variables</a:t>
+            </a:r>
+          </a:p>
+          <a:p>
+            <a:pPr marL="1200150" lvl="2" indent="-285750">
+              <a:buFont typeface="Wingdings" panose="05000000000000000000" pitchFamily="2" charset="2"/>
+              <a:buChar char="Ø"/>
+            </a:pPr>
+            <a:r>
+              <a:rPr lang="en-US" sz="1400" dirty="0"/>
+              <a:t>Identificación de varianza base vs variable</a:t>
+            </a:r>
           </a:p>
         </p:txBody>
       </p:sp>
@@ -5416,10 +7844,47 @@
           </a:p>
         </p:txBody>
       </p:sp>
+      <p:sp>
+        <p:nvSpPr>
+          <p:cNvPr id="10" name="CuadroTexto 9">
+            <a:extLst>
+              <a:ext uri="{FF2B5EF4-FFF2-40B4-BE49-F238E27FC236}">
+                <a16:creationId xmlns:a16="http://schemas.microsoft.com/office/drawing/2014/main" id="{915661B0-B3F1-4F61-A765-1F3D3903FB7D}"/>
+              </a:ext>
+            </a:extLst>
+          </p:cNvPr>
+          <p:cNvSpPr txBox="1"/>
+          <p:nvPr/>
+        </p:nvSpPr>
+        <p:spPr>
+          <a:xfrm>
+            <a:off x="5553080" y="4014683"/>
+            <a:ext cx="3682767" cy="400110"/>
+          </a:xfrm>
+          <a:prstGeom prst="rect">
+            <a:avLst/>
+          </a:prstGeom>
+          <a:noFill/>
+        </p:spPr>
+        <p:txBody>
+          <a:bodyPr wrap="square" rtlCol="0">
+            <a:spAutoFit/>
+          </a:bodyPr>
+          <a:lstStyle/>
+          <a:p>
+            <a:pPr algn="ctr"/>
+            <a:r>
+              <a:rPr lang="es-ES" sz="2000" i="1" dirty="0"/>
+              <a:t>Tercera Fase – 3 Semanas</a:t>
+            </a:r>
+            <a:endParaRPr lang="en-US" i="1" dirty="0"/>
+          </a:p>
+        </p:txBody>
+      </p:sp>
     </p:spTree>
     <p:extLst>
       <p:ext uri="{BB962C8B-B14F-4D97-AF65-F5344CB8AC3E}">
-        <p14:creationId xmlns:p14="http://schemas.microsoft.com/office/powerpoint/2010/main" val="1808144909"/>
+        <p14:creationId xmlns:p14="http://schemas.microsoft.com/office/powerpoint/2010/main" val="475523971"/>
       </p:ext>
     </p:extLst>
   </p:cSld>
@@ -5461,7 +7926,7 @@
         <p:spPr>
           <a:xfrm>
             <a:off x="7675981" y="186661"/>
-            <a:ext cx="4516019" cy="584775"/>
+            <a:ext cx="4516019" cy="1077218"/>
           </a:xfrm>
           <a:prstGeom prst="rect">
             <a:avLst/>
@@ -5477,9 +7942,8 @@
             <a:pPr algn="ctr"/>
             <a:r>
               <a:rPr lang="es-ES" sz="3200" dirty="0"/>
-              <a:t>Caso Práctico</a:t>
-            </a:r>
-            <a:endParaRPr lang="en-US" sz="2800" dirty="0"/>
+              <a:t>Creación de la serie Temporal</a:t>
+            </a:r>
           </a:p>
         </p:txBody>
       </p:sp>
@@ -5498,7 +7962,7 @@
         <p:spPr>
           <a:xfrm>
             <a:off x="0" y="1360657"/>
-            <a:ext cx="3874097" cy="400110"/>
+            <a:ext cx="3959603" cy="400110"/>
           </a:xfrm>
           <a:prstGeom prst="rect">
             <a:avLst/>
@@ -5514,7 +7978,7 @@
             <a:pPr algn="ctr"/>
             <a:r>
               <a:rPr lang="es-ES" sz="2000" i="1" dirty="0"/>
-              <a:t>Objetivos para la semana 2</a:t>
+              <a:t>Elección de la resolución</a:t>
             </a:r>
             <a:endParaRPr lang="en-US" i="1" dirty="0"/>
           </a:p>
@@ -5522,10 +7986,55 @@
       </p:sp>
       <p:sp>
         <p:nvSpPr>
-          <p:cNvPr id="3" name="CuadroTexto 2">
-            <a:extLst>
-              <a:ext uri="{FF2B5EF4-FFF2-40B4-BE49-F238E27FC236}">
-                <a16:creationId xmlns:a16="http://schemas.microsoft.com/office/drawing/2014/main" id="{07C945E3-1846-4EE7-86DE-6C48E25628FB}"/>
+          <p:cNvPr id="9" name="AutoShape 6" descr="statsmodels">
+            <a:extLst>
+              <a:ext uri="{FF2B5EF4-FFF2-40B4-BE49-F238E27FC236}">
+                <a16:creationId xmlns:a16="http://schemas.microsoft.com/office/drawing/2014/main" id="{CABC1135-890E-4BE3-9332-D0D6EF3DCCCC}"/>
+              </a:ext>
+            </a:extLst>
+          </p:cNvPr>
+          <p:cNvSpPr>
+            <a:spLocks noChangeAspect="1" noChangeArrowheads="1"/>
+          </p:cNvSpPr>
+          <p:nvPr/>
+        </p:nvSpPr>
+        <p:spPr bwMode="auto">
+          <a:xfrm>
+            <a:off x="11524641" y="5400258"/>
+            <a:ext cx="304800" cy="304800"/>
+          </a:xfrm>
+          <a:prstGeom prst="rect">
+            <a:avLst/>
+          </a:prstGeom>
+          <a:noFill/>
+          <a:extLst>
+            <a:ext uri="{909E8E84-426E-40DD-AFC4-6F175D3DCCD1}">
+              <a14:hiddenFill xmlns:a14="http://schemas.microsoft.com/office/drawing/2010/main">
+                <a:solidFill>
+                  <a:srgbClr val="FFFFFF"/>
+                </a:solidFill>
+              </a14:hiddenFill>
+            </a:ext>
+          </a:extLst>
+        </p:spPr>
+        <p:txBody>
+          <a:bodyPr vert="horz" wrap="square" lIns="91440" tIns="45720" rIns="91440" bIns="45720" numCol="1" anchor="t" anchorCtr="0" compatLnSpc="1">
+            <a:prstTxWarp prst="textNoShape">
+              <a:avLst/>
+            </a:prstTxWarp>
+          </a:bodyPr>
+          <a:lstStyle/>
+          <a:p>
+            <a:endParaRPr lang="en-US" dirty="0"/>
+          </a:p>
+        </p:txBody>
+      </p:sp>
+      <p:sp>
+        <p:nvSpPr>
+          <p:cNvPr id="5" name="CuadroTexto 4">
+            <a:extLst>
+              <a:ext uri="{FF2B5EF4-FFF2-40B4-BE49-F238E27FC236}">
+                <a16:creationId xmlns:a16="http://schemas.microsoft.com/office/drawing/2014/main" id="{D534731C-B1C5-4306-8542-507443C58F19}"/>
               </a:ext>
             </a:extLst>
           </p:cNvPr>
@@ -5534,8 +8043,8 @@
         </p:nvSpPr>
         <p:spPr>
           <a:xfrm>
-            <a:off x="302003" y="2108239"/>
-            <a:ext cx="8062352" cy="3363678"/>
+            <a:off x="261675" y="1942640"/>
+            <a:ext cx="8806824" cy="2246769"/>
           </a:xfrm>
           <a:prstGeom prst="rect">
             <a:avLst/>
@@ -5548,117 +8057,173 @@
           </a:bodyPr>
           <a:lstStyle/>
           <a:p>
-            <a:pPr marL="342900" indent="-342900">
-              <a:lnSpc>
-                <a:spcPct val="150000"/>
-              </a:lnSpc>
-              <a:buAutoNum type="arabicPeriod"/>
+            <a:pPr marL="742950" lvl="1" indent="-285750">
+              <a:buFont typeface="Wingdings" panose="05000000000000000000" pitchFamily="2" charset="2"/>
+              <a:buChar char="Ø"/>
             </a:pPr>
             <a:r>
-              <a:rPr lang="es-ES" dirty="0"/>
-              <a:t>Tener la serie de PM2.5 limpia junto con las posibles regresoras. </a:t>
-            </a:r>
-          </a:p>
-          <a:p>
-            <a:pPr marL="342900" indent="-342900">
-              <a:lnSpc>
-                <a:spcPct val="150000"/>
-              </a:lnSpc>
-              <a:buAutoNum type="arabicPeriod"/>
+              <a:rPr lang="es-ES" sz="1400" dirty="0"/>
+              <a:t>Cuando tenemos una serie temporal indexada al tiempo con suficiente detalle, se puede elegir una resolución temporal. </a:t>
+            </a:r>
+          </a:p>
+          <a:p>
+            <a:pPr marL="742950" lvl="1" indent="-285750">
+              <a:buFont typeface="Wingdings" panose="05000000000000000000" pitchFamily="2" charset="2"/>
+              <a:buChar char="Ø"/>
             </a:pPr>
             <a:r>
-              <a:rPr lang="es-ES" dirty="0"/>
-              <a:t>Visualizar las series en su conjunto.</a:t>
-            </a:r>
-          </a:p>
-          <a:p>
-            <a:pPr marL="342900" indent="-342900">
-              <a:lnSpc>
-                <a:spcPct val="150000"/>
-              </a:lnSpc>
-              <a:buAutoNum type="arabicPeriod"/>
+              <a:rPr lang="es-ES" sz="1400" dirty="0"/>
+              <a:t>Nos podemos apoyar en la función </a:t>
+            </a:r>
+            <a:r>
+              <a:rPr lang="es-ES" sz="1400" dirty="0" err="1">
+                <a:hlinkClick r:id="rId2"/>
+              </a:rPr>
+              <a:t>resample</a:t>
+            </a:r>
+            <a:r>
+              <a:rPr lang="es-ES" sz="1400" dirty="0"/>
+              <a:t> de pandas. </a:t>
+            </a:r>
+          </a:p>
+          <a:p>
+            <a:pPr marL="742950" lvl="1" indent="-285750">
+              <a:buFont typeface="Wingdings" panose="05000000000000000000" pitchFamily="2" charset="2"/>
+              <a:buChar char="Ø"/>
             </a:pPr>
             <a:r>
-              <a:rPr lang="es-ES" dirty="0"/>
-              <a:t>Hacer el reindexado de la serie a la medida que sea mejor.</a:t>
-            </a:r>
-          </a:p>
-          <a:p>
-            <a:pPr marL="342900" indent="-342900">
-              <a:lnSpc>
-                <a:spcPct val="150000"/>
-              </a:lnSpc>
-              <a:buAutoNum type="arabicPeriod"/>
+              <a:rPr lang="es-ES" sz="1400" dirty="0"/>
+              <a:t>Esto va a crear un objeto </a:t>
+            </a:r>
+            <a:r>
+              <a:rPr lang="es-ES" sz="1400" dirty="0" err="1"/>
+              <a:t>resampler</a:t>
+            </a:r>
+            <a:r>
+              <a:rPr lang="es-ES" sz="1400" dirty="0"/>
+              <a:t> (</a:t>
+            </a:r>
+            <a:r>
+              <a:rPr lang="es-ES" sz="1400" dirty="0" err="1"/>
+              <a:t>groupby</a:t>
+            </a:r>
+            <a:r>
+              <a:rPr lang="es-ES" sz="1400" dirty="0"/>
+              <a:t>) que luego podemos agregar con distintas funciones</a:t>
+            </a:r>
+          </a:p>
+          <a:p>
+            <a:pPr marL="742950" lvl="1" indent="-285750">
+              <a:buFont typeface="Wingdings" panose="05000000000000000000" pitchFamily="2" charset="2"/>
+              <a:buChar char="Ø"/>
             </a:pPr>
             <a:r>
-              <a:rPr lang="es-ES" dirty="0"/>
-              <a:t>Crear las variables derivadas de PM2.5 con:</a:t>
-            </a:r>
-          </a:p>
-          <a:p>
-            <a:pPr marL="800100" lvl="1" indent="-342900">
-              <a:lnSpc>
-                <a:spcPct val="150000"/>
-              </a:lnSpc>
-              <a:buAutoNum type="arabicPeriod"/>
+              <a:rPr lang="es-ES" sz="1400" dirty="0"/>
+              <a:t>Tenéis el listado de </a:t>
+            </a:r>
+            <a:r>
+              <a:rPr lang="es-ES" sz="1400" dirty="0" err="1"/>
+              <a:t>strings</a:t>
+            </a:r>
+            <a:r>
+              <a:rPr lang="es-ES" sz="1400" dirty="0"/>
+              <a:t> para el </a:t>
+            </a:r>
+            <a:r>
+              <a:rPr lang="es-ES" sz="1400" dirty="0" err="1"/>
+              <a:t>resample</a:t>
+            </a:r>
+            <a:r>
+              <a:rPr lang="es-ES" sz="1400" dirty="0"/>
+              <a:t> en </a:t>
+            </a:r>
+            <a:r>
+              <a:rPr lang="es-ES" sz="1400" dirty="0">
+                <a:hlinkClick r:id="rId3"/>
+              </a:rPr>
+              <a:t>esta documentación.</a:t>
+            </a:r>
+            <a:r>
+              <a:rPr lang="es-ES" sz="1400" dirty="0"/>
+              <a:t> </a:t>
+            </a:r>
+          </a:p>
+          <a:p>
+            <a:pPr marL="742950" lvl="1" indent="-285750">
+              <a:buFont typeface="Wingdings" panose="05000000000000000000" pitchFamily="2" charset="2"/>
+              <a:buChar char="Ø"/>
             </a:pPr>
-            <a:r>
-              <a:rPr lang="es-ES" dirty="0"/>
-              <a:t>Log</a:t>
-            </a:r>
-          </a:p>
-          <a:p>
-            <a:pPr marL="800100" lvl="1" indent="-342900">
-              <a:lnSpc>
-                <a:spcPct val="150000"/>
-              </a:lnSpc>
-              <a:buAutoNum type="arabicPeriod"/>
-            </a:pPr>
-            <a:r>
-              <a:rPr lang="es-ES" dirty="0" err="1"/>
-              <a:t>Moving</a:t>
-            </a:r>
-            <a:r>
-              <a:rPr lang="es-ES" dirty="0"/>
-              <a:t> </a:t>
-            </a:r>
-            <a:r>
-              <a:rPr lang="es-ES" dirty="0" err="1"/>
-              <a:t>Average</a:t>
-            </a:r>
-            <a:endParaRPr lang="es-ES" dirty="0"/>
-          </a:p>
-          <a:p>
-            <a:pPr marL="800100" lvl="1" indent="-342900">
-              <a:lnSpc>
-                <a:spcPct val="150000"/>
-              </a:lnSpc>
-              <a:buAutoNum type="arabicPeriod"/>
-            </a:pPr>
-            <a:r>
-              <a:rPr lang="es-ES" dirty="0" err="1"/>
-              <a:t>Lag</a:t>
-            </a:r>
-            <a:r>
-              <a:rPr lang="es-ES" dirty="0"/>
-              <a:t> n</a:t>
-            </a:r>
-          </a:p>
-          <a:p>
-            <a:pPr marL="800100" lvl="1" indent="-342900">
-              <a:lnSpc>
-                <a:spcPct val="150000"/>
-              </a:lnSpc>
-              <a:buAutoNum type="arabicPeriod"/>
-            </a:pPr>
-            <a:endParaRPr lang="es-ES" dirty="0"/>
+            <a:endParaRPr lang="es-ES" sz="1400" dirty="0"/>
+          </a:p>
+          <a:p>
+            <a:pPr lvl="1"/>
+            <a:r>
+              <a:rPr lang="es-ES" sz="1400" dirty="0" err="1">
+                <a:solidFill>
+                  <a:srgbClr val="FF0000"/>
+                </a:solidFill>
+              </a:rPr>
+              <a:t>df_daily</a:t>
+            </a:r>
+            <a:r>
+              <a:rPr lang="es-ES" sz="1400" dirty="0">
+                <a:solidFill>
+                  <a:srgbClr val="FF0000"/>
+                </a:solidFill>
+              </a:rPr>
+              <a:t> = </a:t>
+            </a:r>
+            <a:r>
+              <a:rPr lang="es-ES" sz="1400" dirty="0" err="1">
+                <a:solidFill>
+                  <a:srgbClr val="FF0000"/>
+                </a:solidFill>
+              </a:rPr>
+              <a:t>df.resample</a:t>
+            </a:r>
+            <a:r>
+              <a:rPr lang="es-ES" sz="1400" dirty="0">
+                <a:solidFill>
+                  <a:srgbClr val="FF0000"/>
+                </a:solidFill>
+              </a:rPr>
+              <a:t>('D').</a:t>
+            </a:r>
+            <a:r>
+              <a:rPr lang="es-ES" sz="1400" dirty="0" err="1">
+                <a:solidFill>
+                  <a:srgbClr val="FF0000"/>
+                </a:solidFill>
+              </a:rPr>
+              <a:t>agg</a:t>
+            </a:r>
+            <a:r>
+              <a:rPr lang="es-ES" sz="1400" dirty="0">
+                <a:solidFill>
+                  <a:srgbClr val="FF0000"/>
+                </a:solidFill>
+              </a:rPr>
+              <a:t>()</a:t>
+            </a:r>
+          </a:p>
+          <a:p>
+            <a:pPr lvl="1"/>
+            <a:endParaRPr lang="es-ES" sz="1400" dirty="0">
+              <a:solidFill>
+                <a:srgbClr val="FF0000"/>
+              </a:solidFill>
+            </a:endParaRPr>
+          </a:p>
+          <a:p>
+            <a:pPr lvl="1"/>
+            <a:endParaRPr lang="es-ES" sz="1400" dirty="0"/>
           </a:p>
         </p:txBody>
       </p:sp>
     </p:spTree>
     <p:extLst>
       <p:ext uri="{BB962C8B-B14F-4D97-AF65-F5344CB8AC3E}">
-        <p14:creationId xmlns:p14="http://schemas.microsoft.com/office/powerpoint/2010/main" val="2240758136"/>
+        <p14:creationId xmlns:p14="http://schemas.microsoft.com/office/powerpoint/2010/main" val="1808144909"/>
       </p:ext>
     </p:extLst>
   </p:cSld>
@@ -5687,89 +8252,96 @@
       </p:grpSpPr>
       <p:sp>
         <p:nvSpPr>
-          <p:cNvPr id="4" name="Rectángulo 3">
-            <a:extLst>
-              <a:ext uri="{FF2B5EF4-FFF2-40B4-BE49-F238E27FC236}">
-                <a16:creationId xmlns:a16="http://schemas.microsoft.com/office/drawing/2014/main" id="{6CD4C87E-B221-45CE-93DC-BD05927016DF}"/>
-              </a:ext>
-            </a:extLst>
-          </p:cNvPr>
-          <p:cNvSpPr/>
+          <p:cNvPr id="22" name="CuadroTexto 21">
+            <a:extLst>
+              <a:ext uri="{FF2B5EF4-FFF2-40B4-BE49-F238E27FC236}">
+                <a16:creationId xmlns:a16="http://schemas.microsoft.com/office/drawing/2014/main" id="{5C80F593-DD2F-4F38-8160-0B4B1E5E79C5}"/>
+              </a:ext>
+            </a:extLst>
+          </p:cNvPr>
+          <p:cNvSpPr txBox="1"/>
           <p:nvPr/>
         </p:nvSpPr>
         <p:spPr>
           <a:xfrm>
-            <a:off x="0" y="1371600"/>
-            <a:ext cx="12192000" cy="5486400"/>
+            <a:off x="7675981" y="186661"/>
+            <a:ext cx="4516019" cy="1077218"/>
           </a:xfrm>
           <a:prstGeom prst="rect">
             <a:avLst/>
           </a:prstGeom>
-          <a:solidFill>
-            <a:schemeClr val="bg1"/>
-          </a:solidFill>
-          <a:ln>
-            <a:solidFill>
-              <a:schemeClr val="bg1"/>
-            </a:solidFill>
-          </a:ln>
-        </p:spPr>
-        <p:style>
-          <a:lnRef idx="2">
-            <a:schemeClr val="accent1">
-              <a:shade val="50000"/>
-            </a:schemeClr>
-          </a:lnRef>
-          <a:fillRef idx="1">
-            <a:schemeClr val="accent1"/>
-          </a:fillRef>
-          <a:effectRef idx="0">
-            <a:schemeClr val="accent1"/>
-          </a:effectRef>
-          <a:fontRef idx="minor">
-            <a:schemeClr val="lt1"/>
-          </a:fontRef>
-        </p:style>
-        <p:txBody>
-          <a:bodyPr rtlCol="0" anchor="ctr"/>
+          <a:noFill/>
+        </p:spPr>
+        <p:txBody>
+          <a:bodyPr wrap="square" rtlCol="0">
+            <a:spAutoFit/>
+          </a:bodyPr>
           <a:lstStyle/>
           <a:p>
             <a:pPr algn="ctr"/>
-            <a:endParaRPr lang="en-US" dirty="0"/>
-          </a:p>
-        </p:txBody>
-      </p:sp>
-      <p:pic>
-        <p:nvPicPr>
-          <p:cNvPr id="5" name="Picture 12" descr="Resultado de imagen de tinamica smartdata">
-            <a:extLst>
-              <a:ext uri="{FF2B5EF4-FFF2-40B4-BE49-F238E27FC236}">
-                <a16:creationId xmlns:a16="http://schemas.microsoft.com/office/drawing/2014/main" id="{31F64E77-1B5E-4538-9E84-2AC91F796445}"/>
-              </a:ext>
-            </a:extLst>
-          </p:cNvPr>
-          <p:cNvPicPr>
-            <a:picLocks noChangeAspect="1" noChangeArrowheads="1"/>
-          </p:cNvPicPr>
+            <a:r>
+              <a:rPr lang="es-ES" sz="3200" dirty="0"/>
+              <a:t>Revisión del Caso Práctico</a:t>
+            </a:r>
+            <a:endParaRPr lang="en-US" sz="2800" dirty="0"/>
+          </a:p>
+        </p:txBody>
+      </p:sp>
+      <p:sp>
+        <p:nvSpPr>
+          <p:cNvPr id="43" name="CuadroTexto 42">
+            <a:extLst>
+              <a:ext uri="{FF2B5EF4-FFF2-40B4-BE49-F238E27FC236}">
+                <a16:creationId xmlns:a16="http://schemas.microsoft.com/office/drawing/2014/main" id="{47A5A277-2DCF-4F78-A2A7-6F76ED500228}"/>
+              </a:ext>
+            </a:extLst>
+          </p:cNvPr>
+          <p:cNvSpPr txBox="1"/>
           <p:nvPr/>
-        </p:nvPicPr>
-        <p:blipFill>
-          <a:blip r:embed="rId2">
-            <a:extLst>
-              <a:ext uri="{28A0092B-C50C-407E-A947-70E740481C1C}">
-                <a14:useLocalDpi xmlns:a14="http://schemas.microsoft.com/office/drawing/2010/main" val="0"/>
-              </a:ext>
-            </a:extLst>
-          </a:blip>
-          <a:srcRect/>
-          <a:stretch>
-            <a:fillRect/>
-          </a:stretch>
-        </p:blipFill>
+        </p:nvSpPr>
+        <p:spPr>
+          <a:xfrm>
+            <a:off x="0" y="1360657"/>
+            <a:ext cx="3959603" cy="400110"/>
+          </a:xfrm>
+          <a:prstGeom prst="rect">
+            <a:avLst/>
+          </a:prstGeom>
+          <a:noFill/>
+        </p:spPr>
+        <p:txBody>
+          <a:bodyPr wrap="square" rtlCol="0">
+            <a:spAutoFit/>
+          </a:bodyPr>
+          <a:lstStyle/>
+          <a:p>
+            <a:pPr algn="ctr"/>
+            <a:r>
+              <a:rPr lang="es-ES" sz="2000" i="1" dirty="0"/>
+              <a:t>Arreglos de la serie Temporal</a:t>
+            </a:r>
+            <a:endParaRPr lang="en-US" i="1" dirty="0"/>
+          </a:p>
+        </p:txBody>
+      </p:sp>
+      <p:sp>
+        <p:nvSpPr>
+          <p:cNvPr id="9" name="AutoShape 6" descr="statsmodels">
+            <a:extLst>
+              <a:ext uri="{FF2B5EF4-FFF2-40B4-BE49-F238E27FC236}">
+                <a16:creationId xmlns:a16="http://schemas.microsoft.com/office/drawing/2014/main" id="{CABC1135-890E-4BE3-9332-D0D6EF3DCCCC}"/>
+              </a:ext>
+            </a:extLst>
+          </p:cNvPr>
+          <p:cNvSpPr>
+            <a:spLocks noChangeAspect="1" noChangeArrowheads="1"/>
+          </p:cNvSpPr>
+          <p:nvPr/>
+        </p:nvSpPr>
         <p:spPr bwMode="auto">
           <a:xfrm>
-            <a:off x="4680628" y="3058230"/>
-            <a:ext cx="2830743" cy="741539"/>
+            <a:off x="11524641" y="5400258"/>
+            <a:ext cx="304800" cy="304800"/>
           </a:xfrm>
           <a:prstGeom prst="rect">
             <a:avLst/>
@@ -5785,13 +8357,24 @@
             </a:ext>
           </a:extLst>
         </p:spPr>
-      </p:pic>
-      <p:sp>
-        <p:nvSpPr>
-          <p:cNvPr id="6" name="Triángulo isósceles 5">
-            <a:extLst>
-              <a:ext uri="{FF2B5EF4-FFF2-40B4-BE49-F238E27FC236}">
-                <a16:creationId xmlns:a16="http://schemas.microsoft.com/office/drawing/2014/main" id="{0AC0C27F-AB2A-4BF4-9C28-F1C0DD84E3BF}"/>
+        <p:txBody>
+          <a:bodyPr vert="horz" wrap="square" lIns="91440" tIns="45720" rIns="91440" bIns="45720" numCol="1" anchor="t" anchorCtr="0" compatLnSpc="1">
+            <a:prstTxWarp prst="textNoShape">
+              <a:avLst/>
+            </a:prstTxWarp>
+          </a:bodyPr>
+          <a:lstStyle/>
+          <a:p>
+            <a:endParaRPr lang="en-US" dirty="0"/>
+          </a:p>
+        </p:txBody>
+      </p:sp>
+      <p:sp>
+        <p:nvSpPr>
+          <p:cNvPr id="2" name="Rectángulo: esquinas redondeadas 1">
+            <a:extLst>
+              <a:ext uri="{FF2B5EF4-FFF2-40B4-BE49-F238E27FC236}">
+                <a16:creationId xmlns:a16="http://schemas.microsoft.com/office/drawing/2014/main" id="{FA8FC288-FE67-4B2B-9E5D-3CAD2E98AEB1}"/>
               </a:ext>
             </a:extLst>
           </p:cNvPr>
@@ -5799,19 +8382,15 @@
           <p:nvPr/>
         </p:nvSpPr>
         <p:spPr>
-          <a:xfrm flipV="1">
-            <a:off x="0" y="-3"/>
-            <a:ext cx="12113703" cy="681040"/>
-          </a:xfrm>
-          <a:prstGeom prst="triangle">
-            <a:avLst>
-              <a:gd name="adj" fmla="val 0"/>
-            </a:avLst>
+          <a:xfrm>
+            <a:off x="362558" y="2029947"/>
+            <a:ext cx="3053593" cy="973123"/>
+          </a:xfrm>
+          <a:prstGeom prst="roundRect">
+            <a:avLst/>
           </a:prstGeom>
           <a:solidFill>
-            <a:schemeClr val="bg2">
-              <a:lumMod val="90000"/>
-            </a:schemeClr>
+            <a:srgbClr val="A80000"/>
           </a:solidFill>
           <a:ln>
             <a:noFill/>
@@ -5834,25 +8413,24 @@
           </a:fontRef>
         </p:style>
         <p:txBody>
-          <a:bodyPr rot="0" spcFirstLastPara="0" vertOverflow="overflow" horzOverflow="overflow" vert="horz" wrap="square" lIns="91440" tIns="45720" rIns="91440" bIns="45720" numCol="1" spcCol="0" rtlCol="0" fromWordArt="0" anchor="ctr" anchorCtr="0" forceAA="0" compatLnSpc="1">
-            <a:prstTxWarp prst="textNoShape">
-              <a:avLst/>
-            </a:prstTxWarp>
-            <a:noAutofit/>
-          </a:bodyPr>
+          <a:bodyPr rtlCol="0" anchor="ctr"/>
           <a:lstStyle/>
           <a:p>
             <a:pPr algn="ctr"/>
+            <a:r>
+              <a:rPr lang="es-ES" dirty="0"/>
+              <a:t>Datos Faltantes</a:t>
+            </a:r>
             <a:endParaRPr lang="en-US" dirty="0"/>
           </a:p>
         </p:txBody>
       </p:sp>
       <p:sp>
         <p:nvSpPr>
-          <p:cNvPr id="7" name="Triángulo isósceles 6">
-            <a:extLst>
-              <a:ext uri="{FF2B5EF4-FFF2-40B4-BE49-F238E27FC236}">
-                <a16:creationId xmlns:a16="http://schemas.microsoft.com/office/drawing/2014/main" id="{A2BB0CA5-E4F3-40CA-9E10-D270C343C5E0}"/>
+          <p:cNvPr id="7" name="Rectángulo: esquinas redondeadas 6">
+            <a:extLst>
+              <a:ext uri="{FF2B5EF4-FFF2-40B4-BE49-F238E27FC236}">
+                <a16:creationId xmlns:a16="http://schemas.microsoft.com/office/drawing/2014/main" id="{A07B9AEE-FD20-410D-9CEC-D84D03649067}"/>
               </a:ext>
             </a:extLst>
           </p:cNvPr>
@@ -5860,18 +8438,13 @@
           <p:nvPr/>
         </p:nvSpPr>
         <p:spPr>
-          <a:xfrm flipV="1">
-            <a:off x="0" y="0"/>
-            <a:ext cx="8931564" cy="1128338"/>
-          </a:xfrm>
-          <a:prstGeom prst="triangle">
-            <a:avLst>
-              <a:gd name="adj" fmla="val 0"/>
-            </a:avLst>
-          </a:prstGeom>
-          <a:solidFill>
-            <a:srgbClr val="C00000"/>
-          </a:solidFill>
+          <a:xfrm>
+            <a:off x="4261607" y="2029946"/>
+            <a:ext cx="3053593" cy="973123"/>
+          </a:xfrm>
+          <a:prstGeom prst="roundRect">
+            <a:avLst/>
+          </a:prstGeom>
           <a:ln>
             <a:noFill/>
           </a:ln>
@@ -5893,27 +8466,24 @@
           </a:fontRef>
         </p:style>
         <p:txBody>
-          <a:bodyPr rot="0" spcFirstLastPara="0" vertOverflow="overflow" horzOverflow="overflow" vert="horz" wrap="square" lIns="91440" tIns="45720" rIns="91440" bIns="45720" numCol="1" spcCol="0" rtlCol="0" fromWordArt="0" anchor="ctr" anchorCtr="0" forceAA="0" compatLnSpc="1">
-            <a:prstTxWarp prst="textNoShape">
-              <a:avLst/>
-            </a:prstTxWarp>
-            <a:noAutofit/>
-          </a:bodyPr>
+          <a:bodyPr rtlCol="0" anchor="ctr"/>
           <a:lstStyle/>
           <a:p>
             <a:pPr algn="ctr"/>
-            <a:endParaRPr lang="en-US" dirty="0">
-              <a:latin typeface="Century Gothic" panose="020B0502020202020204" pitchFamily="34" charset="0"/>
-            </a:endParaRPr>
-          </a:p>
-        </p:txBody>
-      </p:sp>
-      <p:sp>
-        <p:nvSpPr>
-          <p:cNvPr id="8" name="Triángulo isósceles 7">
-            <a:extLst>
-              <a:ext uri="{FF2B5EF4-FFF2-40B4-BE49-F238E27FC236}">
-                <a16:creationId xmlns:a16="http://schemas.microsoft.com/office/drawing/2014/main" id="{BEFEAB9D-1D48-4130-B2EC-8FFB7DD59D03}"/>
+            <a:r>
+              <a:rPr lang="es-ES" dirty="0"/>
+              <a:t>Ceros</a:t>
+            </a:r>
+            <a:endParaRPr lang="en-US" dirty="0"/>
+          </a:p>
+        </p:txBody>
+      </p:sp>
+      <p:sp>
+        <p:nvSpPr>
+          <p:cNvPr id="8" name="Rectángulo: esquinas redondeadas 7">
+            <a:extLst>
+              <a:ext uri="{FF2B5EF4-FFF2-40B4-BE49-F238E27FC236}">
+                <a16:creationId xmlns:a16="http://schemas.microsoft.com/office/drawing/2014/main" id="{B4F9CA9D-361E-41BB-B9B4-22CBE5B11B82}"/>
               </a:ext>
             </a:extLst>
           </p:cNvPr>
@@ -5921,18 +8491,13 @@
           <p:nvPr/>
         </p:nvSpPr>
         <p:spPr>
-          <a:xfrm flipV="1">
-            <a:off x="0" y="-1"/>
-            <a:ext cx="7340367" cy="1128340"/>
-          </a:xfrm>
-          <a:prstGeom prst="triangle">
-            <a:avLst>
-              <a:gd name="adj" fmla="val 0"/>
-            </a:avLst>
-          </a:prstGeom>
-          <a:solidFill>
-            <a:srgbClr val="002060"/>
-          </a:solidFill>
+          <a:xfrm>
+            <a:off x="8775848" y="2029945"/>
+            <a:ext cx="3053593" cy="973123"/>
+          </a:xfrm>
+          <a:prstGeom prst="roundRect">
+            <a:avLst/>
+          </a:prstGeom>
           <a:ln>
             <a:noFill/>
           </a:ln>
@@ -5958,16 +8523,2735 @@
           <a:lstStyle/>
           <a:p>
             <a:pPr algn="ctr"/>
+            <a:r>
+              <a:rPr lang="es-ES" dirty="0"/>
+              <a:t>Varianza</a:t>
+            </a:r>
+            <a:endParaRPr lang="en-US" dirty="0"/>
+          </a:p>
+        </p:txBody>
+      </p:sp>
+      <p:sp>
+        <p:nvSpPr>
+          <p:cNvPr id="10" name="Rectángulo: esquinas redondeadas 9">
+            <a:extLst>
+              <a:ext uri="{FF2B5EF4-FFF2-40B4-BE49-F238E27FC236}">
+                <a16:creationId xmlns:a16="http://schemas.microsoft.com/office/drawing/2014/main" id="{BB78D5E2-5B6F-4A2A-8279-4B8B3F0F8C5A}"/>
+              </a:ext>
+            </a:extLst>
+          </p:cNvPr>
+          <p:cNvSpPr/>
+          <p:nvPr/>
+        </p:nvSpPr>
+        <p:spPr>
+          <a:xfrm>
+            <a:off x="8775848" y="5218494"/>
+            <a:ext cx="3053593" cy="973123"/>
+          </a:xfrm>
+          <a:prstGeom prst="roundRect">
+            <a:avLst/>
+          </a:prstGeom>
+          <a:ln>
+            <a:noFill/>
+          </a:ln>
+        </p:spPr>
+        <p:style>
+          <a:lnRef idx="2">
+            <a:schemeClr val="accent1">
+              <a:shade val="50000"/>
+            </a:schemeClr>
+          </a:lnRef>
+          <a:fillRef idx="1">
+            <a:schemeClr val="accent1"/>
+          </a:fillRef>
+          <a:effectRef idx="0">
+            <a:schemeClr val="accent1"/>
+          </a:effectRef>
+          <a:fontRef idx="minor">
+            <a:schemeClr val="lt1"/>
+          </a:fontRef>
+        </p:style>
+        <p:txBody>
+          <a:bodyPr rtlCol="0" anchor="ctr"/>
+          <a:lstStyle/>
+          <a:p>
+            <a:pPr algn="ctr"/>
+            <a:r>
+              <a:rPr lang="es-ES" dirty="0" err="1"/>
+              <a:t>Lag</a:t>
+            </a:r>
+            <a:endParaRPr lang="en-US" dirty="0"/>
+          </a:p>
+        </p:txBody>
+      </p:sp>
+      <p:sp>
+        <p:nvSpPr>
+          <p:cNvPr id="11" name="Rectángulo: esquinas redondeadas 10">
+            <a:extLst>
+              <a:ext uri="{FF2B5EF4-FFF2-40B4-BE49-F238E27FC236}">
+                <a16:creationId xmlns:a16="http://schemas.microsoft.com/office/drawing/2014/main" id="{5CC3FA6C-C46E-40A1-B651-0047C24332B8}"/>
+              </a:ext>
+            </a:extLst>
+          </p:cNvPr>
+          <p:cNvSpPr/>
+          <p:nvPr/>
+        </p:nvSpPr>
+        <p:spPr>
+          <a:xfrm>
+            <a:off x="4261607" y="5218495"/>
+            <a:ext cx="3053593" cy="973123"/>
+          </a:xfrm>
+          <a:prstGeom prst="roundRect">
+            <a:avLst/>
+          </a:prstGeom>
+          <a:ln>
+            <a:noFill/>
+          </a:ln>
+        </p:spPr>
+        <p:style>
+          <a:lnRef idx="2">
+            <a:schemeClr val="accent1">
+              <a:shade val="50000"/>
+            </a:schemeClr>
+          </a:lnRef>
+          <a:fillRef idx="1">
+            <a:schemeClr val="accent1"/>
+          </a:fillRef>
+          <a:effectRef idx="0">
+            <a:schemeClr val="accent1"/>
+          </a:effectRef>
+          <a:fontRef idx="minor">
+            <a:schemeClr val="lt1"/>
+          </a:fontRef>
+        </p:style>
+        <p:txBody>
+          <a:bodyPr rtlCol="0" anchor="ctr"/>
+          <a:lstStyle/>
+          <a:p>
+            <a:pPr algn="ctr"/>
+            <a:r>
+              <a:rPr lang="es-ES" dirty="0"/>
+              <a:t>Media móvil</a:t>
+            </a:r>
+            <a:endParaRPr lang="en-US" dirty="0"/>
+          </a:p>
+        </p:txBody>
+      </p:sp>
+      <p:sp>
+        <p:nvSpPr>
+          <p:cNvPr id="12" name="Rectángulo: esquinas redondeadas 11">
+            <a:extLst>
+              <a:ext uri="{FF2B5EF4-FFF2-40B4-BE49-F238E27FC236}">
+                <a16:creationId xmlns:a16="http://schemas.microsoft.com/office/drawing/2014/main" id="{5ED25998-F487-4A84-BB7E-D02D590572EB}"/>
+              </a:ext>
+            </a:extLst>
+          </p:cNvPr>
+          <p:cNvSpPr/>
+          <p:nvPr/>
+        </p:nvSpPr>
+        <p:spPr>
+          <a:xfrm>
+            <a:off x="362559" y="5218496"/>
+            <a:ext cx="3053593" cy="973123"/>
+          </a:xfrm>
+          <a:prstGeom prst="roundRect">
+            <a:avLst/>
+          </a:prstGeom>
+          <a:ln>
+            <a:noFill/>
+          </a:ln>
+        </p:spPr>
+        <p:style>
+          <a:lnRef idx="2">
+            <a:schemeClr val="accent1">
+              <a:shade val="50000"/>
+            </a:schemeClr>
+          </a:lnRef>
+          <a:fillRef idx="1">
+            <a:schemeClr val="accent1"/>
+          </a:fillRef>
+          <a:effectRef idx="0">
+            <a:schemeClr val="accent1"/>
+          </a:effectRef>
+          <a:fontRef idx="minor">
+            <a:schemeClr val="lt1"/>
+          </a:fontRef>
+        </p:style>
+        <p:txBody>
+          <a:bodyPr rtlCol="0" anchor="ctr"/>
+          <a:lstStyle/>
+          <a:p>
+            <a:pPr algn="ctr"/>
+            <a:r>
+              <a:rPr lang="es-ES" dirty="0"/>
+              <a:t>Tendencia</a:t>
+            </a:r>
+            <a:endParaRPr lang="en-US" dirty="0"/>
+          </a:p>
+        </p:txBody>
+      </p:sp>
+      <p:sp>
+        <p:nvSpPr>
+          <p:cNvPr id="3" name="Rectángulo: esquinas redondeadas 2">
+            <a:extLst>
+              <a:ext uri="{FF2B5EF4-FFF2-40B4-BE49-F238E27FC236}">
+                <a16:creationId xmlns:a16="http://schemas.microsoft.com/office/drawing/2014/main" id="{0F213969-98AB-4DB8-B426-6CDD28B2585D}"/>
+              </a:ext>
+            </a:extLst>
+          </p:cNvPr>
+          <p:cNvSpPr/>
+          <p:nvPr/>
+        </p:nvSpPr>
+        <p:spPr>
+          <a:xfrm>
+            <a:off x="362559" y="3632433"/>
+            <a:ext cx="3053593" cy="973123"/>
+          </a:xfrm>
+          <a:prstGeom prst="roundRect">
+            <a:avLst/>
+          </a:prstGeom>
+          <a:solidFill>
+            <a:schemeClr val="bg1"/>
+          </a:solidFill>
+          <a:ln>
+            <a:solidFill>
+              <a:srgbClr val="A80000"/>
+            </a:solidFill>
+          </a:ln>
+        </p:spPr>
+        <p:style>
+          <a:lnRef idx="2">
+            <a:schemeClr val="accent1">
+              <a:shade val="50000"/>
+            </a:schemeClr>
+          </a:lnRef>
+          <a:fillRef idx="1">
+            <a:schemeClr val="accent1"/>
+          </a:fillRef>
+          <a:effectRef idx="0">
+            <a:schemeClr val="accent1"/>
+          </a:effectRef>
+          <a:fontRef idx="minor">
+            <a:schemeClr val="lt1"/>
+          </a:fontRef>
+        </p:style>
+        <p:txBody>
+          <a:bodyPr rtlCol="0" anchor="ctr"/>
+          <a:lstStyle/>
+          <a:p>
+            <a:pPr algn="ctr"/>
+            <a:r>
+              <a:rPr lang="es-ES" dirty="0">
+                <a:solidFill>
+                  <a:srgbClr val="A80000"/>
+                </a:solidFill>
+              </a:rPr>
+              <a:t>Interpolación</a:t>
+            </a:r>
             <a:endParaRPr lang="en-US" dirty="0">
-              <a:latin typeface="Century Gothic" panose="020B0502020202020204" pitchFamily="34" charset="0"/>
+              <a:solidFill>
+                <a:srgbClr val="A80000"/>
+              </a:solidFill>
             </a:endParaRPr>
+          </a:p>
+        </p:txBody>
+      </p:sp>
+      <p:sp>
+        <p:nvSpPr>
+          <p:cNvPr id="4" name="Rectángulo: esquinas redondeadas 3">
+            <a:extLst>
+              <a:ext uri="{FF2B5EF4-FFF2-40B4-BE49-F238E27FC236}">
+                <a16:creationId xmlns:a16="http://schemas.microsoft.com/office/drawing/2014/main" id="{59D459A3-6CF5-42AD-839F-317EA8E1BA8B}"/>
+              </a:ext>
+            </a:extLst>
+          </p:cNvPr>
+          <p:cNvSpPr/>
+          <p:nvPr/>
+        </p:nvSpPr>
+        <p:spPr>
+          <a:xfrm>
+            <a:off x="3833769" y="3129094"/>
+            <a:ext cx="7690872" cy="1968140"/>
+          </a:xfrm>
+          <a:prstGeom prst="roundRect">
+            <a:avLst/>
+          </a:prstGeom>
+          <a:solidFill>
+            <a:schemeClr val="bg1"/>
+          </a:solidFill>
+          <a:ln>
+            <a:solidFill>
+              <a:srgbClr val="A80000"/>
+            </a:solidFill>
+          </a:ln>
+        </p:spPr>
+        <p:style>
+          <a:lnRef idx="2">
+            <a:schemeClr val="accent1">
+              <a:shade val="50000"/>
+            </a:schemeClr>
+          </a:lnRef>
+          <a:fillRef idx="1">
+            <a:schemeClr val="accent1"/>
+          </a:fillRef>
+          <a:effectRef idx="0">
+            <a:schemeClr val="accent1"/>
+          </a:effectRef>
+          <a:fontRef idx="minor">
+            <a:schemeClr val="lt1"/>
+          </a:fontRef>
+        </p:style>
+        <p:txBody>
+          <a:bodyPr rtlCol="0" anchor="ctr"/>
+          <a:lstStyle/>
+          <a:p>
+            <a:pPr algn="ctr"/>
+            <a:endParaRPr lang="en-US"/>
+          </a:p>
+        </p:txBody>
+      </p:sp>
+      <p:sp>
+        <p:nvSpPr>
+          <p:cNvPr id="6" name="Flecha: a la derecha 5">
+            <a:extLst>
+              <a:ext uri="{FF2B5EF4-FFF2-40B4-BE49-F238E27FC236}">
+                <a16:creationId xmlns:a16="http://schemas.microsoft.com/office/drawing/2014/main" id="{078FD83B-A895-42D7-A8E7-D2C2D228DD86}"/>
+              </a:ext>
+            </a:extLst>
+          </p:cNvPr>
+          <p:cNvSpPr/>
+          <p:nvPr/>
+        </p:nvSpPr>
+        <p:spPr>
+          <a:xfrm>
+            <a:off x="3416151" y="3968170"/>
+            <a:ext cx="417618" cy="268448"/>
+          </a:xfrm>
+          <a:prstGeom prst="rightArrow">
+            <a:avLst/>
+          </a:prstGeom>
+          <a:solidFill>
+            <a:srgbClr val="A80000"/>
+          </a:solidFill>
+          <a:ln>
+            <a:solidFill>
+              <a:srgbClr val="A80000"/>
+            </a:solidFill>
+          </a:ln>
+        </p:spPr>
+        <p:style>
+          <a:lnRef idx="2">
+            <a:schemeClr val="accent1">
+              <a:shade val="50000"/>
+            </a:schemeClr>
+          </a:lnRef>
+          <a:fillRef idx="1">
+            <a:schemeClr val="accent1"/>
+          </a:fillRef>
+          <a:effectRef idx="0">
+            <a:schemeClr val="accent1"/>
+          </a:effectRef>
+          <a:fontRef idx="minor">
+            <a:schemeClr val="lt1"/>
+          </a:fontRef>
+        </p:style>
+        <p:txBody>
+          <a:bodyPr rtlCol="0" anchor="ctr"/>
+          <a:lstStyle/>
+          <a:p>
+            <a:pPr algn="ctr"/>
+            <a:endParaRPr lang="en-US"/>
+          </a:p>
+        </p:txBody>
+      </p:sp>
+      <p:sp>
+        <p:nvSpPr>
+          <p:cNvPr id="20" name="CuadroTexto 19">
+            <a:extLst>
+              <a:ext uri="{FF2B5EF4-FFF2-40B4-BE49-F238E27FC236}">
+                <a16:creationId xmlns:a16="http://schemas.microsoft.com/office/drawing/2014/main" id="{41029A27-7782-4572-81EC-AC710440C8E0}"/>
+              </a:ext>
+            </a:extLst>
+          </p:cNvPr>
+          <p:cNvSpPr txBox="1"/>
+          <p:nvPr/>
+        </p:nvSpPr>
+        <p:spPr>
+          <a:xfrm>
+            <a:off x="9921836" y="3244334"/>
+            <a:ext cx="1907605" cy="369332"/>
+          </a:xfrm>
+          <a:prstGeom prst="rect">
+            <a:avLst/>
+          </a:prstGeom>
+          <a:noFill/>
+        </p:spPr>
+        <p:txBody>
+          <a:bodyPr wrap="square" rtlCol="0">
+            <a:spAutoFit/>
+          </a:bodyPr>
+          <a:lstStyle/>
+          <a:p>
+            <a:r>
+              <a:rPr lang="es-ES" dirty="0" err="1">
+                <a:hlinkClick r:id="rId2"/>
+              </a:rPr>
+              <a:t>interpolate</a:t>
+            </a:r>
+            <a:endParaRPr lang="en-US" dirty="0"/>
+          </a:p>
+        </p:txBody>
+      </p:sp>
+      <p:pic>
+        <p:nvPicPr>
+          <p:cNvPr id="21" name="Imagen 20">
+            <a:extLst>
+              <a:ext uri="{FF2B5EF4-FFF2-40B4-BE49-F238E27FC236}">
+                <a16:creationId xmlns:a16="http://schemas.microsoft.com/office/drawing/2014/main" id="{F0F021CC-6DC9-4866-8DC7-A1EE0D752274}"/>
+              </a:ext>
+            </a:extLst>
+          </p:cNvPr>
+          <p:cNvPicPr>
+            <a:picLocks noChangeAspect="1"/>
+          </p:cNvPicPr>
+          <p:nvPr/>
+        </p:nvPicPr>
+        <p:blipFill>
+          <a:blip r:embed="rId3"/>
+          <a:stretch>
+            <a:fillRect/>
+          </a:stretch>
+        </p:blipFill>
+        <p:spPr>
+          <a:xfrm>
+            <a:off x="4251386" y="3244334"/>
+            <a:ext cx="4639458" cy="1609483"/>
+          </a:xfrm>
+          <a:prstGeom prst="rect">
+            <a:avLst/>
+          </a:prstGeom>
+        </p:spPr>
+      </p:pic>
+      <p:sp>
+        <p:nvSpPr>
+          <p:cNvPr id="25" name="CuadroTexto 24">
+            <a:extLst>
+              <a:ext uri="{FF2B5EF4-FFF2-40B4-BE49-F238E27FC236}">
+                <a16:creationId xmlns:a16="http://schemas.microsoft.com/office/drawing/2014/main" id="{41516E80-BF38-45E8-BDE4-BA04C41D6B05}"/>
+              </a:ext>
+            </a:extLst>
+          </p:cNvPr>
+          <p:cNvSpPr txBox="1"/>
+          <p:nvPr/>
+        </p:nvSpPr>
+        <p:spPr>
+          <a:xfrm>
+            <a:off x="8584026" y="3345822"/>
+            <a:ext cx="2837887" cy="1877437"/>
+          </a:xfrm>
+          <a:prstGeom prst="rect">
+            <a:avLst/>
+          </a:prstGeom>
+          <a:noFill/>
+        </p:spPr>
+        <p:txBody>
+          <a:bodyPr wrap="square" rtlCol="0">
+            <a:spAutoFit/>
+          </a:bodyPr>
+          <a:lstStyle/>
+          <a:p>
+            <a:endParaRPr lang="es-ES" b="1" dirty="0"/>
+          </a:p>
+          <a:p>
+            <a:pPr marL="742950" lvl="1" indent="-285750">
+              <a:buFont typeface="Wingdings" panose="05000000000000000000" pitchFamily="2" charset="2"/>
+              <a:buChar char="Ø"/>
+            </a:pPr>
+            <a:r>
+              <a:rPr lang="en-US" sz="1400" dirty="0"/>
+              <a:t>Hay que </a:t>
+            </a:r>
+            <a:r>
+              <a:rPr lang="en-US" sz="1400" dirty="0" err="1"/>
+              <a:t>elegir</a:t>
+            </a:r>
+            <a:r>
+              <a:rPr lang="en-US" sz="1400" dirty="0"/>
+              <a:t> el </a:t>
+            </a:r>
+            <a:r>
+              <a:rPr lang="en-US" sz="1400" dirty="0" err="1"/>
+              <a:t>método</a:t>
+            </a:r>
+            <a:r>
+              <a:rPr lang="en-US" sz="1400" dirty="0"/>
+              <a:t> de </a:t>
+            </a:r>
+            <a:r>
+              <a:rPr lang="en-US" sz="1400" dirty="0" err="1"/>
+              <a:t>interpolación</a:t>
+            </a:r>
+            <a:r>
+              <a:rPr lang="en-US" sz="1400" dirty="0"/>
+              <a:t> </a:t>
+            </a:r>
+            <a:r>
+              <a:rPr lang="en-US" sz="1400" dirty="0" err="1"/>
+              <a:t>más</a:t>
+            </a:r>
+            <a:r>
+              <a:rPr lang="en-US" sz="1400" dirty="0"/>
+              <a:t> </a:t>
+            </a:r>
+            <a:r>
+              <a:rPr lang="en-US" sz="1400" dirty="0" err="1"/>
+              <a:t>relevante</a:t>
+            </a:r>
+            <a:r>
+              <a:rPr lang="en-US" sz="1400" dirty="0"/>
+              <a:t>.</a:t>
+            </a:r>
+          </a:p>
+          <a:p>
+            <a:pPr marL="742950" lvl="1" indent="-285750">
+              <a:buFont typeface="Wingdings" panose="05000000000000000000" pitchFamily="2" charset="2"/>
+              <a:buChar char="Ø"/>
+            </a:pPr>
+            <a:r>
+              <a:rPr lang="en-US" sz="1400" dirty="0"/>
+              <a:t>Nos </a:t>
+            </a:r>
+            <a:r>
+              <a:rPr lang="en-US" sz="1400" dirty="0" err="1"/>
+              <a:t>podemos</a:t>
+            </a:r>
+            <a:r>
+              <a:rPr lang="en-US" sz="1400" dirty="0"/>
+              <a:t> </a:t>
+            </a:r>
+            <a:r>
+              <a:rPr lang="en-US" sz="1400" dirty="0" err="1"/>
+              <a:t>apoyar</a:t>
+            </a:r>
+            <a:r>
+              <a:rPr lang="en-US" sz="1400" dirty="0"/>
+              <a:t> </a:t>
+            </a:r>
+            <a:r>
+              <a:rPr lang="en-US" sz="1400" dirty="0" err="1"/>
+              <a:t>en</a:t>
+            </a:r>
+            <a:r>
+              <a:rPr lang="en-US" sz="1400" dirty="0"/>
+              <a:t> </a:t>
+            </a:r>
+            <a:r>
+              <a:rPr lang="en-US" sz="1400" dirty="0" err="1"/>
+              <a:t>posibles</a:t>
+            </a:r>
+            <a:r>
+              <a:rPr lang="en-US" sz="1400" dirty="0"/>
+              <a:t> </a:t>
+            </a:r>
+            <a:r>
+              <a:rPr lang="en-US" sz="1400" dirty="0" err="1"/>
+              <a:t>regresores</a:t>
+            </a:r>
+            <a:endParaRPr lang="en-US" sz="1400" dirty="0"/>
+          </a:p>
+          <a:p>
+            <a:pPr lvl="1"/>
+            <a:endParaRPr lang="en-US" sz="1400" dirty="0"/>
           </a:p>
         </p:txBody>
       </p:sp>
     </p:spTree>
     <p:extLst>
       <p:ext uri="{BB962C8B-B14F-4D97-AF65-F5344CB8AC3E}">
-        <p14:creationId xmlns:p14="http://schemas.microsoft.com/office/powerpoint/2010/main" val="2703144559"/>
+        <p14:creationId xmlns:p14="http://schemas.microsoft.com/office/powerpoint/2010/main" val="1622237390"/>
+      </p:ext>
+    </p:extLst>
+  </p:cSld>
+  <p:clrMapOvr>
+    <a:masterClrMapping/>
+  </p:clrMapOvr>
+</p:sld>
+</file>
+
+<file path=ppt/slides/slide7.xml><?xml version="1.0" encoding="utf-8"?>
+<p:sld xmlns:a="http://schemas.openxmlformats.org/drawingml/2006/main" xmlns:r="http://schemas.openxmlformats.org/officeDocument/2006/relationships" xmlns:p="http://schemas.openxmlformats.org/presentationml/2006/main">
+  <p:cSld>
+    <p:spTree>
+      <p:nvGrpSpPr>
+        <p:cNvPr id="1" name=""/>
+        <p:cNvGrpSpPr/>
+        <p:nvPr/>
+      </p:nvGrpSpPr>
+      <p:grpSpPr>
+        <a:xfrm>
+          <a:off x="0" y="0"/>
+          <a:ext cx="0" cy="0"/>
+          <a:chOff x="0" y="0"/>
+          <a:chExt cx="0" cy="0"/>
+        </a:xfrm>
+      </p:grpSpPr>
+      <p:sp>
+        <p:nvSpPr>
+          <p:cNvPr id="22" name="CuadroTexto 21">
+            <a:extLst>
+              <a:ext uri="{FF2B5EF4-FFF2-40B4-BE49-F238E27FC236}">
+                <a16:creationId xmlns:a16="http://schemas.microsoft.com/office/drawing/2014/main" id="{5C80F593-DD2F-4F38-8160-0B4B1E5E79C5}"/>
+              </a:ext>
+            </a:extLst>
+          </p:cNvPr>
+          <p:cNvSpPr txBox="1"/>
+          <p:nvPr/>
+        </p:nvSpPr>
+        <p:spPr>
+          <a:xfrm>
+            <a:off x="7675981" y="186661"/>
+            <a:ext cx="4516019" cy="1077218"/>
+          </a:xfrm>
+          <a:prstGeom prst="rect">
+            <a:avLst/>
+          </a:prstGeom>
+          <a:noFill/>
+        </p:spPr>
+        <p:txBody>
+          <a:bodyPr wrap="square" rtlCol="0">
+            <a:spAutoFit/>
+          </a:bodyPr>
+          <a:lstStyle/>
+          <a:p>
+            <a:pPr algn="ctr"/>
+            <a:r>
+              <a:rPr lang="es-ES" sz="3200" dirty="0"/>
+              <a:t>Revisión del Caso Práctico</a:t>
+            </a:r>
+            <a:endParaRPr lang="en-US" sz="2800" dirty="0"/>
+          </a:p>
+        </p:txBody>
+      </p:sp>
+      <p:sp>
+        <p:nvSpPr>
+          <p:cNvPr id="43" name="CuadroTexto 42">
+            <a:extLst>
+              <a:ext uri="{FF2B5EF4-FFF2-40B4-BE49-F238E27FC236}">
+                <a16:creationId xmlns:a16="http://schemas.microsoft.com/office/drawing/2014/main" id="{47A5A277-2DCF-4F78-A2A7-6F76ED500228}"/>
+              </a:ext>
+            </a:extLst>
+          </p:cNvPr>
+          <p:cNvSpPr txBox="1"/>
+          <p:nvPr/>
+        </p:nvSpPr>
+        <p:spPr>
+          <a:xfrm>
+            <a:off x="0" y="1360657"/>
+            <a:ext cx="3959603" cy="400110"/>
+          </a:xfrm>
+          <a:prstGeom prst="rect">
+            <a:avLst/>
+          </a:prstGeom>
+          <a:noFill/>
+        </p:spPr>
+        <p:txBody>
+          <a:bodyPr wrap="square" rtlCol="0">
+            <a:spAutoFit/>
+          </a:bodyPr>
+          <a:lstStyle/>
+          <a:p>
+            <a:pPr algn="ctr"/>
+            <a:r>
+              <a:rPr lang="es-ES" sz="2000" i="1" dirty="0"/>
+              <a:t>Arreglos de la serie Temporal</a:t>
+            </a:r>
+            <a:endParaRPr lang="en-US" i="1" dirty="0"/>
+          </a:p>
+        </p:txBody>
+      </p:sp>
+      <p:sp>
+        <p:nvSpPr>
+          <p:cNvPr id="9" name="AutoShape 6" descr="statsmodels">
+            <a:extLst>
+              <a:ext uri="{FF2B5EF4-FFF2-40B4-BE49-F238E27FC236}">
+                <a16:creationId xmlns:a16="http://schemas.microsoft.com/office/drawing/2014/main" id="{CABC1135-890E-4BE3-9332-D0D6EF3DCCCC}"/>
+              </a:ext>
+            </a:extLst>
+          </p:cNvPr>
+          <p:cNvSpPr>
+            <a:spLocks noChangeAspect="1" noChangeArrowheads="1"/>
+          </p:cNvSpPr>
+          <p:nvPr/>
+        </p:nvSpPr>
+        <p:spPr bwMode="auto">
+          <a:xfrm>
+            <a:off x="11524641" y="5400258"/>
+            <a:ext cx="304800" cy="304800"/>
+          </a:xfrm>
+          <a:prstGeom prst="rect">
+            <a:avLst/>
+          </a:prstGeom>
+          <a:noFill/>
+          <a:extLst>
+            <a:ext uri="{909E8E84-426E-40DD-AFC4-6F175D3DCCD1}">
+              <a14:hiddenFill xmlns:a14="http://schemas.microsoft.com/office/drawing/2010/main">
+                <a:solidFill>
+                  <a:srgbClr val="FFFFFF"/>
+                </a:solidFill>
+              </a14:hiddenFill>
+            </a:ext>
+          </a:extLst>
+        </p:spPr>
+        <p:txBody>
+          <a:bodyPr vert="horz" wrap="square" lIns="91440" tIns="45720" rIns="91440" bIns="45720" numCol="1" anchor="t" anchorCtr="0" compatLnSpc="1">
+            <a:prstTxWarp prst="textNoShape">
+              <a:avLst/>
+            </a:prstTxWarp>
+          </a:bodyPr>
+          <a:lstStyle/>
+          <a:p>
+            <a:endParaRPr lang="en-US" dirty="0"/>
+          </a:p>
+        </p:txBody>
+      </p:sp>
+      <p:sp>
+        <p:nvSpPr>
+          <p:cNvPr id="2" name="Rectángulo: esquinas redondeadas 1">
+            <a:extLst>
+              <a:ext uri="{FF2B5EF4-FFF2-40B4-BE49-F238E27FC236}">
+                <a16:creationId xmlns:a16="http://schemas.microsoft.com/office/drawing/2014/main" id="{FA8FC288-FE67-4B2B-9E5D-3CAD2E98AEB1}"/>
+              </a:ext>
+            </a:extLst>
+          </p:cNvPr>
+          <p:cNvSpPr/>
+          <p:nvPr/>
+        </p:nvSpPr>
+        <p:spPr>
+          <a:xfrm>
+            <a:off x="362558" y="2029947"/>
+            <a:ext cx="3053593" cy="973123"/>
+          </a:xfrm>
+          <a:prstGeom prst="roundRect">
+            <a:avLst/>
+          </a:prstGeom>
+          <a:ln>
+            <a:noFill/>
+          </a:ln>
+        </p:spPr>
+        <p:style>
+          <a:lnRef idx="2">
+            <a:schemeClr val="accent1">
+              <a:shade val="50000"/>
+            </a:schemeClr>
+          </a:lnRef>
+          <a:fillRef idx="1">
+            <a:schemeClr val="accent1"/>
+          </a:fillRef>
+          <a:effectRef idx="0">
+            <a:schemeClr val="accent1"/>
+          </a:effectRef>
+          <a:fontRef idx="minor">
+            <a:schemeClr val="lt1"/>
+          </a:fontRef>
+        </p:style>
+        <p:txBody>
+          <a:bodyPr rtlCol="0" anchor="ctr"/>
+          <a:lstStyle/>
+          <a:p>
+            <a:pPr algn="ctr"/>
+            <a:r>
+              <a:rPr lang="es-ES" dirty="0"/>
+              <a:t>Datos Faltantes</a:t>
+            </a:r>
+            <a:endParaRPr lang="en-US" dirty="0"/>
+          </a:p>
+        </p:txBody>
+      </p:sp>
+      <p:sp>
+        <p:nvSpPr>
+          <p:cNvPr id="7" name="Rectángulo: esquinas redondeadas 6">
+            <a:extLst>
+              <a:ext uri="{FF2B5EF4-FFF2-40B4-BE49-F238E27FC236}">
+                <a16:creationId xmlns:a16="http://schemas.microsoft.com/office/drawing/2014/main" id="{A07B9AEE-FD20-410D-9CEC-D84D03649067}"/>
+              </a:ext>
+            </a:extLst>
+          </p:cNvPr>
+          <p:cNvSpPr/>
+          <p:nvPr/>
+        </p:nvSpPr>
+        <p:spPr>
+          <a:xfrm>
+            <a:off x="4261607" y="2029946"/>
+            <a:ext cx="3053593" cy="973123"/>
+          </a:xfrm>
+          <a:prstGeom prst="roundRect">
+            <a:avLst/>
+          </a:prstGeom>
+          <a:solidFill>
+            <a:srgbClr val="A80000"/>
+          </a:solidFill>
+          <a:ln>
+            <a:noFill/>
+          </a:ln>
+        </p:spPr>
+        <p:style>
+          <a:lnRef idx="2">
+            <a:schemeClr val="accent1">
+              <a:shade val="50000"/>
+            </a:schemeClr>
+          </a:lnRef>
+          <a:fillRef idx="1">
+            <a:schemeClr val="accent1"/>
+          </a:fillRef>
+          <a:effectRef idx="0">
+            <a:schemeClr val="accent1"/>
+          </a:effectRef>
+          <a:fontRef idx="minor">
+            <a:schemeClr val="lt1"/>
+          </a:fontRef>
+        </p:style>
+        <p:txBody>
+          <a:bodyPr rtlCol="0" anchor="ctr"/>
+          <a:lstStyle/>
+          <a:p>
+            <a:pPr algn="ctr"/>
+            <a:r>
+              <a:rPr lang="es-ES" dirty="0"/>
+              <a:t>Ceros</a:t>
+            </a:r>
+            <a:endParaRPr lang="en-US" dirty="0"/>
+          </a:p>
+        </p:txBody>
+      </p:sp>
+      <p:sp>
+        <p:nvSpPr>
+          <p:cNvPr id="8" name="Rectángulo: esquinas redondeadas 7">
+            <a:extLst>
+              <a:ext uri="{FF2B5EF4-FFF2-40B4-BE49-F238E27FC236}">
+                <a16:creationId xmlns:a16="http://schemas.microsoft.com/office/drawing/2014/main" id="{B4F9CA9D-361E-41BB-B9B4-22CBE5B11B82}"/>
+              </a:ext>
+            </a:extLst>
+          </p:cNvPr>
+          <p:cNvSpPr/>
+          <p:nvPr/>
+        </p:nvSpPr>
+        <p:spPr>
+          <a:xfrm>
+            <a:off x="8775848" y="2029945"/>
+            <a:ext cx="3053593" cy="973123"/>
+          </a:xfrm>
+          <a:prstGeom prst="roundRect">
+            <a:avLst/>
+          </a:prstGeom>
+          <a:ln>
+            <a:noFill/>
+          </a:ln>
+        </p:spPr>
+        <p:style>
+          <a:lnRef idx="2">
+            <a:schemeClr val="accent1">
+              <a:shade val="50000"/>
+            </a:schemeClr>
+          </a:lnRef>
+          <a:fillRef idx="1">
+            <a:schemeClr val="accent1"/>
+          </a:fillRef>
+          <a:effectRef idx="0">
+            <a:schemeClr val="accent1"/>
+          </a:effectRef>
+          <a:fontRef idx="minor">
+            <a:schemeClr val="lt1"/>
+          </a:fontRef>
+        </p:style>
+        <p:txBody>
+          <a:bodyPr rtlCol="0" anchor="ctr"/>
+          <a:lstStyle/>
+          <a:p>
+            <a:pPr algn="ctr"/>
+            <a:r>
+              <a:rPr lang="es-ES" dirty="0"/>
+              <a:t>Varianza</a:t>
+            </a:r>
+            <a:endParaRPr lang="en-US" dirty="0"/>
+          </a:p>
+        </p:txBody>
+      </p:sp>
+      <p:sp>
+        <p:nvSpPr>
+          <p:cNvPr id="10" name="Rectángulo: esquinas redondeadas 9">
+            <a:extLst>
+              <a:ext uri="{FF2B5EF4-FFF2-40B4-BE49-F238E27FC236}">
+                <a16:creationId xmlns:a16="http://schemas.microsoft.com/office/drawing/2014/main" id="{BB78D5E2-5B6F-4A2A-8279-4B8B3F0F8C5A}"/>
+              </a:ext>
+            </a:extLst>
+          </p:cNvPr>
+          <p:cNvSpPr/>
+          <p:nvPr/>
+        </p:nvSpPr>
+        <p:spPr>
+          <a:xfrm>
+            <a:off x="8775848" y="5218494"/>
+            <a:ext cx="3053593" cy="973123"/>
+          </a:xfrm>
+          <a:prstGeom prst="roundRect">
+            <a:avLst/>
+          </a:prstGeom>
+          <a:ln>
+            <a:noFill/>
+          </a:ln>
+        </p:spPr>
+        <p:style>
+          <a:lnRef idx="2">
+            <a:schemeClr val="accent1">
+              <a:shade val="50000"/>
+            </a:schemeClr>
+          </a:lnRef>
+          <a:fillRef idx="1">
+            <a:schemeClr val="accent1"/>
+          </a:fillRef>
+          <a:effectRef idx="0">
+            <a:schemeClr val="accent1"/>
+          </a:effectRef>
+          <a:fontRef idx="minor">
+            <a:schemeClr val="lt1"/>
+          </a:fontRef>
+        </p:style>
+        <p:txBody>
+          <a:bodyPr rtlCol="0" anchor="ctr"/>
+          <a:lstStyle/>
+          <a:p>
+            <a:pPr algn="ctr"/>
+            <a:r>
+              <a:rPr lang="es-ES" dirty="0" err="1"/>
+              <a:t>Lag</a:t>
+            </a:r>
+            <a:endParaRPr lang="en-US" dirty="0"/>
+          </a:p>
+        </p:txBody>
+      </p:sp>
+      <p:sp>
+        <p:nvSpPr>
+          <p:cNvPr id="11" name="Rectángulo: esquinas redondeadas 10">
+            <a:extLst>
+              <a:ext uri="{FF2B5EF4-FFF2-40B4-BE49-F238E27FC236}">
+                <a16:creationId xmlns:a16="http://schemas.microsoft.com/office/drawing/2014/main" id="{5CC3FA6C-C46E-40A1-B651-0047C24332B8}"/>
+              </a:ext>
+            </a:extLst>
+          </p:cNvPr>
+          <p:cNvSpPr/>
+          <p:nvPr/>
+        </p:nvSpPr>
+        <p:spPr>
+          <a:xfrm>
+            <a:off x="4261607" y="5218495"/>
+            <a:ext cx="3053593" cy="973123"/>
+          </a:xfrm>
+          <a:prstGeom prst="roundRect">
+            <a:avLst/>
+          </a:prstGeom>
+          <a:ln>
+            <a:noFill/>
+          </a:ln>
+        </p:spPr>
+        <p:style>
+          <a:lnRef idx="2">
+            <a:schemeClr val="accent1">
+              <a:shade val="50000"/>
+            </a:schemeClr>
+          </a:lnRef>
+          <a:fillRef idx="1">
+            <a:schemeClr val="accent1"/>
+          </a:fillRef>
+          <a:effectRef idx="0">
+            <a:schemeClr val="accent1"/>
+          </a:effectRef>
+          <a:fontRef idx="minor">
+            <a:schemeClr val="lt1"/>
+          </a:fontRef>
+        </p:style>
+        <p:txBody>
+          <a:bodyPr rtlCol="0" anchor="ctr"/>
+          <a:lstStyle/>
+          <a:p>
+            <a:pPr algn="ctr"/>
+            <a:r>
+              <a:rPr lang="es-ES" dirty="0"/>
+              <a:t>Media móvil</a:t>
+            </a:r>
+            <a:endParaRPr lang="en-US" dirty="0"/>
+          </a:p>
+        </p:txBody>
+      </p:sp>
+      <p:sp>
+        <p:nvSpPr>
+          <p:cNvPr id="12" name="Rectángulo: esquinas redondeadas 11">
+            <a:extLst>
+              <a:ext uri="{FF2B5EF4-FFF2-40B4-BE49-F238E27FC236}">
+                <a16:creationId xmlns:a16="http://schemas.microsoft.com/office/drawing/2014/main" id="{5ED25998-F487-4A84-BB7E-D02D590572EB}"/>
+              </a:ext>
+            </a:extLst>
+          </p:cNvPr>
+          <p:cNvSpPr/>
+          <p:nvPr/>
+        </p:nvSpPr>
+        <p:spPr>
+          <a:xfrm>
+            <a:off x="362559" y="5218496"/>
+            <a:ext cx="3053593" cy="973123"/>
+          </a:xfrm>
+          <a:prstGeom prst="roundRect">
+            <a:avLst/>
+          </a:prstGeom>
+          <a:ln>
+            <a:noFill/>
+          </a:ln>
+        </p:spPr>
+        <p:style>
+          <a:lnRef idx="2">
+            <a:schemeClr val="accent1">
+              <a:shade val="50000"/>
+            </a:schemeClr>
+          </a:lnRef>
+          <a:fillRef idx="1">
+            <a:schemeClr val="accent1"/>
+          </a:fillRef>
+          <a:effectRef idx="0">
+            <a:schemeClr val="accent1"/>
+          </a:effectRef>
+          <a:fontRef idx="minor">
+            <a:schemeClr val="lt1"/>
+          </a:fontRef>
+        </p:style>
+        <p:txBody>
+          <a:bodyPr rtlCol="0" anchor="ctr"/>
+          <a:lstStyle/>
+          <a:p>
+            <a:pPr algn="ctr"/>
+            <a:r>
+              <a:rPr lang="es-ES" dirty="0"/>
+              <a:t>Tendencia</a:t>
+            </a:r>
+            <a:endParaRPr lang="en-US" dirty="0"/>
+          </a:p>
+        </p:txBody>
+      </p:sp>
+      <p:sp>
+        <p:nvSpPr>
+          <p:cNvPr id="3" name="Rectángulo: esquinas redondeadas 2">
+            <a:extLst>
+              <a:ext uri="{FF2B5EF4-FFF2-40B4-BE49-F238E27FC236}">
+                <a16:creationId xmlns:a16="http://schemas.microsoft.com/office/drawing/2014/main" id="{0F213969-98AB-4DB8-B426-6CDD28B2585D}"/>
+              </a:ext>
+            </a:extLst>
+          </p:cNvPr>
+          <p:cNvSpPr/>
+          <p:nvPr/>
+        </p:nvSpPr>
+        <p:spPr>
+          <a:xfrm>
+            <a:off x="362559" y="3632433"/>
+            <a:ext cx="3053593" cy="973123"/>
+          </a:xfrm>
+          <a:prstGeom prst="roundRect">
+            <a:avLst/>
+          </a:prstGeom>
+          <a:solidFill>
+            <a:schemeClr val="bg1"/>
+          </a:solidFill>
+          <a:ln>
+            <a:solidFill>
+              <a:srgbClr val="A80000"/>
+            </a:solidFill>
+          </a:ln>
+        </p:spPr>
+        <p:style>
+          <a:lnRef idx="2">
+            <a:schemeClr val="accent1">
+              <a:shade val="50000"/>
+            </a:schemeClr>
+          </a:lnRef>
+          <a:fillRef idx="1">
+            <a:schemeClr val="accent1"/>
+          </a:fillRef>
+          <a:effectRef idx="0">
+            <a:schemeClr val="accent1"/>
+          </a:effectRef>
+          <a:fontRef idx="minor">
+            <a:schemeClr val="lt1"/>
+          </a:fontRef>
+        </p:style>
+        <p:txBody>
+          <a:bodyPr rtlCol="0" anchor="ctr"/>
+          <a:lstStyle/>
+          <a:p>
+            <a:pPr algn="ctr"/>
+            <a:r>
+              <a:rPr lang="es-ES" dirty="0">
+                <a:solidFill>
+                  <a:srgbClr val="A80000"/>
+                </a:solidFill>
+              </a:rPr>
+              <a:t>Lidiar con datos en Cero</a:t>
+            </a:r>
+            <a:endParaRPr lang="en-US" dirty="0">
+              <a:solidFill>
+                <a:srgbClr val="A80000"/>
+              </a:solidFill>
+            </a:endParaRPr>
+          </a:p>
+        </p:txBody>
+      </p:sp>
+      <p:sp>
+        <p:nvSpPr>
+          <p:cNvPr id="4" name="Rectángulo: esquinas redondeadas 3">
+            <a:extLst>
+              <a:ext uri="{FF2B5EF4-FFF2-40B4-BE49-F238E27FC236}">
+                <a16:creationId xmlns:a16="http://schemas.microsoft.com/office/drawing/2014/main" id="{59D459A3-6CF5-42AD-839F-317EA8E1BA8B}"/>
+              </a:ext>
+            </a:extLst>
+          </p:cNvPr>
+          <p:cNvSpPr/>
+          <p:nvPr/>
+        </p:nvSpPr>
+        <p:spPr>
+          <a:xfrm>
+            <a:off x="3833769" y="3129094"/>
+            <a:ext cx="7690872" cy="1968140"/>
+          </a:xfrm>
+          <a:prstGeom prst="roundRect">
+            <a:avLst/>
+          </a:prstGeom>
+          <a:solidFill>
+            <a:schemeClr val="bg1"/>
+          </a:solidFill>
+          <a:ln>
+            <a:solidFill>
+              <a:srgbClr val="A80000"/>
+            </a:solidFill>
+          </a:ln>
+        </p:spPr>
+        <p:style>
+          <a:lnRef idx="2">
+            <a:schemeClr val="accent1">
+              <a:shade val="50000"/>
+            </a:schemeClr>
+          </a:lnRef>
+          <a:fillRef idx="1">
+            <a:schemeClr val="accent1"/>
+          </a:fillRef>
+          <a:effectRef idx="0">
+            <a:schemeClr val="accent1"/>
+          </a:effectRef>
+          <a:fontRef idx="minor">
+            <a:schemeClr val="lt1"/>
+          </a:fontRef>
+        </p:style>
+        <p:txBody>
+          <a:bodyPr rtlCol="0" anchor="ctr"/>
+          <a:lstStyle/>
+          <a:p>
+            <a:pPr algn="ctr"/>
+            <a:endParaRPr lang="en-US"/>
+          </a:p>
+        </p:txBody>
+      </p:sp>
+      <p:sp>
+        <p:nvSpPr>
+          <p:cNvPr id="6" name="Flecha: a la derecha 5">
+            <a:extLst>
+              <a:ext uri="{FF2B5EF4-FFF2-40B4-BE49-F238E27FC236}">
+                <a16:creationId xmlns:a16="http://schemas.microsoft.com/office/drawing/2014/main" id="{078FD83B-A895-42D7-A8E7-D2C2D228DD86}"/>
+              </a:ext>
+            </a:extLst>
+          </p:cNvPr>
+          <p:cNvSpPr/>
+          <p:nvPr/>
+        </p:nvSpPr>
+        <p:spPr>
+          <a:xfrm>
+            <a:off x="3416151" y="3968170"/>
+            <a:ext cx="417618" cy="268448"/>
+          </a:xfrm>
+          <a:prstGeom prst="rightArrow">
+            <a:avLst/>
+          </a:prstGeom>
+          <a:solidFill>
+            <a:srgbClr val="A80000"/>
+          </a:solidFill>
+          <a:ln>
+            <a:solidFill>
+              <a:srgbClr val="A80000"/>
+            </a:solidFill>
+          </a:ln>
+        </p:spPr>
+        <p:style>
+          <a:lnRef idx="2">
+            <a:schemeClr val="accent1">
+              <a:shade val="50000"/>
+            </a:schemeClr>
+          </a:lnRef>
+          <a:fillRef idx="1">
+            <a:schemeClr val="accent1"/>
+          </a:fillRef>
+          <a:effectRef idx="0">
+            <a:schemeClr val="accent1"/>
+          </a:effectRef>
+          <a:fontRef idx="minor">
+            <a:schemeClr val="lt1"/>
+          </a:fontRef>
+        </p:style>
+        <p:txBody>
+          <a:bodyPr rtlCol="0" anchor="ctr"/>
+          <a:lstStyle/>
+          <a:p>
+            <a:pPr algn="ctr"/>
+            <a:endParaRPr lang="en-US"/>
+          </a:p>
+        </p:txBody>
+      </p:sp>
+      <p:pic>
+        <p:nvPicPr>
+          <p:cNvPr id="5" name="Imagen 4">
+            <a:extLst>
+              <a:ext uri="{FF2B5EF4-FFF2-40B4-BE49-F238E27FC236}">
+                <a16:creationId xmlns:a16="http://schemas.microsoft.com/office/drawing/2014/main" id="{9A428106-83B8-4C2E-A1CF-DFA8B2532873}"/>
+              </a:ext>
+            </a:extLst>
+          </p:cNvPr>
+          <p:cNvPicPr>
+            <a:picLocks noChangeAspect="1"/>
+          </p:cNvPicPr>
+          <p:nvPr/>
+        </p:nvPicPr>
+        <p:blipFill>
+          <a:blip r:embed="rId2"/>
+          <a:stretch>
+            <a:fillRect/>
+          </a:stretch>
+        </p:blipFill>
+        <p:spPr>
+          <a:xfrm>
+            <a:off x="4136972" y="3128574"/>
+            <a:ext cx="4572396" cy="1969179"/>
+          </a:xfrm>
+          <a:prstGeom prst="rect">
+            <a:avLst/>
+          </a:prstGeom>
+        </p:spPr>
+      </p:pic>
+      <p:sp>
+        <p:nvSpPr>
+          <p:cNvPr id="21" name="CuadroTexto 20">
+            <a:extLst>
+              <a:ext uri="{FF2B5EF4-FFF2-40B4-BE49-F238E27FC236}">
+                <a16:creationId xmlns:a16="http://schemas.microsoft.com/office/drawing/2014/main" id="{50ACDCDF-B959-400A-A8D4-9C6D9C5DDA9C}"/>
+              </a:ext>
+            </a:extLst>
+          </p:cNvPr>
+          <p:cNvSpPr txBox="1"/>
+          <p:nvPr/>
+        </p:nvSpPr>
+        <p:spPr>
+          <a:xfrm>
+            <a:off x="8144142" y="3126539"/>
+            <a:ext cx="3277771" cy="2031325"/>
+          </a:xfrm>
+          <a:prstGeom prst="rect">
+            <a:avLst/>
+          </a:prstGeom>
+          <a:noFill/>
+        </p:spPr>
+        <p:txBody>
+          <a:bodyPr wrap="square" rtlCol="0">
+            <a:spAutoFit/>
+          </a:bodyPr>
+          <a:lstStyle/>
+          <a:p>
+            <a:pPr marL="742950" lvl="1" indent="-285750">
+              <a:buFont typeface="Wingdings" panose="05000000000000000000" pitchFamily="2" charset="2"/>
+              <a:buChar char="Ø"/>
+            </a:pPr>
+            <a:r>
+              <a:rPr lang="es-ES" sz="1400" dirty="0"/>
+              <a:t>Los datos en cero nos pueden poner problemas si queremos realizar transformaciones a Logaritmos luego.</a:t>
+            </a:r>
+          </a:p>
+          <a:p>
+            <a:pPr marL="742950" lvl="1" indent="-285750">
+              <a:buFont typeface="Wingdings" panose="05000000000000000000" pitchFamily="2" charset="2"/>
+              <a:buChar char="Ø"/>
+            </a:pPr>
+            <a:r>
+              <a:rPr lang="es-ES" sz="1400" dirty="0"/>
+              <a:t>Hay que ver por qué están ahí y si se corresponden a datos faltantes o efectivamente es un cero.</a:t>
+            </a:r>
+          </a:p>
+        </p:txBody>
+      </p:sp>
+    </p:spTree>
+    <p:extLst>
+      <p:ext uri="{BB962C8B-B14F-4D97-AF65-F5344CB8AC3E}">
+        <p14:creationId xmlns:p14="http://schemas.microsoft.com/office/powerpoint/2010/main" val="401655688"/>
+      </p:ext>
+    </p:extLst>
+  </p:cSld>
+  <p:clrMapOvr>
+    <a:masterClrMapping/>
+  </p:clrMapOvr>
+</p:sld>
+</file>
+
+<file path=ppt/slides/slide8.xml><?xml version="1.0" encoding="utf-8"?>
+<p:sld xmlns:a="http://schemas.openxmlformats.org/drawingml/2006/main" xmlns:r="http://schemas.openxmlformats.org/officeDocument/2006/relationships" xmlns:p="http://schemas.openxmlformats.org/presentationml/2006/main">
+  <p:cSld>
+    <p:spTree>
+      <p:nvGrpSpPr>
+        <p:cNvPr id="1" name=""/>
+        <p:cNvGrpSpPr/>
+        <p:nvPr/>
+      </p:nvGrpSpPr>
+      <p:grpSpPr>
+        <a:xfrm>
+          <a:off x="0" y="0"/>
+          <a:ext cx="0" cy="0"/>
+          <a:chOff x="0" y="0"/>
+          <a:chExt cx="0" cy="0"/>
+        </a:xfrm>
+      </p:grpSpPr>
+      <p:sp>
+        <p:nvSpPr>
+          <p:cNvPr id="22" name="CuadroTexto 21">
+            <a:extLst>
+              <a:ext uri="{FF2B5EF4-FFF2-40B4-BE49-F238E27FC236}">
+                <a16:creationId xmlns:a16="http://schemas.microsoft.com/office/drawing/2014/main" id="{5C80F593-DD2F-4F38-8160-0B4B1E5E79C5}"/>
+              </a:ext>
+            </a:extLst>
+          </p:cNvPr>
+          <p:cNvSpPr txBox="1"/>
+          <p:nvPr/>
+        </p:nvSpPr>
+        <p:spPr>
+          <a:xfrm>
+            <a:off x="7675981" y="186661"/>
+            <a:ext cx="4516019" cy="1077218"/>
+          </a:xfrm>
+          <a:prstGeom prst="rect">
+            <a:avLst/>
+          </a:prstGeom>
+          <a:noFill/>
+        </p:spPr>
+        <p:txBody>
+          <a:bodyPr wrap="square" rtlCol="0">
+            <a:spAutoFit/>
+          </a:bodyPr>
+          <a:lstStyle/>
+          <a:p>
+            <a:pPr algn="ctr"/>
+            <a:r>
+              <a:rPr lang="es-ES" sz="3200" dirty="0"/>
+              <a:t>Revisión del Caso Práctico</a:t>
+            </a:r>
+            <a:endParaRPr lang="en-US" sz="2800" dirty="0"/>
+          </a:p>
+        </p:txBody>
+      </p:sp>
+      <p:sp>
+        <p:nvSpPr>
+          <p:cNvPr id="43" name="CuadroTexto 42">
+            <a:extLst>
+              <a:ext uri="{FF2B5EF4-FFF2-40B4-BE49-F238E27FC236}">
+                <a16:creationId xmlns:a16="http://schemas.microsoft.com/office/drawing/2014/main" id="{47A5A277-2DCF-4F78-A2A7-6F76ED500228}"/>
+              </a:ext>
+            </a:extLst>
+          </p:cNvPr>
+          <p:cNvSpPr txBox="1"/>
+          <p:nvPr/>
+        </p:nvSpPr>
+        <p:spPr>
+          <a:xfrm>
+            <a:off x="0" y="1360657"/>
+            <a:ext cx="3959603" cy="400110"/>
+          </a:xfrm>
+          <a:prstGeom prst="rect">
+            <a:avLst/>
+          </a:prstGeom>
+          <a:noFill/>
+        </p:spPr>
+        <p:txBody>
+          <a:bodyPr wrap="square" rtlCol="0">
+            <a:spAutoFit/>
+          </a:bodyPr>
+          <a:lstStyle/>
+          <a:p>
+            <a:pPr algn="ctr"/>
+            <a:r>
+              <a:rPr lang="es-ES" sz="2000" i="1" dirty="0"/>
+              <a:t>Arreglos de la serie Temporal</a:t>
+            </a:r>
+            <a:endParaRPr lang="en-US" i="1" dirty="0"/>
+          </a:p>
+        </p:txBody>
+      </p:sp>
+      <p:sp>
+        <p:nvSpPr>
+          <p:cNvPr id="9" name="AutoShape 6" descr="statsmodels">
+            <a:extLst>
+              <a:ext uri="{FF2B5EF4-FFF2-40B4-BE49-F238E27FC236}">
+                <a16:creationId xmlns:a16="http://schemas.microsoft.com/office/drawing/2014/main" id="{CABC1135-890E-4BE3-9332-D0D6EF3DCCCC}"/>
+              </a:ext>
+            </a:extLst>
+          </p:cNvPr>
+          <p:cNvSpPr>
+            <a:spLocks noChangeAspect="1" noChangeArrowheads="1"/>
+          </p:cNvSpPr>
+          <p:nvPr/>
+        </p:nvSpPr>
+        <p:spPr bwMode="auto">
+          <a:xfrm>
+            <a:off x="11524641" y="5400258"/>
+            <a:ext cx="304800" cy="304800"/>
+          </a:xfrm>
+          <a:prstGeom prst="rect">
+            <a:avLst/>
+          </a:prstGeom>
+          <a:noFill/>
+          <a:extLst>
+            <a:ext uri="{909E8E84-426E-40DD-AFC4-6F175D3DCCD1}">
+              <a14:hiddenFill xmlns:a14="http://schemas.microsoft.com/office/drawing/2010/main">
+                <a:solidFill>
+                  <a:srgbClr val="FFFFFF"/>
+                </a:solidFill>
+              </a14:hiddenFill>
+            </a:ext>
+          </a:extLst>
+        </p:spPr>
+        <p:txBody>
+          <a:bodyPr vert="horz" wrap="square" lIns="91440" tIns="45720" rIns="91440" bIns="45720" numCol="1" anchor="t" anchorCtr="0" compatLnSpc="1">
+            <a:prstTxWarp prst="textNoShape">
+              <a:avLst/>
+            </a:prstTxWarp>
+          </a:bodyPr>
+          <a:lstStyle/>
+          <a:p>
+            <a:endParaRPr lang="en-US" dirty="0"/>
+          </a:p>
+        </p:txBody>
+      </p:sp>
+      <p:sp>
+        <p:nvSpPr>
+          <p:cNvPr id="2" name="Rectángulo: esquinas redondeadas 1">
+            <a:extLst>
+              <a:ext uri="{FF2B5EF4-FFF2-40B4-BE49-F238E27FC236}">
+                <a16:creationId xmlns:a16="http://schemas.microsoft.com/office/drawing/2014/main" id="{FA8FC288-FE67-4B2B-9E5D-3CAD2E98AEB1}"/>
+              </a:ext>
+            </a:extLst>
+          </p:cNvPr>
+          <p:cNvSpPr/>
+          <p:nvPr/>
+        </p:nvSpPr>
+        <p:spPr>
+          <a:xfrm>
+            <a:off x="362558" y="2029947"/>
+            <a:ext cx="3053593" cy="973123"/>
+          </a:xfrm>
+          <a:prstGeom prst="roundRect">
+            <a:avLst/>
+          </a:prstGeom>
+          <a:ln>
+            <a:noFill/>
+          </a:ln>
+        </p:spPr>
+        <p:style>
+          <a:lnRef idx="2">
+            <a:schemeClr val="accent1">
+              <a:shade val="50000"/>
+            </a:schemeClr>
+          </a:lnRef>
+          <a:fillRef idx="1">
+            <a:schemeClr val="accent1"/>
+          </a:fillRef>
+          <a:effectRef idx="0">
+            <a:schemeClr val="accent1"/>
+          </a:effectRef>
+          <a:fontRef idx="minor">
+            <a:schemeClr val="lt1"/>
+          </a:fontRef>
+        </p:style>
+        <p:txBody>
+          <a:bodyPr rtlCol="0" anchor="ctr"/>
+          <a:lstStyle/>
+          <a:p>
+            <a:pPr algn="ctr"/>
+            <a:r>
+              <a:rPr lang="es-ES" dirty="0"/>
+              <a:t>Datos Faltantes</a:t>
+            </a:r>
+            <a:endParaRPr lang="en-US" dirty="0"/>
+          </a:p>
+        </p:txBody>
+      </p:sp>
+      <p:sp>
+        <p:nvSpPr>
+          <p:cNvPr id="7" name="Rectángulo: esquinas redondeadas 6">
+            <a:extLst>
+              <a:ext uri="{FF2B5EF4-FFF2-40B4-BE49-F238E27FC236}">
+                <a16:creationId xmlns:a16="http://schemas.microsoft.com/office/drawing/2014/main" id="{A07B9AEE-FD20-410D-9CEC-D84D03649067}"/>
+              </a:ext>
+            </a:extLst>
+          </p:cNvPr>
+          <p:cNvSpPr/>
+          <p:nvPr/>
+        </p:nvSpPr>
+        <p:spPr>
+          <a:xfrm>
+            <a:off x="4261607" y="2029946"/>
+            <a:ext cx="3053593" cy="973123"/>
+          </a:xfrm>
+          <a:prstGeom prst="roundRect">
+            <a:avLst/>
+          </a:prstGeom>
+          <a:ln>
+            <a:noFill/>
+          </a:ln>
+        </p:spPr>
+        <p:style>
+          <a:lnRef idx="2">
+            <a:schemeClr val="accent1">
+              <a:shade val="50000"/>
+            </a:schemeClr>
+          </a:lnRef>
+          <a:fillRef idx="1">
+            <a:schemeClr val="accent1"/>
+          </a:fillRef>
+          <a:effectRef idx="0">
+            <a:schemeClr val="accent1"/>
+          </a:effectRef>
+          <a:fontRef idx="minor">
+            <a:schemeClr val="lt1"/>
+          </a:fontRef>
+        </p:style>
+        <p:txBody>
+          <a:bodyPr rtlCol="0" anchor="ctr"/>
+          <a:lstStyle/>
+          <a:p>
+            <a:pPr algn="ctr"/>
+            <a:r>
+              <a:rPr lang="es-ES" dirty="0"/>
+              <a:t>Ceros</a:t>
+            </a:r>
+            <a:endParaRPr lang="en-US" dirty="0"/>
+          </a:p>
+        </p:txBody>
+      </p:sp>
+      <p:sp>
+        <p:nvSpPr>
+          <p:cNvPr id="8" name="Rectángulo: esquinas redondeadas 7">
+            <a:extLst>
+              <a:ext uri="{FF2B5EF4-FFF2-40B4-BE49-F238E27FC236}">
+                <a16:creationId xmlns:a16="http://schemas.microsoft.com/office/drawing/2014/main" id="{B4F9CA9D-361E-41BB-B9B4-22CBE5B11B82}"/>
+              </a:ext>
+            </a:extLst>
+          </p:cNvPr>
+          <p:cNvSpPr/>
+          <p:nvPr/>
+        </p:nvSpPr>
+        <p:spPr>
+          <a:xfrm>
+            <a:off x="8775848" y="2029945"/>
+            <a:ext cx="3053593" cy="973123"/>
+          </a:xfrm>
+          <a:prstGeom prst="roundRect">
+            <a:avLst/>
+          </a:prstGeom>
+          <a:solidFill>
+            <a:srgbClr val="A80000"/>
+          </a:solidFill>
+          <a:ln>
+            <a:noFill/>
+          </a:ln>
+        </p:spPr>
+        <p:style>
+          <a:lnRef idx="2">
+            <a:schemeClr val="accent1">
+              <a:shade val="50000"/>
+            </a:schemeClr>
+          </a:lnRef>
+          <a:fillRef idx="1">
+            <a:schemeClr val="accent1"/>
+          </a:fillRef>
+          <a:effectRef idx="0">
+            <a:schemeClr val="accent1"/>
+          </a:effectRef>
+          <a:fontRef idx="minor">
+            <a:schemeClr val="lt1"/>
+          </a:fontRef>
+        </p:style>
+        <p:txBody>
+          <a:bodyPr rtlCol="0" anchor="ctr"/>
+          <a:lstStyle/>
+          <a:p>
+            <a:pPr algn="ctr"/>
+            <a:r>
+              <a:rPr lang="es-ES" dirty="0"/>
+              <a:t>Varianza</a:t>
+            </a:r>
+            <a:endParaRPr lang="en-US" dirty="0"/>
+          </a:p>
+        </p:txBody>
+      </p:sp>
+      <p:sp>
+        <p:nvSpPr>
+          <p:cNvPr id="10" name="Rectángulo: esquinas redondeadas 9">
+            <a:extLst>
+              <a:ext uri="{FF2B5EF4-FFF2-40B4-BE49-F238E27FC236}">
+                <a16:creationId xmlns:a16="http://schemas.microsoft.com/office/drawing/2014/main" id="{BB78D5E2-5B6F-4A2A-8279-4B8B3F0F8C5A}"/>
+              </a:ext>
+            </a:extLst>
+          </p:cNvPr>
+          <p:cNvSpPr/>
+          <p:nvPr/>
+        </p:nvSpPr>
+        <p:spPr>
+          <a:xfrm>
+            <a:off x="8775848" y="5218494"/>
+            <a:ext cx="3053593" cy="973123"/>
+          </a:xfrm>
+          <a:prstGeom prst="roundRect">
+            <a:avLst/>
+          </a:prstGeom>
+          <a:ln>
+            <a:noFill/>
+          </a:ln>
+        </p:spPr>
+        <p:style>
+          <a:lnRef idx="2">
+            <a:schemeClr val="accent1">
+              <a:shade val="50000"/>
+            </a:schemeClr>
+          </a:lnRef>
+          <a:fillRef idx="1">
+            <a:schemeClr val="accent1"/>
+          </a:fillRef>
+          <a:effectRef idx="0">
+            <a:schemeClr val="accent1"/>
+          </a:effectRef>
+          <a:fontRef idx="minor">
+            <a:schemeClr val="lt1"/>
+          </a:fontRef>
+        </p:style>
+        <p:txBody>
+          <a:bodyPr rtlCol="0" anchor="ctr"/>
+          <a:lstStyle/>
+          <a:p>
+            <a:pPr algn="ctr"/>
+            <a:r>
+              <a:rPr lang="es-ES" dirty="0" err="1"/>
+              <a:t>Lag</a:t>
+            </a:r>
+            <a:endParaRPr lang="en-US" dirty="0"/>
+          </a:p>
+        </p:txBody>
+      </p:sp>
+      <p:sp>
+        <p:nvSpPr>
+          <p:cNvPr id="11" name="Rectángulo: esquinas redondeadas 10">
+            <a:extLst>
+              <a:ext uri="{FF2B5EF4-FFF2-40B4-BE49-F238E27FC236}">
+                <a16:creationId xmlns:a16="http://schemas.microsoft.com/office/drawing/2014/main" id="{5CC3FA6C-C46E-40A1-B651-0047C24332B8}"/>
+              </a:ext>
+            </a:extLst>
+          </p:cNvPr>
+          <p:cNvSpPr/>
+          <p:nvPr/>
+        </p:nvSpPr>
+        <p:spPr>
+          <a:xfrm>
+            <a:off x="4261607" y="5218495"/>
+            <a:ext cx="3053593" cy="973123"/>
+          </a:xfrm>
+          <a:prstGeom prst="roundRect">
+            <a:avLst/>
+          </a:prstGeom>
+          <a:ln>
+            <a:noFill/>
+          </a:ln>
+        </p:spPr>
+        <p:style>
+          <a:lnRef idx="2">
+            <a:schemeClr val="accent1">
+              <a:shade val="50000"/>
+            </a:schemeClr>
+          </a:lnRef>
+          <a:fillRef idx="1">
+            <a:schemeClr val="accent1"/>
+          </a:fillRef>
+          <a:effectRef idx="0">
+            <a:schemeClr val="accent1"/>
+          </a:effectRef>
+          <a:fontRef idx="minor">
+            <a:schemeClr val="lt1"/>
+          </a:fontRef>
+        </p:style>
+        <p:txBody>
+          <a:bodyPr rtlCol="0" anchor="ctr"/>
+          <a:lstStyle/>
+          <a:p>
+            <a:pPr algn="ctr"/>
+            <a:r>
+              <a:rPr lang="es-ES" dirty="0"/>
+              <a:t>Media móvil</a:t>
+            </a:r>
+            <a:endParaRPr lang="en-US" dirty="0"/>
+          </a:p>
+        </p:txBody>
+      </p:sp>
+      <p:sp>
+        <p:nvSpPr>
+          <p:cNvPr id="12" name="Rectángulo: esquinas redondeadas 11">
+            <a:extLst>
+              <a:ext uri="{FF2B5EF4-FFF2-40B4-BE49-F238E27FC236}">
+                <a16:creationId xmlns:a16="http://schemas.microsoft.com/office/drawing/2014/main" id="{5ED25998-F487-4A84-BB7E-D02D590572EB}"/>
+              </a:ext>
+            </a:extLst>
+          </p:cNvPr>
+          <p:cNvSpPr/>
+          <p:nvPr/>
+        </p:nvSpPr>
+        <p:spPr>
+          <a:xfrm>
+            <a:off x="362559" y="5218496"/>
+            <a:ext cx="3053593" cy="973123"/>
+          </a:xfrm>
+          <a:prstGeom prst="roundRect">
+            <a:avLst/>
+          </a:prstGeom>
+          <a:ln>
+            <a:noFill/>
+          </a:ln>
+        </p:spPr>
+        <p:style>
+          <a:lnRef idx="2">
+            <a:schemeClr val="accent1">
+              <a:shade val="50000"/>
+            </a:schemeClr>
+          </a:lnRef>
+          <a:fillRef idx="1">
+            <a:schemeClr val="accent1"/>
+          </a:fillRef>
+          <a:effectRef idx="0">
+            <a:schemeClr val="accent1"/>
+          </a:effectRef>
+          <a:fontRef idx="minor">
+            <a:schemeClr val="lt1"/>
+          </a:fontRef>
+        </p:style>
+        <p:txBody>
+          <a:bodyPr rtlCol="0" anchor="ctr"/>
+          <a:lstStyle/>
+          <a:p>
+            <a:pPr algn="ctr"/>
+            <a:r>
+              <a:rPr lang="es-ES" dirty="0"/>
+              <a:t>Tendencia</a:t>
+            </a:r>
+            <a:endParaRPr lang="en-US" dirty="0"/>
+          </a:p>
+        </p:txBody>
+      </p:sp>
+      <p:sp>
+        <p:nvSpPr>
+          <p:cNvPr id="3" name="Rectángulo: esquinas redondeadas 2">
+            <a:extLst>
+              <a:ext uri="{FF2B5EF4-FFF2-40B4-BE49-F238E27FC236}">
+                <a16:creationId xmlns:a16="http://schemas.microsoft.com/office/drawing/2014/main" id="{0F213969-98AB-4DB8-B426-6CDD28B2585D}"/>
+              </a:ext>
+            </a:extLst>
+          </p:cNvPr>
+          <p:cNvSpPr/>
+          <p:nvPr/>
+        </p:nvSpPr>
+        <p:spPr>
+          <a:xfrm>
+            <a:off x="362559" y="3632433"/>
+            <a:ext cx="3053593" cy="973123"/>
+          </a:xfrm>
+          <a:prstGeom prst="roundRect">
+            <a:avLst/>
+          </a:prstGeom>
+          <a:solidFill>
+            <a:schemeClr val="bg1"/>
+          </a:solidFill>
+          <a:ln>
+            <a:solidFill>
+              <a:srgbClr val="A80000"/>
+            </a:solidFill>
+          </a:ln>
+        </p:spPr>
+        <p:style>
+          <a:lnRef idx="2">
+            <a:schemeClr val="accent1">
+              <a:shade val="50000"/>
+            </a:schemeClr>
+          </a:lnRef>
+          <a:fillRef idx="1">
+            <a:schemeClr val="accent1"/>
+          </a:fillRef>
+          <a:effectRef idx="0">
+            <a:schemeClr val="accent1"/>
+          </a:effectRef>
+          <a:fontRef idx="minor">
+            <a:schemeClr val="lt1"/>
+          </a:fontRef>
+        </p:style>
+        <p:txBody>
+          <a:bodyPr rtlCol="0" anchor="ctr"/>
+          <a:lstStyle/>
+          <a:p>
+            <a:pPr algn="ctr"/>
+            <a:r>
+              <a:rPr lang="es-ES" dirty="0">
+                <a:solidFill>
+                  <a:srgbClr val="A80000"/>
+                </a:solidFill>
+              </a:rPr>
+              <a:t>Transformación de Box Cox o Logaritmos</a:t>
+            </a:r>
+            <a:endParaRPr lang="en-US" dirty="0">
+              <a:solidFill>
+                <a:srgbClr val="A80000"/>
+              </a:solidFill>
+            </a:endParaRPr>
+          </a:p>
+        </p:txBody>
+      </p:sp>
+      <p:sp>
+        <p:nvSpPr>
+          <p:cNvPr id="4" name="Rectángulo: esquinas redondeadas 3">
+            <a:extLst>
+              <a:ext uri="{FF2B5EF4-FFF2-40B4-BE49-F238E27FC236}">
+                <a16:creationId xmlns:a16="http://schemas.microsoft.com/office/drawing/2014/main" id="{59D459A3-6CF5-42AD-839F-317EA8E1BA8B}"/>
+              </a:ext>
+            </a:extLst>
+          </p:cNvPr>
+          <p:cNvSpPr/>
+          <p:nvPr/>
+        </p:nvSpPr>
+        <p:spPr>
+          <a:xfrm>
+            <a:off x="3833769" y="3129094"/>
+            <a:ext cx="7690872" cy="1968140"/>
+          </a:xfrm>
+          <a:prstGeom prst="roundRect">
+            <a:avLst/>
+          </a:prstGeom>
+          <a:solidFill>
+            <a:schemeClr val="bg1"/>
+          </a:solidFill>
+          <a:ln>
+            <a:solidFill>
+              <a:srgbClr val="A80000"/>
+            </a:solidFill>
+          </a:ln>
+        </p:spPr>
+        <p:style>
+          <a:lnRef idx="2">
+            <a:schemeClr val="accent1">
+              <a:shade val="50000"/>
+            </a:schemeClr>
+          </a:lnRef>
+          <a:fillRef idx="1">
+            <a:schemeClr val="accent1"/>
+          </a:fillRef>
+          <a:effectRef idx="0">
+            <a:schemeClr val="accent1"/>
+          </a:effectRef>
+          <a:fontRef idx="minor">
+            <a:schemeClr val="lt1"/>
+          </a:fontRef>
+        </p:style>
+        <p:txBody>
+          <a:bodyPr rtlCol="0" anchor="ctr"/>
+          <a:lstStyle/>
+          <a:p>
+            <a:pPr algn="ctr"/>
+            <a:endParaRPr lang="en-US"/>
+          </a:p>
+        </p:txBody>
+      </p:sp>
+      <p:sp>
+        <p:nvSpPr>
+          <p:cNvPr id="6" name="Flecha: a la derecha 5">
+            <a:extLst>
+              <a:ext uri="{FF2B5EF4-FFF2-40B4-BE49-F238E27FC236}">
+                <a16:creationId xmlns:a16="http://schemas.microsoft.com/office/drawing/2014/main" id="{078FD83B-A895-42D7-A8E7-D2C2D228DD86}"/>
+              </a:ext>
+            </a:extLst>
+          </p:cNvPr>
+          <p:cNvSpPr/>
+          <p:nvPr/>
+        </p:nvSpPr>
+        <p:spPr>
+          <a:xfrm>
+            <a:off x="3416151" y="3968170"/>
+            <a:ext cx="417618" cy="268448"/>
+          </a:xfrm>
+          <a:prstGeom prst="rightArrow">
+            <a:avLst/>
+          </a:prstGeom>
+          <a:solidFill>
+            <a:srgbClr val="A80000"/>
+          </a:solidFill>
+          <a:ln>
+            <a:solidFill>
+              <a:srgbClr val="A80000"/>
+            </a:solidFill>
+          </a:ln>
+        </p:spPr>
+        <p:style>
+          <a:lnRef idx="2">
+            <a:schemeClr val="accent1">
+              <a:shade val="50000"/>
+            </a:schemeClr>
+          </a:lnRef>
+          <a:fillRef idx="1">
+            <a:schemeClr val="accent1"/>
+          </a:fillRef>
+          <a:effectRef idx="0">
+            <a:schemeClr val="accent1"/>
+          </a:effectRef>
+          <a:fontRef idx="minor">
+            <a:schemeClr val="lt1"/>
+          </a:fontRef>
+        </p:style>
+        <p:txBody>
+          <a:bodyPr rtlCol="0" anchor="ctr"/>
+          <a:lstStyle/>
+          <a:p>
+            <a:pPr algn="ctr"/>
+            <a:endParaRPr lang="en-US"/>
+          </a:p>
+        </p:txBody>
+      </p:sp>
+      <p:sp>
+        <p:nvSpPr>
+          <p:cNvPr id="15" name="CuadroTexto 14">
+            <a:extLst>
+              <a:ext uri="{FF2B5EF4-FFF2-40B4-BE49-F238E27FC236}">
+                <a16:creationId xmlns:a16="http://schemas.microsoft.com/office/drawing/2014/main" id="{2FDF7E11-2026-485A-ABDF-7ABF9924D27D}"/>
+              </a:ext>
+            </a:extLst>
+          </p:cNvPr>
+          <p:cNvSpPr txBox="1"/>
+          <p:nvPr/>
+        </p:nvSpPr>
+        <p:spPr>
+          <a:xfrm>
+            <a:off x="3833770" y="3436005"/>
+            <a:ext cx="7588144" cy="1169551"/>
+          </a:xfrm>
+          <a:prstGeom prst="rect">
+            <a:avLst/>
+          </a:prstGeom>
+          <a:noFill/>
+        </p:spPr>
+        <p:txBody>
+          <a:bodyPr wrap="square" rtlCol="0">
+            <a:spAutoFit/>
+          </a:bodyPr>
+          <a:lstStyle/>
+          <a:p>
+            <a:pPr marL="742950" lvl="1" indent="-285750">
+              <a:buFont typeface="Wingdings" panose="05000000000000000000" pitchFamily="2" charset="2"/>
+              <a:buChar char="Ø"/>
+            </a:pPr>
+            <a:r>
+              <a:rPr lang="es-ES" sz="1400" dirty="0"/>
+              <a:t>Para cumplir el requisito de estacionariedad es necesario que la serie sea estable en media y varianza.</a:t>
+            </a:r>
+          </a:p>
+          <a:p>
+            <a:pPr marL="742950" lvl="1" indent="-285750">
+              <a:buFont typeface="Wingdings" panose="05000000000000000000" pitchFamily="2" charset="2"/>
+              <a:buChar char="Ø"/>
+            </a:pPr>
+            <a:r>
+              <a:rPr lang="es-ES" sz="1400" dirty="0"/>
+              <a:t>La varianza se puede controlar mediante una transformación de box-</a:t>
+            </a:r>
+            <a:r>
+              <a:rPr lang="es-ES" sz="1400" dirty="0" err="1"/>
+              <a:t>cox</a:t>
+            </a:r>
+            <a:r>
+              <a:rPr lang="es-ES" sz="1400" dirty="0"/>
+              <a:t>. La que se realiza suele ser logaritmos, para no afectar la </a:t>
+            </a:r>
+            <a:r>
+              <a:rPr lang="es-ES" sz="1400" dirty="0" err="1"/>
+              <a:t>explicabilidad</a:t>
+            </a:r>
+            <a:r>
+              <a:rPr lang="es-ES" sz="1400" dirty="0"/>
+              <a:t>.</a:t>
+            </a:r>
+          </a:p>
+          <a:p>
+            <a:pPr marL="742950" lvl="1" indent="-285750">
+              <a:buFont typeface="Wingdings" panose="05000000000000000000" pitchFamily="2" charset="2"/>
+              <a:buChar char="Ø"/>
+            </a:pPr>
+            <a:r>
+              <a:rPr lang="es-ES" sz="1400" dirty="0"/>
+              <a:t>Otra opción es la normalización de las variables. </a:t>
+            </a:r>
+          </a:p>
+        </p:txBody>
+      </p:sp>
+    </p:spTree>
+    <p:extLst>
+      <p:ext uri="{BB962C8B-B14F-4D97-AF65-F5344CB8AC3E}">
+        <p14:creationId xmlns:p14="http://schemas.microsoft.com/office/powerpoint/2010/main" val="1349751778"/>
+      </p:ext>
+    </p:extLst>
+  </p:cSld>
+  <p:clrMapOvr>
+    <a:masterClrMapping/>
+  </p:clrMapOvr>
+</p:sld>
+</file>
+
+<file path=ppt/slides/slide9.xml><?xml version="1.0" encoding="utf-8"?>
+<p:sld xmlns:a="http://schemas.openxmlformats.org/drawingml/2006/main" xmlns:r="http://schemas.openxmlformats.org/officeDocument/2006/relationships" xmlns:p="http://schemas.openxmlformats.org/presentationml/2006/main">
+  <p:cSld>
+    <p:spTree>
+      <p:nvGrpSpPr>
+        <p:cNvPr id="1" name=""/>
+        <p:cNvGrpSpPr/>
+        <p:nvPr/>
+      </p:nvGrpSpPr>
+      <p:grpSpPr>
+        <a:xfrm>
+          <a:off x="0" y="0"/>
+          <a:ext cx="0" cy="0"/>
+          <a:chOff x="0" y="0"/>
+          <a:chExt cx="0" cy="0"/>
+        </a:xfrm>
+      </p:grpSpPr>
+      <p:sp>
+        <p:nvSpPr>
+          <p:cNvPr id="22" name="CuadroTexto 21">
+            <a:extLst>
+              <a:ext uri="{FF2B5EF4-FFF2-40B4-BE49-F238E27FC236}">
+                <a16:creationId xmlns:a16="http://schemas.microsoft.com/office/drawing/2014/main" id="{5C80F593-DD2F-4F38-8160-0B4B1E5E79C5}"/>
+              </a:ext>
+            </a:extLst>
+          </p:cNvPr>
+          <p:cNvSpPr txBox="1"/>
+          <p:nvPr/>
+        </p:nvSpPr>
+        <p:spPr>
+          <a:xfrm>
+            <a:off x="7675981" y="186661"/>
+            <a:ext cx="4516019" cy="1077218"/>
+          </a:xfrm>
+          <a:prstGeom prst="rect">
+            <a:avLst/>
+          </a:prstGeom>
+          <a:noFill/>
+        </p:spPr>
+        <p:txBody>
+          <a:bodyPr wrap="square" rtlCol="0">
+            <a:spAutoFit/>
+          </a:bodyPr>
+          <a:lstStyle/>
+          <a:p>
+            <a:pPr algn="ctr"/>
+            <a:r>
+              <a:rPr lang="es-ES" sz="3200" dirty="0"/>
+              <a:t>Revisión del Caso Práctico</a:t>
+            </a:r>
+            <a:endParaRPr lang="en-US" sz="2800" dirty="0"/>
+          </a:p>
+        </p:txBody>
+      </p:sp>
+      <p:sp>
+        <p:nvSpPr>
+          <p:cNvPr id="43" name="CuadroTexto 42">
+            <a:extLst>
+              <a:ext uri="{FF2B5EF4-FFF2-40B4-BE49-F238E27FC236}">
+                <a16:creationId xmlns:a16="http://schemas.microsoft.com/office/drawing/2014/main" id="{47A5A277-2DCF-4F78-A2A7-6F76ED500228}"/>
+              </a:ext>
+            </a:extLst>
+          </p:cNvPr>
+          <p:cNvSpPr txBox="1"/>
+          <p:nvPr/>
+        </p:nvSpPr>
+        <p:spPr>
+          <a:xfrm>
+            <a:off x="0" y="1360657"/>
+            <a:ext cx="3959603" cy="400110"/>
+          </a:xfrm>
+          <a:prstGeom prst="rect">
+            <a:avLst/>
+          </a:prstGeom>
+          <a:noFill/>
+        </p:spPr>
+        <p:txBody>
+          <a:bodyPr wrap="square" rtlCol="0">
+            <a:spAutoFit/>
+          </a:bodyPr>
+          <a:lstStyle/>
+          <a:p>
+            <a:pPr algn="ctr"/>
+            <a:r>
+              <a:rPr lang="es-ES" sz="2000" i="1" dirty="0"/>
+              <a:t>Arreglos de la serie Temporal</a:t>
+            </a:r>
+            <a:endParaRPr lang="en-US" i="1" dirty="0"/>
+          </a:p>
+        </p:txBody>
+      </p:sp>
+      <p:sp>
+        <p:nvSpPr>
+          <p:cNvPr id="9" name="AutoShape 6" descr="statsmodels">
+            <a:extLst>
+              <a:ext uri="{FF2B5EF4-FFF2-40B4-BE49-F238E27FC236}">
+                <a16:creationId xmlns:a16="http://schemas.microsoft.com/office/drawing/2014/main" id="{CABC1135-890E-4BE3-9332-D0D6EF3DCCCC}"/>
+              </a:ext>
+            </a:extLst>
+          </p:cNvPr>
+          <p:cNvSpPr>
+            <a:spLocks noChangeAspect="1" noChangeArrowheads="1"/>
+          </p:cNvSpPr>
+          <p:nvPr/>
+        </p:nvSpPr>
+        <p:spPr bwMode="auto">
+          <a:xfrm>
+            <a:off x="11524641" y="5400258"/>
+            <a:ext cx="304800" cy="304800"/>
+          </a:xfrm>
+          <a:prstGeom prst="rect">
+            <a:avLst/>
+          </a:prstGeom>
+          <a:noFill/>
+          <a:extLst>
+            <a:ext uri="{909E8E84-426E-40DD-AFC4-6F175D3DCCD1}">
+              <a14:hiddenFill xmlns:a14="http://schemas.microsoft.com/office/drawing/2010/main">
+                <a:solidFill>
+                  <a:srgbClr val="FFFFFF"/>
+                </a:solidFill>
+              </a14:hiddenFill>
+            </a:ext>
+          </a:extLst>
+        </p:spPr>
+        <p:txBody>
+          <a:bodyPr vert="horz" wrap="square" lIns="91440" tIns="45720" rIns="91440" bIns="45720" numCol="1" anchor="t" anchorCtr="0" compatLnSpc="1">
+            <a:prstTxWarp prst="textNoShape">
+              <a:avLst/>
+            </a:prstTxWarp>
+          </a:bodyPr>
+          <a:lstStyle/>
+          <a:p>
+            <a:endParaRPr lang="en-US" dirty="0"/>
+          </a:p>
+        </p:txBody>
+      </p:sp>
+      <p:sp>
+        <p:nvSpPr>
+          <p:cNvPr id="2" name="Rectángulo: esquinas redondeadas 1">
+            <a:extLst>
+              <a:ext uri="{FF2B5EF4-FFF2-40B4-BE49-F238E27FC236}">
+                <a16:creationId xmlns:a16="http://schemas.microsoft.com/office/drawing/2014/main" id="{FA8FC288-FE67-4B2B-9E5D-3CAD2E98AEB1}"/>
+              </a:ext>
+            </a:extLst>
+          </p:cNvPr>
+          <p:cNvSpPr/>
+          <p:nvPr/>
+        </p:nvSpPr>
+        <p:spPr>
+          <a:xfrm>
+            <a:off x="362558" y="2029947"/>
+            <a:ext cx="3053593" cy="973123"/>
+          </a:xfrm>
+          <a:prstGeom prst="roundRect">
+            <a:avLst/>
+          </a:prstGeom>
+          <a:ln>
+            <a:noFill/>
+          </a:ln>
+        </p:spPr>
+        <p:style>
+          <a:lnRef idx="2">
+            <a:schemeClr val="accent1">
+              <a:shade val="50000"/>
+            </a:schemeClr>
+          </a:lnRef>
+          <a:fillRef idx="1">
+            <a:schemeClr val="accent1"/>
+          </a:fillRef>
+          <a:effectRef idx="0">
+            <a:schemeClr val="accent1"/>
+          </a:effectRef>
+          <a:fontRef idx="minor">
+            <a:schemeClr val="lt1"/>
+          </a:fontRef>
+        </p:style>
+        <p:txBody>
+          <a:bodyPr rtlCol="0" anchor="ctr"/>
+          <a:lstStyle/>
+          <a:p>
+            <a:pPr algn="ctr"/>
+            <a:r>
+              <a:rPr lang="es-ES" dirty="0"/>
+              <a:t>Datos Faltantes</a:t>
+            </a:r>
+            <a:endParaRPr lang="en-US" dirty="0"/>
+          </a:p>
+        </p:txBody>
+      </p:sp>
+      <p:sp>
+        <p:nvSpPr>
+          <p:cNvPr id="7" name="Rectángulo: esquinas redondeadas 6">
+            <a:extLst>
+              <a:ext uri="{FF2B5EF4-FFF2-40B4-BE49-F238E27FC236}">
+                <a16:creationId xmlns:a16="http://schemas.microsoft.com/office/drawing/2014/main" id="{A07B9AEE-FD20-410D-9CEC-D84D03649067}"/>
+              </a:ext>
+            </a:extLst>
+          </p:cNvPr>
+          <p:cNvSpPr/>
+          <p:nvPr/>
+        </p:nvSpPr>
+        <p:spPr>
+          <a:xfrm>
+            <a:off x="4261607" y="2029946"/>
+            <a:ext cx="3053593" cy="973123"/>
+          </a:xfrm>
+          <a:prstGeom prst="roundRect">
+            <a:avLst/>
+          </a:prstGeom>
+          <a:ln>
+            <a:noFill/>
+          </a:ln>
+        </p:spPr>
+        <p:style>
+          <a:lnRef idx="2">
+            <a:schemeClr val="accent1">
+              <a:shade val="50000"/>
+            </a:schemeClr>
+          </a:lnRef>
+          <a:fillRef idx="1">
+            <a:schemeClr val="accent1"/>
+          </a:fillRef>
+          <a:effectRef idx="0">
+            <a:schemeClr val="accent1"/>
+          </a:effectRef>
+          <a:fontRef idx="minor">
+            <a:schemeClr val="lt1"/>
+          </a:fontRef>
+        </p:style>
+        <p:txBody>
+          <a:bodyPr rtlCol="0" anchor="ctr"/>
+          <a:lstStyle/>
+          <a:p>
+            <a:pPr algn="ctr"/>
+            <a:r>
+              <a:rPr lang="es-ES" dirty="0"/>
+              <a:t>Ceros</a:t>
+            </a:r>
+            <a:endParaRPr lang="en-US" dirty="0"/>
+          </a:p>
+        </p:txBody>
+      </p:sp>
+      <p:sp>
+        <p:nvSpPr>
+          <p:cNvPr id="8" name="Rectángulo: esquinas redondeadas 7">
+            <a:extLst>
+              <a:ext uri="{FF2B5EF4-FFF2-40B4-BE49-F238E27FC236}">
+                <a16:creationId xmlns:a16="http://schemas.microsoft.com/office/drawing/2014/main" id="{B4F9CA9D-361E-41BB-B9B4-22CBE5B11B82}"/>
+              </a:ext>
+            </a:extLst>
+          </p:cNvPr>
+          <p:cNvSpPr/>
+          <p:nvPr/>
+        </p:nvSpPr>
+        <p:spPr>
+          <a:xfrm>
+            <a:off x="8775848" y="2029945"/>
+            <a:ext cx="3053593" cy="973123"/>
+          </a:xfrm>
+          <a:prstGeom prst="roundRect">
+            <a:avLst/>
+          </a:prstGeom>
+          <a:ln>
+            <a:noFill/>
+          </a:ln>
+        </p:spPr>
+        <p:style>
+          <a:lnRef idx="2">
+            <a:schemeClr val="accent1">
+              <a:shade val="50000"/>
+            </a:schemeClr>
+          </a:lnRef>
+          <a:fillRef idx="1">
+            <a:schemeClr val="accent1"/>
+          </a:fillRef>
+          <a:effectRef idx="0">
+            <a:schemeClr val="accent1"/>
+          </a:effectRef>
+          <a:fontRef idx="minor">
+            <a:schemeClr val="lt1"/>
+          </a:fontRef>
+        </p:style>
+        <p:txBody>
+          <a:bodyPr rtlCol="0" anchor="ctr"/>
+          <a:lstStyle/>
+          <a:p>
+            <a:pPr algn="ctr"/>
+            <a:r>
+              <a:rPr lang="es-ES" dirty="0"/>
+              <a:t>Varianza</a:t>
+            </a:r>
+            <a:endParaRPr lang="en-US" dirty="0"/>
+          </a:p>
+        </p:txBody>
+      </p:sp>
+      <p:sp>
+        <p:nvSpPr>
+          <p:cNvPr id="10" name="Rectángulo: esquinas redondeadas 9">
+            <a:extLst>
+              <a:ext uri="{FF2B5EF4-FFF2-40B4-BE49-F238E27FC236}">
+                <a16:creationId xmlns:a16="http://schemas.microsoft.com/office/drawing/2014/main" id="{BB78D5E2-5B6F-4A2A-8279-4B8B3F0F8C5A}"/>
+              </a:ext>
+            </a:extLst>
+          </p:cNvPr>
+          <p:cNvSpPr/>
+          <p:nvPr/>
+        </p:nvSpPr>
+        <p:spPr>
+          <a:xfrm>
+            <a:off x="8775848" y="5218494"/>
+            <a:ext cx="3053593" cy="973123"/>
+          </a:xfrm>
+          <a:prstGeom prst="roundRect">
+            <a:avLst/>
+          </a:prstGeom>
+          <a:ln>
+            <a:noFill/>
+          </a:ln>
+        </p:spPr>
+        <p:style>
+          <a:lnRef idx="2">
+            <a:schemeClr val="accent1">
+              <a:shade val="50000"/>
+            </a:schemeClr>
+          </a:lnRef>
+          <a:fillRef idx="1">
+            <a:schemeClr val="accent1"/>
+          </a:fillRef>
+          <a:effectRef idx="0">
+            <a:schemeClr val="accent1"/>
+          </a:effectRef>
+          <a:fontRef idx="minor">
+            <a:schemeClr val="lt1"/>
+          </a:fontRef>
+        </p:style>
+        <p:txBody>
+          <a:bodyPr rtlCol="0" anchor="ctr"/>
+          <a:lstStyle/>
+          <a:p>
+            <a:pPr algn="ctr"/>
+            <a:r>
+              <a:rPr lang="es-ES" dirty="0" err="1"/>
+              <a:t>Lag</a:t>
+            </a:r>
+            <a:endParaRPr lang="en-US" dirty="0"/>
+          </a:p>
+        </p:txBody>
+      </p:sp>
+      <p:sp>
+        <p:nvSpPr>
+          <p:cNvPr id="11" name="Rectángulo: esquinas redondeadas 10">
+            <a:extLst>
+              <a:ext uri="{FF2B5EF4-FFF2-40B4-BE49-F238E27FC236}">
+                <a16:creationId xmlns:a16="http://schemas.microsoft.com/office/drawing/2014/main" id="{5CC3FA6C-C46E-40A1-B651-0047C24332B8}"/>
+              </a:ext>
+            </a:extLst>
+          </p:cNvPr>
+          <p:cNvSpPr/>
+          <p:nvPr/>
+        </p:nvSpPr>
+        <p:spPr>
+          <a:xfrm>
+            <a:off x="4261607" y="5218495"/>
+            <a:ext cx="3053593" cy="973123"/>
+          </a:xfrm>
+          <a:prstGeom prst="roundRect">
+            <a:avLst/>
+          </a:prstGeom>
+          <a:ln>
+            <a:noFill/>
+          </a:ln>
+        </p:spPr>
+        <p:style>
+          <a:lnRef idx="2">
+            <a:schemeClr val="accent1">
+              <a:shade val="50000"/>
+            </a:schemeClr>
+          </a:lnRef>
+          <a:fillRef idx="1">
+            <a:schemeClr val="accent1"/>
+          </a:fillRef>
+          <a:effectRef idx="0">
+            <a:schemeClr val="accent1"/>
+          </a:effectRef>
+          <a:fontRef idx="minor">
+            <a:schemeClr val="lt1"/>
+          </a:fontRef>
+        </p:style>
+        <p:txBody>
+          <a:bodyPr rtlCol="0" anchor="ctr"/>
+          <a:lstStyle/>
+          <a:p>
+            <a:pPr algn="ctr"/>
+            <a:r>
+              <a:rPr lang="es-ES" dirty="0"/>
+              <a:t>Media móvil</a:t>
+            </a:r>
+            <a:endParaRPr lang="en-US" dirty="0"/>
+          </a:p>
+        </p:txBody>
+      </p:sp>
+      <p:sp>
+        <p:nvSpPr>
+          <p:cNvPr id="12" name="Rectángulo: esquinas redondeadas 11">
+            <a:extLst>
+              <a:ext uri="{FF2B5EF4-FFF2-40B4-BE49-F238E27FC236}">
+                <a16:creationId xmlns:a16="http://schemas.microsoft.com/office/drawing/2014/main" id="{5ED25998-F487-4A84-BB7E-D02D590572EB}"/>
+              </a:ext>
+            </a:extLst>
+          </p:cNvPr>
+          <p:cNvSpPr/>
+          <p:nvPr/>
+        </p:nvSpPr>
+        <p:spPr>
+          <a:xfrm>
+            <a:off x="362559" y="5218496"/>
+            <a:ext cx="3053593" cy="973123"/>
+          </a:xfrm>
+          <a:prstGeom prst="roundRect">
+            <a:avLst/>
+          </a:prstGeom>
+          <a:solidFill>
+            <a:srgbClr val="A80000"/>
+          </a:solidFill>
+          <a:ln>
+            <a:noFill/>
+          </a:ln>
+        </p:spPr>
+        <p:style>
+          <a:lnRef idx="2">
+            <a:schemeClr val="accent1">
+              <a:shade val="50000"/>
+            </a:schemeClr>
+          </a:lnRef>
+          <a:fillRef idx="1">
+            <a:schemeClr val="accent1"/>
+          </a:fillRef>
+          <a:effectRef idx="0">
+            <a:schemeClr val="accent1"/>
+          </a:effectRef>
+          <a:fontRef idx="minor">
+            <a:schemeClr val="lt1"/>
+          </a:fontRef>
+        </p:style>
+        <p:txBody>
+          <a:bodyPr rtlCol="0" anchor="ctr"/>
+          <a:lstStyle/>
+          <a:p>
+            <a:pPr algn="ctr"/>
+            <a:r>
+              <a:rPr lang="es-ES" dirty="0"/>
+              <a:t>Tendencia</a:t>
+            </a:r>
+            <a:endParaRPr lang="en-US" dirty="0"/>
+          </a:p>
+        </p:txBody>
+      </p:sp>
+      <p:sp>
+        <p:nvSpPr>
+          <p:cNvPr id="3" name="Rectángulo: esquinas redondeadas 2">
+            <a:extLst>
+              <a:ext uri="{FF2B5EF4-FFF2-40B4-BE49-F238E27FC236}">
+                <a16:creationId xmlns:a16="http://schemas.microsoft.com/office/drawing/2014/main" id="{0F213969-98AB-4DB8-B426-6CDD28B2585D}"/>
+              </a:ext>
+            </a:extLst>
+          </p:cNvPr>
+          <p:cNvSpPr/>
+          <p:nvPr/>
+        </p:nvSpPr>
+        <p:spPr>
+          <a:xfrm>
+            <a:off x="362559" y="3632433"/>
+            <a:ext cx="3053593" cy="973123"/>
+          </a:xfrm>
+          <a:prstGeom prst="roundRect">
+            <a:avLst/>
+          </a:prstGeom>
+          <a:solidFill>
+            <a:schemeClr val="bg1"/>
+          </a:solidFill>
+          <a:ln>
+            <a:solidFill>
+              <a:srgbClr val="A80000"/>
+            </a:solidFill>
+          </a:ln>
+        </p:spPr>
+        <p:style>
+          <a:lnRef idx="2">
+            <a:schemeClr val="accent1">
+              <a:shade val="50000"/>
+            </a:schemeClr>
+          </a:lnRef>
+          <a:fillRef idx="1">
+            <a:schemeClr val="accent1"/>
+          </a:fillRef>
+          <a:effectRef idx="0">
+            <a:schemeClr val="accent1"/>
+          </a:effectRef>
+          <a:fontRef idx="minor">
+            <a:schemeClr val="lt1"/>
+          </a:fontRef>
+        </p:style>
+        <p:txBody>
+          <a:bodyPr rtlCol="0" anchor="ctr"/>
+          <a:lstStyle/>
+          <a:p>
+            <a:pPr algn="ctr"/>
+            <a:r>
+              <a:rPr lang="es-ES" dirty="0">
+                <a:solidFill>
+                  <a:srgbClr val="A80000"/>
+                </a:solidFill>
+              </a:rPr>
+              <a:t>Modelado de la tendencia</a:t>
+            </a:r>
+            <a:endParaRPr lang="en-US" dirty="0">
+              <a:solidFill>
+                <a:srgbClr val="A80000"/>
+              </a:solidFill>
+            </a:endParaRPr>
+          </a:p>
+        </p:txBody>
+      </p:sp>
+      <p:sp>
+        <p:nvSpPr>
+          <p:cNvPr id="4" name="Rectángulo: esquinas redondeadas 3">
+            <a:extLst>
+              <a:ext uri="{FF2B5EF4-FFF2-40B4-BE49-F238E27FC236}">
+                <a16:creationId xmlns:a16="http://schemas.microsoft.com/office/drawing/2014/main" id="{59D459A3-6CF5-42AD-839F-317EA8E1BA8B}"/>
+              </a:ext>
+            </a:extLst>
+          </p:cNvPr>
+          <p:cNvSpPr/>
+          <p:nvPr/>
+        </p:nvSpPr>
+        <p:spPr>
+          <a:xfrm>
+            <a:off x="3833769" y="3129094"/>
+            <a:ext cx="7690872" cy="1968140"/>
+          </a:xfrm>
+          <a:prstGeom prst="roundRect">
+            <a:avLst/>
+          </a:prstGeom>
+          <a:solidFill>
+            <a:schemeClr val="bg1"/>
+          </a:solidFill>
+          <a:ln>
+            <a:solidFill>
+              <a:srgbClr val="A80000"/>
+            </a:solidFill>
+          </a:ln>
+        </p:spPr>
+        <p:style>
+          <a:lnRef idx="2">
+            <a:schemeClr val="accent1">
+              <a:shade val="50000"/>
+            </a:schemeClr>
+          </a:lnRef>
+          <a:fillRef idx="1">
+            <a:schemeClr val="accent1"/>
+          </a:fillRef>
+          <a:effectRef idx="0">
+            <a:schemeClr val="accent1"/>
+          </a:effectRef>
+          <a:fontRef idx="minor">
+            <a:schemeClr val="lt1"/>
+          </a:fontRef>
+        </p:style>
+        <p:txBody>
+          <a:bodyPr rtlCol="0" anchor="ctr"/>
+          <a:lstStyle/>
+          <a:p>
+            <a:pPr algn="ctr"/>
+            <a:endParaRPr lang="en-US"/>
+          </a:p>
+        </p:txBody>
+      </p:sp>
+      <p:sp>
+        <p:nvSpPr>
+          <p:cNvPr id="6" name="Flecha: a la derecha 5">
+            <a:extLst>
+              <a:ext uri="{FF2B5EF4-FFF2-40B4-BE49-F238E27FC236}">
+                <a16:creationId xmlns:a16="http://schemas.microsoft.com/office/drawing/2014/main" id="{078FD83B-A895-42D7-A8E7-D2C2D228DD86}"/>
+              </a:ext>
+            </a:extLst>
+          </p:cNvPr>
+          <p:cNvSpPr/>
+          <p:nvPr/>
+        </p:nvSpPr>
+        <p:spPr>
+          <a:xfrm>
+            <a:off x="3416151" y="3968170"/>
+            <a:ext cx="417618" cy="268448"/>
+          </a:xfrm>
+          <a:prstGeom prst="rightArrow">
+            <a:avLst/>
+          </a:prstGeom>
+          <a:solidFill>
+            <a:srgbClr val="A80000"/>
+          </a:solidFill>
+          <a:ln>
+            <a:solidFill>
+              <a:srgbClr val="A80000"/>
+            </a:solidFill>
+          </a:ln>
+        </p:spPr>
+        <p:style>
+          <a:lnRef idx="2">
+            <a:schemeClr val="accent1">
+              <a:shade val="50000"/>
+            </a:schemeClr>
+          </a:lnRef>
+          <a:fillRef idx="1">
+            <a:schemeClr val="accent1"/>
+          </a:fillRef>
+          <a:effectRef idx="0">
+            <a:schemeClr val="accent1"/>
+          </a:effectRef>
+          <a:fontRef idx="minor">
+            <a:schemeClr val="lt1"/>
+          </a:fontRef>
+        </p:style>
+        <p:txBody>
+          <a:bodyPr rtlCol="0" anchor="ctr"/>
+          <a:lstStyle/>
+          <a:p>
+            <a:pPr algn="ctr"/>
+            <a:endParaRPr lang="en-US"/>
+          </a:p>
+        </p:txBody>
+      </p:sp>
+      <p:sp>
+        <p:nvSpPr>
+          <p:cNvPr id="15" name="CuadroTexto 14">
+            <a:extLst>
+              <a:ext uri="{FF2B5EF4-FFF2-40B4-BE49-F238E27FC236}">
+                <a16:creationId xmlns:a16="http://schemas.microsoft.com/office/drawing/2014/main" id="{2FDF7E11-2026-485A-ABDF-7ABF9924D27D}"/>
+              </a:ext>
+            </a:extLst>
+          </p:cNvPr>
+          <p:cNvSpPr txBox="1"/>
+          <p:nvPr/>
+        </p:nvSpPr>
+        <p:spPr>
+          <a:xfrm>
+            <a:off x="3833770" y="3220561"/>
+            <a:ext cx="7588144" cy="1600438"/>
+          </a:xfrm>
+          <a:prstGeom prst="rect">
+            <a:avLst/>
+          </a:prstGeom>
+          <a:noFill/>
+        </p:spPr>
+        <p:txBody>
+          <a:bodyPr wrap="square" rtlCol="0">
+            <a:spAutoFit/>
+          </a:bodyPr>
+          <a:lstStyle/>
+          <a:p>
+            <a:pPr marL="742950" lvl="1" indent="-285750">
+              <a:buFont typeface="Wingdings" panose="05000000000000000000" pitchFamily="2" charset="2"/>
+              <a:buChar char="Ø"/>
+            </a:pPr>
+            <a:r>
+              <a:rPr lang="es-ES" sz="1400" dirty="0"/>
+              <a:t>Para cumplir el requisito de estacionariedad es necesario que la serie sea estable en media y varianza.</a:t>
+            </a:r>
+          </a:p>
+          <a:p>
+            <a:pPr marL="742950" lvl="1" indent="-285750">
+              <a:buFont typeface="Wingdings" panose="05000000000000000000" pitchFamily="2" charset="2"/>
+              <a:buChar char="Ø"/>
+            </a:pPr>
+            <a:r>
+              <a:rPr lang="es-ES" sz="1400" dirty="0"/>
+              <a:t>La tendencia se puede obtener mediante una diferenciación simple (</a:t>
+            </a:r>
+            <a:r>
+              <a:rPr lang="es-ES" sz="1400" dirty="0" err="1"/>
+              <a:t>y</a:t>
+            </a:r>
+            <a:r>
+              <a:rPr lang="es-ES" sz="1400" baseline="-25000" dirty="0" err="1"/>
+              <a:t>new</a:t>
+            </a:r>
+            <a:r>
+              <a:rPr lang="es-ES" sz="1400" dirty="0"/>
+              <a:t>=y</a:t>
+            </a:r>
+            <a:r>
+              <a:rPr lang="es-ES" sz="1400" baseline="-25000" dirty="0"/>
+              <a:t>t</a:t>
+            </a:r>
+            <a:r>
+              <a:rPr lang="es-ES" sz="1400" dirty="0"/>
+              <a:t>-y</a:t>
+            </a:r>
+            <a:r>
+              <a:rPr lang="es-ES" sz="1400" baseline="-25000" dirty="0"/>
+              <a:t>t-1</a:t>
+            </a:r>
+            <a:r>
+              <a:rPr lang="es-ES" sz="1400" dirty="0"/>
+              <a:t>)</a:t>
+            </a:r>
+          </a:p>
+          <a:p>
+            <a:pPr marL="742950" lvl="1" indent="-285750">
+              <a:buFont typeface="Wingdings" panose="05000000000000000000" pitchFamily="2" charset="2"/>
+              <a:buChar char="Ø"/>
+            </a:pPr>
+            <a:r>
+              <a:rPr lang="es-ES" sz="1400" dirty="0"/>
+              <a:t>Se pueden utilizar tendencias más complejas que requieren realizar el modelado de la serie.</a:t>
+            </a:r>
+          </a:p>
+          <a:p>
+            <a:pPr marL="1200150" lvl="2" indent="-285750">
+              <a:buFont typeface="Wingdings" panose="05000000000000000000" pitchFamily="2" charset="2"/>
+              <a:buChar char="Ø"/>
+            </a:pPr>
+            <a:r>
+              <a:rPr lang="es-ES" sz="1400" dirty="0"/>
+              <a:t>Series de Fourier</a:t>
+            </a:r>
+          </a:p>
+        </p:txBody>
+      </p:sp>
+    </p:spTree>
+    <p:extLst>
+      <p:ext uri="{BB962C8B-B14F-4D97-AF65-F5344CB8AC3E}">
+        <p14:creationId xmlns:p14="http://schemas.microsoft.com/office/powerpoint/2010/main" val="3859880953"/>
       </p:ext>
     </p:extLst>
   </p:cSld>
